--- a/Beta Regression/Beta-regression.pptx
+++ b/Beta Regression/Beta-regression.pptx
@@ -5,10 +5,10 @@
     <p:sldMasterId id="2147483648" r:id="rId1"/>
   </p:sldMasterIdLst>
   <p:notesMasterIdLst>
-    <p:notesMasterId r:id="rId12"/>
+    <p:notesMasterId r:id="rId18"/>
   </p:notesMasterIdLst>
   <p:handoutMasterIdLst>
-    <p:handoutMasterId r:id="rId13"/>
+    <p:handoutMasterId r:id="rId19"/>
   </p:handoutMasterIdLst>
   <p:sldIdLst>
     <p:sldId id="256" r:id="rId2"/>
@@ -20,7 +20,13 @@
     <p:sldId id="368" r:id="rId8"/>
     <p:sldId id="369" r:id="rId9"/>
     <p:sldId id="370" r:id="rId10"/>
-    <p:sldId id="367" r:id="rId11"/>
+    <p:sldId id="371" r:id="rId11"/>
+    <p:sldId id="372" r:id="rId12"/>
+    <p:sldId id="374" r:id="rId13"/>
+    <p:sldId id="373" r:id="rId14"/>
+    <p:sldId id="375" r:id="rId15"/>
+    <p:sldId id="376" r:id="rId16"/>
+    <p:sldId id="367" r:id="rId17"/>
   </p:sldIdLst>
   <p:sldSz cx="12192000" cy="6858000"/>
   <p:notesSz cx="6858000" cy="9144000"/>
@@ -971,8 +977,8 @@
         </a:p>
       </dgm:t>
     </dgm:pt>
-    <mc:AlternateContent xmlns:mc="http://schemas.openxmlformats.org/markup-compatibility/2006">
-      <mc:Choice xmlns:a14="http://schemas.microsoft.com/office/drawing/2010/main" Requires="a14">
+    <mc:AlternateContent xmlns:mc="http://schemas.openxmlformats.org/markup-compatibility/2006" xmlns:a14="http://schemas.microsoft.com/office/drawing/2010/main">
+      <mc:Choice Requires="a14">
         <dgm:pt modelId="{3A269D55-F454-4A81-BF6A-FD122A4A0195}">
           <dgm:prSet/>
           <dgm:spPr/>
@@ -1057,7 +1063,7 @@
           </dgm:t>
         </dgm:pt>
       </mc:Choice>
-      <mc:Fallback>
+      <mc:Fallback xmlns="">
         <dgm:pt modelId="{3A269D55-F454-4A81-BF6A-FD122A4A0195}">
           <dgm:prSet/>
           <dgm:spPr/>
@@ -1157,8 +1163,8 @@
         </a:p>
       </dgm:t>
     </dgm:pt>
-    <mc:AlternateContent xmlns:mc="http://schemas.openxmlformats.org/markup-compatibility/2006">
-      <mc:Choice xmlns:a14="http://schemas.microsoft.com/office/drawing/2010/main" Requires="a14">
+    <mc:AlternateContent xmlns:mc="http://schemas.openxmlformats.org/markup-compatibility/2006" xmlns:a14="http://schemas.microsoft.com/office/drawing/2010/main">
+      <mc:Choice Requires="a14">
         <dgm:pt modelId="{F49992F5-7F45-496E-8D76-95B668B93F4E}">
           <dgm:prSet/>
           <dgm:spPr/>
@@ -1291,7 +1297,7 @@
           </dgm:t>
         </dgm:pt>
       </mc:Choice>
-      <mc:Fallback>
+      <mc:Fallback xmlns="">
         <dgm:pt modelId="{F49992F5-7F45-496E-8D76-95B668B93F4E}">
           <dgm:prSet/>
           <dgm:spPr/>
@@ -4280,7 +4286,7 @@
           <a:p>
             <a:fld id="{696C064A-D61B-4B21-B757-51A9B82445B8}" type="datetimeFigureOut">
               <a:rPr lang="en-US" smtClean="0"/>
-              <a:t>5/27/2018</a:t>
+              <a:t>5/28/2018</a:t>
             </a:fld>
             <a:endParaRPr lang="en-US"/>
           </a:p>
@@ -4440,7 +4446,7 @@
           <a:p>
             <a:fld id="{3EFD42F7-718C-4B98-AAEC-167E6DDD60A7}" type="datetimeFigureOut">
               <a:rPr lang="en-US" smtClean="0"/>
-              <a:t>5/27/2018</a:t>
+              <a:t>5/28/2018</a:t>
             </a:fld>
             <a:endParaRPr lang="en-US"/>
           </a:p>
@@ -4700,6 +4706,301 @@
     </a:lvl9pPr>
   </p:notesStyle>
 </p:notesMaster>
+</file>
+
+<file path=ppt/notesSlides/notesSlide1.xml><?xml version="1.0" encoding="utf-8"?>
+<p:notes xmlns:a="http://schemas.openxmlformats.org/drawingml/2006/main" xmlns:r="http://schemas.openxmlformats.org/officeDocument/2006/relationships" xmlns:p="http://schemas.openxmlformats.org/presentationml/2006/main">
+  <p:cSld>
+    <p:spTree>
+      <p:nvGrpSpPr>
+        <p:cNvPr id="1" name=""/>
+        <p:cNvGrpSpPr/>
+        <p:nvPr/>
+      </p:nvGrpSpPr>
+      <p:grpSpPr>
+        <a:xfrm>
+          <a:off x="0" y="0"/>
+          <a:ext cx="0" cy="0"/>
+          <a:chOff x="0" y="0"/>
+          <a:chExt cx="0" cy="0"/>
+        </a:xfrm>
+      </p:grpSpPr>
+      <p:sp>
+        <p:nvSpPr>
+          <p:cNvPr id="2" name="Slide Image Placeholder 1"/>
+          <p:cNvSpPr>
+            <a:spLocks noGrp="1" noRot="1" noChangeAspect="1"/>
+          </p:cNvSpPr>
+          <p:nvPr>
+            <p:ph type="sldImg"/>
+          </p:nvPr>
+        </p:nvSpPr>
+        <p:spPr/>
+      </p:sp>
+      <p:sp>
+        <p:nvSpPr>
+          <p:cNvPr id="3" name="Notes Placeholder 2"/>
+          <p:cNvSpPr>
+            <a:spLocks noGrp="1"/>
+          </p:cNvSpPr>
+          <p:nvPr>
+            <p:ph type="body" idx="1"/>
+          </p:nvPr>
+        </p:nvSpPr>
+        <p:spPr/>
+        <p:txBody>
+          <a:bodyPr/>
+          <a:lstStyle/>
+          <a:p>
+            <a:r>
+              <a:rPr lang="en-GB" sz="1200" b="0" i="0" u="none" strike="noStrike" kern="1200" baseline="0" dirty="0">
+                <a:solidFill>
+                  <a:schemeClr val="tx1"/>
+                </a:solidFill>
+                <a:latin typeface="+mn-lt"/>
+                <a:ea typeface="+mn-ea"/>
+                <a:cs typeface="+mn-cs"/>
+              </a:rPr>
+              <a:t>The main motivation for using a link function in the regression structure is twofold. </a:t>
+            </a:r>
+          </a:p>
+          <a:p>
+            <a:endParaRPr lang="en-GB" sz="1200" b="0" i="0" u="none" strike="noStrike" kern="1200" baseline="0" dirty="0">
+              <a:solidFill>
+                <a:schemeClr val="tx1"/>
+              </a:solidFill>
+              <a:latin typeface="+mn-lt"/>
+              <a:ea typeface="+mn-ea"/>
+              <a:cs typeface="+mn-cs"/>
+            </a:endParaRPr>
+          </a:p>
+          <a:p>
+            <a:r>
+              <a:rPr lang="en-GB" sz="1200" b="0" i="0" u="none" strike="noStrike" kern="1200" baseline="0" dirty="0">
+                <a:solidFill>
+                  <a:schemeClr val="tx1"/>
+                </a:solidFill>
+                <a:latin typeface="+mn-lt"/>
+                <a:ea typeface="+mn-ea"/>
+                <a:cs typeface="+mn-cs"/>
+              </a:rPr>
+              <a:t>First, both sides of the regression equation assume values in the real line when a link function is applied to </a:t>
+            </a:r>
+            <a:r>
+              <a:rPr lang="en-GB" sz="1200" b="0" i="0" u="none" strike="noStrike" kern="1200" baseline="0" dirty="0" err="1">
+                <a:solidFill>
+                  <a:schemeClr val="tx1"/>
+                </a:solidFill>
+                <a:latin typeface="+mn-lt"/>
+                <a:ea typeface="+mn-ea"/>
+                <a:cs typeface="+mn-cs"/>
+              </a:rPr>
+              <a:t>i</a:t>
+            </a:r>
+            <a:r>
+              <a:rPr lang="en-GB" sz="1200" b="0" i="0" u="none" strike="noStrike" kern="1200" baseline="0" dirty="0">
+                <a:solidFill>
+                  <a:schemeClr val="tx1"/>
+                </a:solidFill>
+                <a:latin typeface="+mn-lt"/>
+                <a:ea typeface="+mn-ea"/>
+                <a:cs typeface="+mn-cs"/>
+              </a:rPr>
+              <a:t>. </a:t>
+            </a:r>
+          </a:p>
+          <a:p>
+            <a:r>
+              <a:rPr lang="en-GB" sz="1200" b="0" i="0" u="none" strike="noStrike" kern="1200" baseline="0" dirty="0">
+                <a:solidFill>
+                  <a:schemeClr val="tx1"/>
+                </a:solidFill>
+                <a:latin typeface="+mn-lt"/>
+                <a:ea typeface="+mn-ea"/>
+                <a:cs typeface="+mn-cs"/>
+              </a:rPr>
+              <a:t>Second, there is an added flexibility since the practitioner can choose the function that yields the best fit.</a:t>
+            </a:r>
+          </a:p>
+          <a:p>
+            <a:endParaRPr lang="en-GB" sz="1200" b="0" i="0" u="none" strike="noStrike" kern="1200" baseline="0" dirty="0">
+              <a:solidFill>
+                <a:schemeClr val="tx1"/>
+              </a:solidFill>
+              <a:latin typeface="+mn-lt"/>
+              <a:ea typeface="+mn-ea"/>
+              <a:cs typeface="+mn-cs"/>
+            </a:endParaRPr>
+          </a:p>
+          <a:p>
+            <a:r>
+              <a:rPr lang="en-GB" sz="1200" b="0" i="0" u="none" strike="noStrike" kern="1200" baseline="0" dirty="0">
+                <a:solidFill>
+                  <a:schemeClr val="tx1"/>
+                </a:solidFill>
+                <a:latin typeface="+mn-lt"/>
+                <a:ea typeface="+mn-ea"/>
+                <a:cs typeface="+mn-cs"/>
+              </a:rPr>
+              <a:t>log, logit , </a:t>
+            </a:r>
+            <a:r>
+              <a:rPr lang="en-GB" sz="1200" b="0" i="0" u="none" strike="noStrike" kern="1200" baseline="0" dirty="0" err="1">
+                <a:solidFill>
+                  <a:schemeClr val="tx1"/>
+                </a:solidFill>
+                <a:latin typeface="+mn-lt"/>
+                <a:ea typeface="+mn-ea"/>
+                <a:cs typeface="+mn-cs"/>
+              </a:rPr>
+              <a:t>probit</a:t>
+            </a:r>
+            <a:r>
+              <a:rPr lang="en-GB" sz="1200" b="0" i="0" u="none" strike="noStrike" kern="1200" baseline="0" dirty="0">
+                <a:solidFill>
+                  <a:schemeClr val="tx1"/>
+                </a:solidFill>
+                <a:latin typeface="+mn-lt"/>
+                <a:ea typeface="+mn-ea"/>
+                <a:cs typeface="+mn-cs"/>
+              </a:rPr>
+              <a:t> , complementary log-log, log-log and Cauchy for the mean</a:t>
+            </a:r>
+          </a:p>
+          <a:p>
+            <a:r>
+              <a:rPr lang="en-GB" sz="1200" b="0" i="0" u="none" strike="noStrike" kern="1200" baseline="0" dirty="0">
+                <a:solidFill>
+                  <a:schemeClr val="tx1"/>
+                </a:solidFill>
+                <a:latin typeface="+mn-lt"/>
+                <a:ea typeface="+mn-ea"/>
+                <a:cs typeface="+mn-cs"/>
+              </a:rPr>
+              <a:t>"identity", "log", and "sqrt“ for the precision.</a:t>
+            </a:r>
+            <a:endParaRPr lang="en-GB" dirty="0"/>
+          </a:p>
+        </p:txBody>
+      </p:sp>
+      <p:sp>
+        <p:nvSpPr>
+          <p:cNvPr id="4" name="Slide Number Placeholder 3"/>
+          <p:cNvSpPr>
+            <a:spLocks noGrp="1"/>
+          </p:cNvSpPr>
+          <p:nvPr>
+            <p:ph type="sldNum" sz="quarter" idx="10"/>
+          </p:nvPr>
+        </p:nvSpPr>
+        <p:spPr/>
+        <p:txBody>
+          <a:bodyPr/>
+          <a:lstStyle/>
+          <a:p>
+            <a:fld id="{21B2AA4F-B828-4D7C-AFD3-893933DAFCB4}" type="slidenum">
+              <a:rPr lang="en-US" smtClean="0"/>
+              <a:t>8</a:t>
+            </a:fld>
+            <a:endParaRPr lang="en-US"/>
+          </a:p>
+        </p:txBody>
+      </p:sp>
+    </p:spTree>
+    <p:extLst>
+      <p:ext uri="{BB962C8B-B14F-4D97-AF65-F5344CB8AC3E}">
+        <p14:creationId xmlns:p14="http://schemas.microsoft.com/office/powerpoint/2010/main" val="2322010850"/>
+      </p:ext>
+    </p:extLst>
+  </p:cSld>
+  <p:clrMapOvr>
+    <a:masterClrMapping/>
+  </p:clrMapOvr>
+</p:notes>
+</file>
+
+<file path=ppt/notesSlides/notesSlide2.xml><?xml version="1.0" encoding="utf-8"?>
+<p:notes xmlns:a="http://schemas.openxmlformats.org/drawingml/2006/main" xmlns:r="http://schemas.openxmlformats.org/officeDocument/2006/relationships" xmlns:p="http://schemas.openxmlformats.org/presentationml/2006/main">
+  <p:cSld>
+    <p:spTree>
+      <p:nvGrpSpPr>
+        <p:cNvPr id="1" name=""/>
+        <p:cNvGrpSpPr/>
+        <p:nvPr/>
+      </p:nvGrpSpPr>
+      <p:grpSpPr>
+        <a:xfrm>
+          <a:off x="0" y="0"/>
+          <a:ext cx="0" cy="0"/>
+          <a:chOff x="0" y="0"/>
+          <a:chExt cx="0" cy="0"/>
+        </a:xfrm>
+      </p:grpSpPr>
+      <p:sp>
+        <p:nvSpPr>
+          <p:cNvPr id="2" name="Slide Image Placeholder 1"/>
+          <p:cNvSpPr>
+            <a:spLocks noGrp="1" noRot="1" noChangeAspect="1"/>
+          </p:cNvSpPr>
+          <p:nvPr>
+            <p:ph type="sldImg"/>
+          </p:nvPr>
+        </p:nvSpPr>
+        <p:spPr/>
+      </p:sp>
+      <p:sp>
+        <p:nvSpPr>
+          <p:cNvPr id="3" name="Notes Placeholder 2"/>
+          <p:cNvSpPr>
+            <a:spLocks noGrp="1"/>
+          </p:cNvSpPr>
+          <p:nvPr>
+            <p:ph type="body" idx="1"/>
+          </p:nvPr>
+        </p:nvSpPr>
+        <p:spPr/>
+        <p:txBody>
+          <a:bodyPr/>
+          <a:lstStyle/>
+          <a:p>
+            <a:endParaRPr lang="en-GB" dirty="0"/>
+          </a:p>
+        </p:txBody>
+      </p:sp>
+      <p:sp>
+        <p:nvSpPr>
+          <p:cNvPr id="4" name="Slide Number Placeholder 3"/>
+          <p:cNvSpPr>
+            <a:spLocks noGrp="1"/>
+          </p:cNvSpPr>
+          <p:nvPr>
+            <p:ph type="sldNum" sz="quarter" idx="10"/>
+          </p:nvPr>
+        </p:nvSpPr>
+        <p:spPr/>
+        <p:txBody>
+          <a:bodyPr/>
+          <a:lstStyle/>
+          <a:p>
+            <a:fld id="{21B2AA4F-B828-4D7C-AFD3-893933DAFCB4}" type="slidenum">
+              <a:rPr lang="en-US" smtClean="0"/>
+              <a:t>9</a:t>
+            </a:fld>
+            <a:endParaRPr lang="en-US"/>
+          </a:p>
+        </p:txBody>
+      </p:sp>
+    </p:spTree>
+    <p:extLst>
+      <p:ext uri="{BB962C8B-B14F-4D97-AF65-F5344CB8AC3E}">
+        <p14:creationId xmlns:p14="http://schemas.microsoft.com/office/powerpoint/2010/main" val="763784003"/>
+      </p:ext>
+    </p:extLst>
+  </p:cSld>
+  <p:clrMapOvr>
+    <a:masterClrMapping/>
+  </p:clrMapOvr>
+</p:notes>
 </file>
 
 <file path=ppt/slideLayouts/slideLayout1.xml><?xml version="1.0" encoding="utf-8"?>
@@ -16715,58 +17016,6 @@
       </p:grpSpPr>
       <p:sp>
         <p:nvSpPr>
-          <p:cNvPr id="10242" name="Titel 1"/>
-          <p:cNvSpPr>
-            <a:spLocks noGrp="1"/>
-          </p:cNvSpPr>
-          <p:nvPr>
-            <p:ph type="ctrTitle"/>
-          </p:nvPr>
-        </p:nvSpPr>
-        <p:spPr>
-          <a:xfrm>
-            <a:off x="1128713" y="1003300"/>
-            <a:ext cx="9934575" cy="1705620"/>
-          </a:xfrm>
-        </p:spPr>
-        <p:txBody>
-          <a:bodyPr/>
-          <a:lstStyle/>
-          <a:p>
-            <a:pPr algn="ctr" eaLnBrk="1" hangingPunct="1"/>
-            <a:r>
-              <a:rPr lang="en-GB" sz="2400" dirty="0">
-                <a:solidFill>
-                  <a:schemeClr val="tx1"/>
-                </a:solidFill>
-                <a:effectLst>
-                  <a:outerShdw blurRad="38100" dist="19050" dir="2700000" algn="tl" rotWithShape="0">
-                    <a:schemeClr val="dk1">
-                      <a:alpha val="40000"/>
-                    </a:schemeClr>
-                  </a:outerShdw>
-                </a:effectLst>
-                <a:sym typeface="+mn-ea"/>
-              </a:rPr>
-              <a:t>Beta regression</a:t>
-            </a:r>
-            <a:endParaRPr lang="x-none" sz="2400" dirty="0">
-              <a:solidFill>
-                <a:schemeClr val="tx1"/>
-              </a:solidFill>
-              <a:effectLst>
-                <a:outerShdw blurRad="38100" dist="19050" dir="2700000" algn="tl" rotWithShape="0">
-                  <a:schemeClr val="dk1">
-                    <a:alpha val="40000"/>
-                  </a:schemeClr>
-                </a:outerShdw>
-              </a:effectLst>
-            </a:endParaRPr>
-          </a:p>
-        </p:txBody>
-      </p:sp>
-      <p:sp>
-        <p:nvSpPr>
           <p:cNvPr id="10243" name="Tijdelijke aanduiding voor tekst 3"/>
           <p:cNvSpPr>
             <a:spLocks noGrp="1"/>
@@ -16930,6 +17179,82 @@
           </a:p>
         </p:txBody>
       </p:sp>
+      <p:sp>
+        <p:nvSpPr>
+          <p:cNvPr id="3" name="Rectangle 2">
+            <a:extLst>
+              <a:ext uri="{FF2B5EF4-FFF2-40B4-BE49-F238E27FC236}">
+                <a16:creationId xmlns:a16="http://schemas.microsoft.com/office/drawing/2014/main" id="{05718721-59B6-4372-8EB2-AADA91BA0B5A}"/>
+              </a:ext>
+            </a:extLst>
+          </p:cNvPr>
+          <p:cNvSpPr/>
+          <p:nvPr/>
+        </p:nvSpPr>
+        <p:spPr>
+          <a:xfrm>
+            <a:off x="767408" y="1085425"/>
+            <a:ext cx="10638432" cy="1754326"/>
+          </a:xfrm>
+          <a:prstGeom prst="rect">
+            <a:avLst/>
+          </a:prstGeom>
+          <a:noFill/>
+        </p:spPr>
+        <p:txBody>
+          <a:bodyPr wrap="square" lIns="91440" tIns="45720" rIns="91440" bIns="45720">
+            <a:spAutoFit/>
+          </a:bodyPr>
+          <a:lstStyle/>
+          <a:p>
+            <a:pPr algn="ctr"/>
+            <a:r>
+              <a:rPr lang="en-GB" sz="5400" b="1" spc="50" dirty="0">
+                <a:ln w="9525" cmpd="sng">
+                  <a:solidFill>
+                    <a:schemeClr val="accent1"/>
+                  </a:solidFill>
+                  <a:prstDash val="solid"/>
+                </a:ln>
+                <a:solidFill>
+                  <a:srgbClr val="70AD47">
+                    <a:tint val="1000"/>
+                  </a:srgbClr>
+                </a:solidFill>
+                <a:effectLst>
+                  <a:glow rad="38100">
+                    <a:schemeClr val="accent1">
+                      <a:alpha val="40000"/>
+                    </a:schemeClr>
+                  </a:glow>
+                </a:effectLst>
+                <a:sym typeface="+mn-ea"/>
+              </a:rPr>
+              <a:t>How to analyse continuous bounded variables?</a:t>
+            </a:r>
+            <a:endParaRPr lang="en-GB" sz="5400" b="1" spc="50" dirty="0">
+              <a:ln w="9525" cmpd="sng">
+                <a:solidFill>
+                  <a:schemeClr val="accent1"/>
+                </a:solidFill>
+                <a:prstDash val="solid"/>
+              </a:ln>
+              <a:solidFill>
+                <a:srgbClr val="70AD47">
+                  <a:tint val="1000"/>
+                </a:srgbClr>
+              </a:solidFill>
+              <a:effectLst>
+                <a:glow rad="38100">
+                  <a:schemeClr val="accent1">
+                    <a:alpha val="40000"/>
+                  </a:schemeClr>
+                </a:glow>
+              </a:effectLst>
+            </a:endParaRPr>
+          </a:p>
+        </p:txBody>
+      </p:sp>
     </p:spTree>
   </p:cSld>
   <p:clrMapOvr>
@@ -16942,6 +17267,1105 @@
 </file>
 
 <file path=ppt/slides/slide10.xml><?xml version="1.0" encoding="utf-8"?>
+<p:sld xmlns:a="http://schemas.openxmlformats.org/drawingml/2006/main" xmlns:r="http://schemas.openxmlformats.org/officeDocument/2006/relationships" xmlns:p="http://schemas.openxmlformats.org/presentationml/2006/main">
+  <p:cSld>
+    <p:spTree>
+      <p:nvGrpSpPr>
+        <p:cNvPr id="1" name=""/>
+        <p:cNvGrpSpPr/>
+        <p:nvPr/>
+      </p:nvGrpSpPr>
+      <p:grpSpPr>
+        <a:xfrm>
+          <a:off x="0" y="0"/>
+          <a:ext cx="0" cy="0"/>
+          <a:chOff x="0" y="0"/>
+          <a:chExt cx="0" cy="0"/>
+        </a:xfrm>
+      </p:grpSpPr>
+      <p:pic>
+        <p:nvPicPr>
+          <p:cNvPr id="4" name="Content Placeholder 3">
+            <a:extLst>
+              <a:ext uri="{FF2B5EF4-FFF2-40B4-BE49-F238E27FC236}">
+                <a16:creationId xmlns:a16="http://schemas.microsoft.com/office/drawing/2014/main" id="{1D2062F3-6084-4E2B-992A-14EABD9E16EF}"/>
+              </a:ext>
+            </a:extLst>
+          </p:cNvPr>
+          <p:cNvPicPr>
+            <a:picLocks noGrp="1" noChangeAspect="1"/>
+          </p:cNvPicPr>
+          <p:nvPr>
+            <p:ph idx="1"/>
+          </p:nvPr>
+        </p:nvPicPr>
+        <p:blipFill>
+          <a:blip r:embed="rId2">
+            <a:extLst>
+              <a:ext uri="{28A0092B-C50C-407E-A947-70E740481C1C}">
+                <a14:useLocalDpi xmlns:a14="http://schemas.microsoft.com/office/drawing/2010/main" val="0"/>
+              </a:ext>
+            </a:extLst>
+          </a:blip>
+          <a:stretch>
+            <a:fillRect/>
+          </a:stretch>
+        </p:blipFill>
+        <p:spPr>
+          <a:xfrm>
+            <a:off x="2351584" y="0"/>
+            <a:ext cx="8208912" cy="7121741"/>
+          </a:xfrm>
+          <a:prstGeom prst="rect">
+            <a:avLst/>
+          </a:prstGeom>
+        </p:spPr>
+      </p:pic>
+    </p:spTree>
+    <p:extLst>
+      <p:ext uri="{BB962C8B-B14F-4D97-AF65-F5344CB8AC3E}">
+        <p14:creationId xmlns:p14="http://schemas.microsoft.com/office/powerpoint/2010/main" val="3483400498"/>
+      </p:ext>
+    </p:extLst>
+  </p:cSld>
+  <p:clrMapOvr>
+    <a:masterClrMapping/>
+  </p:clrMapOvr>
+</p:sld>
+</file>
+
+<file path=ppt/slides/slide11.xml><?xml version="1.0" encoding="utf-8"?>
+<p:sld xmlns:a="http://schemas.openxmlformats.org/drawingml/2006/main" xmlns:r="http://schemas.openxmlformats.org/officeDocument/2006/relationships" xmlns:p="http://schemas.openxmlformats.org/presentationml/2006/main">
+  <p:cSld>
+    <p:spTree>
+      <p:nvGrpSpPr>
+        <p:cNvPr id="1" name=""/>
+        <p:cNvGrpSpPr/>
+        <p:nvPr/>
+      </p:nvGrpSpPr>
+      <p:grpSpPr>
+        <a:xfrm>
+          <a:off x="0" y="0"/>
+          <a:ext cx="0" cy="0"/>
+          <a:chOff x="0" y="0"/>
+          <a:chExt cx="0" cy="0"/>
+        </a:xfrm>
+      </p:grpSpPr>
+      <p:sp>
+        <p:nvSpPr>
+          <p:cNvPr id="2" name="Title 1">
+            <a:extLst>
+              <a:ext uri="{FF2B5EF4-FFF2-40B4-BE49-F238E27FC236}">
+                <a16:creationId xmlns:a16="http://schemas.microsoft.com/office/drawing/2014/main" id="{8A4BDE96-0969-456B-9345-C95014EB79F9}"/>
+              </a:ext>
+            </a:extLst>
+          </p:cNvPr>
+          <p:cNvSpPr>
+            <a:spLocks noGrp="1"/>
+          </p:cNvSpPr>
+          <p:nvPr>
+            <p:ph type="title"/>
+          </p:nvPr>
+        </p:nvSpPr>
+        <p:spPr>
+          <a:xfrm>
+            <a:off x="696912" y="116632"/>
+            <a:ext cx="10798175" cy="533400"/>
+          </a:xfrm>
+        </p:spPr>
+        <p:txBody>
+          <a:bodyPr/>
+          <a:lstStyle/>
+          <a:p>
+            <a:pPr algn="ctr"/>
+            <a:r>
+              <a:rPr lang="en-GB" dirty="0"/>
+              <a:t>Examples</a:t>
+            </a:r>
+          </a:p>
+        </p:txBody>
+      </p:sp>
+      <p:sp>
+        <p:nvSpPr>
+          <p:cNvPr id="3" name="Content Placeholder 2">
+            <a:extLst>
+              <a:ext uri="{FF2B5EF4-FFF2-40B4-BE49-F238E27FC236}">
+                <a16:creationId xmlns:a16="http://schemas.microsoft.com/office/drawing/2014/main" id="{F67089D8-46A3-4094-B027-60D15AE59639}"/>
+              </a:ext>
+            </a:extLst>
+          </p:cNvPr>
+          <p:cNvSpPr>
+            <a:spLocks noGrp="1"/>
+          </p:cNvSpPr>
+          <p:nvPr>
+            <p:ph idx="1"/>
+          </p:nvPr>
+        </p:nvSpPr>
+        <p:spPr>
+          <a:xfrm>
+            <a:off x="696913" y="980728"/>
+            <a:ext cx="11447759" cy="5256584"/>
+          </a:xfrm>
+        </p:spPr>
+        <p:txBody>
+          <a:bodyPr/>
+          <a:lstStyle/>
+          <a:p>
+            <a:r>
+              <a:rPr lang="en-GB" dirty="0"/>
+              <a:t>Reading accuracy data for </a:t>
+            </a:r>
+            <a:r>
+              <a:rPr lang="en-GB" dirty="0" err="1"/>
+              <a:t>nondyslexic</a:t>
+            </a:r>
+            <a:r>
+              <a:rPr lang="en-GB" dirty="0"/>
+              <a:t> and dyslexic Australian children </a:t>
+            </a:r>
+            <a:r>
+              <a:rPr lang="en-GB" dirty="0">
+                <a:hlinkClick r:id="rId2" action="ppaction://hlinksldjump"/>
+              </a:rPr>
+              <a:t>(Smithson and </a:t>
+            </a:r>
+            <a:r>
+              <a:rPr lang="en-GB" dirty="0" err="1">
+                <a:hlinkClick r:id="rId2" action="ppaction://hlinksldjump"/>
+              </a:rPr>
+              <a:t>Verkuilen</a:t>
+            </a:r>
+            <a:r>
+              <a:rPr lang="en-GB" dirty="0">
+                <a:hlinkClick r:id="rId2" action="ppaction://hlinksldjump"/>
+              </a:rPr>
+              <a:t> 2006)</a:t>
+            </a:r>
+            <a:endParaRPr lang="en-GB" dirty="0"/>
+          </a:p>
+          <a:p>
+            <a:r>
+              <a:rPr lang="en-GB" dirty="0"/>
+              <a:t>We model the reading accuracy given dyslexia and IQ with interaction </a:t>
+            </a:r>
+          </a:p>
+          <a:p>
+            <a:pPr marL="0" indent="0" algn="ctr">
+              <a:buNone/>
+            </a:pPr>
+            <a:r>
+              <a:rPr lang="en-GB" dirty="0">
+                <a:latin typeface="Courier New" panose="02070309020205020404" pitchFamily="49" charset="0"/>
+                <a:cs typeface="Courier New" panose="02070309020205020404" pitchFamily="49" charset="0"/>
+              </a:rPr>
+              <a:t>arcsine transformation</a:t>
+            </a:r>
+          </a:p>
+          <a:p>
+            <a:pPr marL="0" indent="0">
+              <a:buNone/>
+            </a:pPr>
+            <a:r>
+              <a:rPr lang="en-GB" dirty="0">
+                <a:latin typeface="Courier New" panose="02070309020205020404" pitchFamily="49" charset="0"/>
+                <a:cs typeface="Courier New" panose="02070309020205020404" pitchFamily="49" charset="0"/>
+              </a:rPr>
+              <a:t>  Estimate Std. Error t value  </a:t>
+            </a:r>
+            <a:r>
+              <a:rPr lang="en-GB" dirty="0" err="1">
+                <a:latin typeface="Courier New" panose="02070309020205020404" pitchFamily="49" charset="0"/>
+                <a:cs typeface="Courier New" panose="02070309020205020404" pitchFamily="49" charset="0"/>
+              </a:rPr>
+              <a:t>Pr</a:t>
+            </a:r>
+            <a:r>
+              <a:rPr lang="en-GB" dirty="0">
+                <a:latin typeface="Courier New" panose="02070309020205020404" pitchFamily="49" charset="0"/>
+                <a:cs typeface="Courier New" panose="02070309020205020404" pitchFamily="49" charset="0"/>
+              </a:rPr>
+              <a:t>(&gt;|t|)    </a:t>
+            </a:r>
+          </a:p>
+          <a:p>
+            <a:pPr marL="321945" lvl="1" indent="0">
+              <a:buNone/>
+            </a:pPr>
+            <a:r>
+              <a:rPr lang="en-GB" dirty="0">
+                <a:latin typeface="Courier New" panose="02070309020205020404" pitchFamily="49" charset="0"/>
+                <a:cs typeface="Courier New" panose="02070309020205020404" pitchFamily="49" charset="0"/>
+              </a:rPr>
+              <a:t>(Intercept)  1.071217   0.029041 36.8862 &lt; 2.2e-16 ***</a:t>
+            </a:r>
+          </a:p>
+          <a:p>
+            <a:pPr marL="321945" lvl="1" indent="0">
+              <a:buNone/>
+            </a:pPr>
+            <a:r>
+              <a:rPr lang="en-GB" dirty="0">
+                <a:latin typeface="Courier New" panose="02070309020205020404" pitchFamily="49" charset="0"/>
+                <a:cs typeface="Courier New" panose="02070309020205020404" pitchFamily="49" charset="0"/>
+              </a:rPr>
+              <a:t>dyslexia    -0.188236   0.029041 -6.4817 9.946e-08 ***</a:t>
+            </a:r>
+          </a:p>
+          <a:p>
+            <a:pPr marL="321945" lvl="1" indent="0">
+              <a:buNone/>
+            </a:pPr>
+            <a:r>
+              <a:rPr lang="en-GB" dirty="0" err="1">
+                <a:latin typeface="Courier New" panose="02070309020205020404" pitchFamily="49" charset="0"/>
+                <a:cs typeface="Courier New" panose="02070309020205020404" pitchFamily="49" charset="0"/>
+              </a:rPr>
+              <a:t>iq</a:t>
+            </a:r>
+            <a:r>
+              <a:rPr lang="en-GB" dirty="0">
+                <a:latin typeface="Courier New" panose="02070309020205020404" pitchFamily="49" charset="0"/>
+                <a:cs typeface="Courier New" panose="02070309020205020404" pitchFamily="49" charset="0"/>
+              </a:rPr>
+              <a:t>           0.041216   0.028993  1.4216   0.16290    </a:t>
+            </a:r>
+          </a:p>
+          <a:p>
+            <a:pPr marL="321945" lvl="1" indent="0">
+              <a:buNone/>
+            </a:pPr>
+            <a:r>
+              <a:rPr lang="en-GB" dirty="0" err="1">
+                <a:latin typeface="Courier New" panose="02070309020205020404" pitchFamily="49" charset="0"/>
+                <a:cs typeface="Courier New" panose="02070309020205020404" pitchFamily="49" charset="0"/>
+              </a:rPr>
+              <a:t>dyslexia:iq</a:t>
+            </a:r>
+            <a:r>
+              <a:rPr lang="en-GB" dirty="0">
+                <a:latin typeface="Courier New" panose="02070309020205020404" pitchFamily="49" charset="0"/>
+                <a:cs typeface="Courier New" panose="02070309020205020404" pitchFamily="49" charset="0"/>
+              </a:rPr>
+              <a:t> -0.056415   0.028993 -1.9458   0.05872 .</a:t>
+            </a:r>
+          </a:p>
+          <a:p>
+            <a:pPr marL="321945" lvl="1" indent="0" algn="ctr">
+              <a:buNone/>
+            </a:pPr>
+            <a:r>
+              <a:rPr lang="en-GB" dirty="0">
+                <a:latin typeface="Courier New" panose="02070309020205020404" pitchFamily="49" charset="0"/>
+                <a:cs typeface="Courier New" panose="02070309020205020404" pitchFamily="49" charset="0"/>
+              </a:rPr>
+              <a:t>logit transformation</a:t>
+            </a:r>
+          </a:p>
+          <a:p>
+            <a:pPr marL="321945" lvl="1" indent="0">
+              <a:buNone/>
+            </a:pPr>
+            <a:r>
+              <a:rPr lang="en-GB" dirty="0">
+                <a:latin typeface="Courier New" panose="02070309020205020404" pitchFamily="49" charset="0"/>
+                <a:cs typeface="Courier New" panose="02070309020205020404" pitchFamily="49" charset="0"/>
+              </a:rPr>
+              <a:t>            Estimate Std. Error t value  </a:t>
+            </a:r>
+            <a:r>
+              <a:rPr lang="en-GB" dirty="0" err="1">
+                <a:latin typeface="Courier New" panose="02070309020205020404" pitchFamily="49" charset="0"/>
+                <a:cs typeface="Courier New" panose="02070309020205020404" pitchFamily="49" charset="0"/>
+              </a:rPr>
+              <a:t>Pr</a:t>
+            </a:r>
+            <a:r>
+              <a:rPr lang="en-GB" dirty="0">
+                <a:latin typeface="Courier New" panose="02070309020205020404" pitchFamily="49" charset="0"/>
+                <a:cs typeface="Courier New" panose="02070309020205020404" pitchFamily="49" charset="0"/>
+              </a:rPr>
+              <a:t>(&gt;|t|)    </a:t>
+            </a:r>
+          </a:p>
+          <a:p>
+            <a:pPr marL="321945" lvl="1" indent="0">
+              <a:buNone/>
+            </a:pPr>
+            <a:r>
+              <a:rPr lang="en-GB" dirty="0">
+                <a:latin typeface="Courier New" panose="02070309020205020404" pitchFamily="49" charset="0"/>
+                <a:cs typeface="Courier New" panose="02070309020205020404" pitchFamily="49" charset="0"/>
+              </a:rPr>
+              <a:t>(Intercept)  1.60107    0.22586  7.0888 1.411e-08 ***</a:t>
+            </a:r>
+          </a:p>
+          <a:p>
+            <a:pPr marL="321945" lvl="1" indent="0">
+              <a:buNone/>
+            </a:pPr>
+            <a:r>
+              <a:rPr lang="en-GB" dirty="0">
+                <a:latin typeface="Courier New" panose="02070309020205020404" pitchFamily="49" charset="0"/>
+                <a:cs typeface="Courier New" panose="02070309020205020404" pitchFamily="49" charset="0"/>
+              </a:rPr>
+              <a:t>dyslexia    -1.20563    0.22586 -5.3380 4.011e-06 ***</a:t>
+            </a:r>
+          </a:p>
+          <a:p>
+            <a:pPr marL="321945" lvl="1" indent="0">
+              <a:buNone/>
+            </a:pPr>
+            <a:r>
+              <a:rPr lang="en-GB" dirty="0" err="1">
+                <a:latin typeface="Courier New" panose="02070309020205020404" pitchFamily="49" charset="0"/>
+                <a:cs typeface="Courier New" panose="02070309020205020404" pitchFamily="49" charset="0"/>
+              </a:rPr>
+              <a:t>iq</a:t>
+            </a:r>
+            <a:r>
+              <a:rPr lang="en-GB" dirty="0">
+                <a:latin typeface="Courier New" panose="02070309020205020404" pitchFamily="49" charset="0"/>
+                <a:cs typeface="Courier New" panose="02070309020205020404" pitchFamily="49" charset="0"/>
+              </a:rPr>
+              <a:t>           0.35945    0.22548  1.5941   0.11878    </a:t>
+            </a:r>
+          </a:p>
+          <a:p>
+            <a:pPr marL="321945" lvl="1" indent="0">
+              <a:buNone/>
+            </a:pPr>
+            <a:r>
+              <a:rPr lang="en-GB" dirty="0" err="1">
+                <a:latin typeface="Courier New" panose="02070309020205020404" pitchFamily="49" charset="0"/>
+                <a:cs typeface="Courier New" panose="02070309020205020404" pitchFamily="49" charset="0"/>
+              </a:rPr>
+              <a:t>dyslexia:iq</a:t>
+            </a:r>
+            <a:r>
+              <a:rPr lang="en-GB" dirty="0">
+                <a:latin typeface="Courier New" panose="02070309020205020404" pitchFamily="49" charset="0"/>
+                <a:cs typeface="Courier New" panose="02070309020205020404" pitchFamily="49" charset="0"/>
+              </a:rPr>
+              <a:t> -0.42286    0.22548 -1.8754   0.06805 .  </a:t>
+            </a:r>
+          </a:p>
+          <a:p>
+            <a:pPr marL="321945" lvl="1" indent="0">
+              <a:buNone/>
+            </a:pPr>
+            <a:endParaRPr lang="en-GB" dirty="0">
+              <a:latin typeface="Courier New" panose="02070309020205020404" pitchFamily="49" charset="0"/>
+              <a:cs typeface="Courier New" panose="02070309020205020404" pitchFamily="49" charset="0"/>
+            </a:endParaRPr>
+          </a:p>
+          <a:p>
+            <a:pPr marL="321945" lvl="1" indent="0">
+              <a:buNone/>
+            </a:pPr>
+            <a:r>
+              <a:rPr lang="en-GB" dirty="0"/>
+              <a:t>Both interactions were statistically not significant </a:t>
+            </a:r>
+            <a:endParaRPr lang="en-GB" dirty="0">
+              <a:latin typeface="Courier New" panose="02070309020205020404" pitchFamily="49" charset="0"/>
+              <a:cs typeface="Courier New" panose="02070309020205020404" pitchFamily="49" charset="0"/>
+            </a:endParaRPr>
+          </a:p>
+        </p:txBody>
+      </p:sp>
+    </p:spTree>
+    <p:extLst>
+      <p:ext uri="{BB962C8B-B14F-4D97-AF65-F5344CB8AC3E}">
+        <p14:creationId xmlns:p14="http://schemas.microsoft.com/office/powerpoint/2010/main" val="500330094"/>
+      </p:ext>
+    </p:extLst>
+  </p:cSld>
+  <p:clrMapOvr>
+    <a:masterClrMapping/>
+  </p:clrMapOvr>
+</p:sld>
+</file>
+
+<file path=ppt/slides/slide12.xml><?xml version="1.0" encoding="utf-8"?>
+<p:sld xmlns:a="http://schemas.openxmlformats.org/drawingml/2006/main" xmlns:r="http://schemas.openxmlformats.org/officeDocument/2006/relationships" xmlns:p="http://schemas.openxmlformats.org/presentationml/2006/main">
+  <p:cSld>
+    <p:spTree>
+      <p:nvGrpSpPr>
+        <p:cNvPr id="1" name=""/>
+        <p:cNvGrpSpPr/>
+        <p:nvPr/>
+      </p:nvGrpSpPr>
+      <p:grpSpPr>
+        <a:xfrm>
+          <a:off x="0" y="0"/>
+          <a:ext cx="0" cy="0"/>
+          <a:chOff x="0" y="0"/>
+          <a:chExt cx="0" cy="0"/>
+        </a:xfrm>
+      </p:grpSpPr>
+      <p:sp>
+        <p:nvSpPr>
+          <p:cNvPr id="2" name="Title 1">
+            <a:extLst>
+              <a:ext uri="{FF2B5EF4-FFF2-40B4-BE49-F238E27FC236}">
+                <a16:creationId xmlns:a16="http://schemas.microsoft.com/office/drawing/2014/main" id="{0AF5237E-C2F3-49C9-BE48-013C0226B07C}"/>
+              </a:ext>
+            </a:extLst>
+          </p:cNvPr>
+          <p:cNvSpPr>
+            <a:spLocks noGrp="1"/>
+          </p:cNvSpPr>
+          <p:nvPr>
+            <p:ph type="title"/>
+          </p:nvPr>
+        </p:nvSpPr>
+        <p:spPr>
+          <a:xfrm>
+            <a:off x="696913" y="116632"/>
+            <a:ext cx="10798175" cy="533400"/>
+          </a:xfrm>
+        </p:spPr>
+        <p:txBody>
+          <a:bodyPr/>
+          <a:lstStyle/>
+          <a:p>
+            <a:pPr algn="ctr"/>
+            <a:r>
+              <a:rPr lang="en-GB" dirty="0"/>
+              <a:t>Examples (continued)</a:t>
+            </a:r>
+          </a:p>
+        </p:txBody>
+      </p:sp>
+      <p:sp>
+        <p:nvSpPr>
+          <p:cNvPr id="3" name="Content Placeholder 2">
+            <a:extLst>
+              <a:ext uri="{FF2B5EF4-FFF2-40B4-BE49-F238E27FC236}">
+                <a16:creationId xmlns:a16="http://schemas.microsoft.com/office/drawing/2014/main" id="{5D4C1707-89C3-428A-882C-A99F36E957B5}"/>
+              </a:ext>
+            </a:extLst>
+          </p:cNvPr>
+          <p:cNvSpPr>
+            <a:spLocks noGrp="1"/>
+          </p:cNvSpPr>
+          <p:nvPr>
+            <p:ph idx="1"/>
+          </p:nvPr>
+        </p:nvSpPr>
+        <p:spPr>
+          <a:xfrm>
+            <a:off x="696913" y="908720"/>
+            <a:ext cx="10798175" cy="5031705"/>
+          </a:xfrm>
+        </p:spPr>
+        <p:txBody>
+          <a:bodyPr/>
+          <a:lstStyle/>
+          <a:p>
+            <a:pPr marL="0" indent="0" algn="ctr">
+              <a:buNone/>
+            </a:pPr>
+            <a:r>
+              <a:rPr lang="en-GB" dirty="0"/>
+              <a:t>When overdispersion is accounted the interactions become significant</a:t>
+            </a:r>
+          </a:p>
+          <a:p>
+            <a:endParaRPr lang="en-GB" dirty="0">
+              <a:latin typeface="Courier New" panose="02070309020205020404" pitchFamily="49" charset="0"/>
+              <a:cs typeface="Courier New" panose="02070309020205020404" pitchFamily="49" charset="0"/>
+            </a:endParaRPr>
+          </a:p>
+          <a:p>
+            <a:pPr marL="0" indent="0">
+              <a:buNone/>
+            </a:pPr>
+            <a:r>
+              <a:rPr lang="en-GB" dirty="0">
+                <a:latin typeface="Courier New" panose="02070309020205020404" pitchFamily="49" charset="0"/>
+                <a:cs typeface="Courier New" panose="02070309020205020404" pitchFamily="49" charset="0"/>
+              </a:rPr>
+              <a:t> 			Estimate Std. Error z value  </a:t>
+            </a:r>
+            <a:r>
+              <a:rPr lang="en-GB" dirty="0" err="1">
+                <a:latin typeface="Courier New" panose="02070309020205020404" pitchFamily="49" charset="0"/>
+                <a:cs typeface="Courier New" panose="02070309020205020404" pitchFamily="49" charset="0"/>
+              </a:rPr>
+              <a:t>Pr</a:t>
+            </a:r>
+            <a:r>
+              <a:rPr lang="en-GB" dirty="0">
+                <a:latin typeface="Courier New" panose="02070309020205020404" pitchFamily="49" charset="0"/>
+                <a:cs typeface="Courier New" panose="02070309020205020404" pitchFamily="49" charset="0"/>
+              </a:rPr>
+              <a:t>(&gt;|z|)    </a:t>
+            </a:r>
+          </a:p>
+          <a:p>
+            <a:pPr marL="0" indent="0">
+              <a:buNone/>
+            </a:pPr>
+            <a:r>
+              <a:rPr lang="en-GB" dirty="0">
+                <a:latin typeface="Courier New" panose="02070309020205020404" pitchFamily="49" charset="0"/>
+                <a:cs typeface="Courier New" panose="02070309020205020404" pitchFamily="49" charset="0"/>
+              </a:rPr>
+              <a:t>(Intercept)        1.12323    0.15089  7.4441 9.758e-14 ***</a:t>
+            </a:r>
+          </a:p>
+          <a:p>
+            <a:pPr marL="0" indent="0">
+              <a:buNone/>
+            </a:pPr>
+            <a:r>
+              <a:rPr lang="en-GB" dirty="0">
+                <a:latin typeface="Courier New" panose="02070309020205020404" pitchFamily="49" charset="0"/>
+                <a:cs typeface="Courier New" panose="02070309020205020404" pitchFamily="49" charset="0"/>
+              </a:rPr>
+              <a:t>dyslexia          -0.74165    0.15145 -4.8969 9.736e-07 ***</a:t>
+            </a:r>
+          </a:p>
+          <a:p>
+            <a:pPr marL="0" indent="0">
+              <a:buNone/>
+            </a:pPr>
+            <a:r>
+              <a:rPr lang="en-GB" dirty="0" err="1">
+                <a:latin typeface="Courier New" panose="02070309020205020404" pitchFamily="49" charset="0"/>
+                <a:cs typeface="Courier New" panose="02070309020205020404" pitchFamily="49" charset="0"/>
+              </a:rPr>
+              <a:t>iq</a:t>
+            </a:r>
+            <a:r>
+              <a:rPr lang="en-GB" dirty="0">
+                <a:latin typeface="Courier New" panose="02070309020205020404" pitchFamily="49" charset="0"/>
+                <a:cs typeface="Courier New" panose="02070309020205020404" pitchFamily="49" charset="0"/>
+              </a:rPr>
+              <a:t>                 0.48637    0.16708  2.9109 0.0036034 ** </a:t>
+            </a:r>
+          </a:p>
+          <a:p>
+            <a:pPr marL="0" indent="0">
+              <a:buNone/>
+            </a:pPr>
+            <a:r>
+              <a:rPr lang="en-GB" dirty="0" err="1">
+                <a:latin typeface="Courier New" panose="02070309020205020404" pitchFamily="49" charset="0"/>
+                <a:cs typeface="Courier New" panose="02070309020205020404" pitchFamily="49" charset="0"/>
+              </a:rPr>
+              <a:t>dyslexia:iq</a:t>
+            </a:r>
+            <a:r>
+              <a:rPr lang="en-GB" dirty="0">
+                <a:latin typeface="Courier New" panose="02070309020205020404" pitchFamily="49" charset="0"/>
+                <a:cs typeface="Courier New" panose="02070309020205020404" pitchFamily="49" charset="0"/>
+              </a:rPr>
+              <a:t>       -0.58126    0.17258 -3.3681 0.0007568 ***</a:t>
+            </a:r>
+          </a:p>
+          <a:p>
+            <a:pPr marL="0" indent="0">
+              <a:buNone/>
+            </a:pPr>
+            <a:r>
+              <a:rPr lang="en-GB" dirty="0">
+                <a:latin typeface="Courier New" panose="02070309020205020404" pitchFamily="49" charset="0"/>
+                <a:cs typeface="Courier New" panose="02070309020205020404" pitchFamily="49" charset="0"/>
+              </a:rPr>
+              <a:t>(phi)_(Intercept)  3.30443    0.22650 14.5890 &lt; 2.2e-16 ***</a:t>
+            </a:r>
+          </a:p>
+          <a:p>
+            <a:pPr marL="0" indent="0">
+              <a:buNone/>
+            </a:pPr>
+            <a:r>
+              <a:rPr lang="en-GB" dirty="0">
+                <a:latin typeface="Courier New" panose="02070309020205020404" pitchFamily="49" charset="0"/>
+                <a:cs typeface="Courier New" panose="02070309020205020404" pitchFamily="49" charset="0"/>
+              </a:rPr>
+              <a:t>(phi)_dyslexia     1.74656    0.29398  5.9410 2.832e-09 ***</a:t>
+            </a:r>
+          </a:p>
+          <a:p>
+            <a:pPr marL="0" indent="0">
+              <a:buNone/>
+            </a:pPr>
+            <a:r>
+              <a:rPr lang="en-GB" dirty="0">
+                <a:latin typeface="Courier New" panose="02070309020205020404" pitchFamily="49" charset="0"/>
+                <a:cs typeface="Courier New" panose="02070309020205020404" pitchFamily="49" charset="0"/>
+              </a:rPr>
+              <a:t>(phi)_</a:t>
+            </a:r>
+            <a:r>
+              <a:rPr lang="en-GB" dirty="0" err="1">
+                <a:latin typeface="Courier New" panose="02070309020205020404" pitchFamily="49" charset="0"/>
+                <a:cs typeface="Courier New" panose="02070309020205020404" pitchFamily="49" charset="0"/>
+              </a:rPr>
+              <a:t>iq</a:t>
+            </a:r>
+            <a:r>
+              <a:rPr lang="en-GB" dirty="0">
+                <a:latin typeface="Courier New" panose="02070309020205020404" pitchFamily="49" charset="0"/>
+                <a:cs typeface="Courier New" panose="02070309020205020404" pitchFamily="49" charset="0"/>
+              </a:rPr>
+              <a:t>           1.22907    0.45957  2.6744 0.0074862 ** </a:t>
+            </a:r>
+          </a:p>
+          <a:p>
+            <a:pPr marL="0" indent="0">
+              <a:buNone/>
+            </a:pPr>
+            <a:r>
+              <a:rPr lang="en-GB" dirty="0">
+                <a:latin typeface="Courier New" panose="02070309020205020404" pitchFamily="49" charset="0"/>
+                <a:cs typeface="Courier New" panose="02070309020205020404" pitchFamily="49" charset="0"/>
+              </a:rPr>
+              <a:t>---</a:t>
+            </a:r>
+          </a:p>
+          <a:p>
+            <a:pPr marL="0" indent="0">
+              <a:buNone/>
+            </a:pPr>
+            <a:r>
+              <a:rPr lang="en-GB" dirty="0" err="1">
+                <a:latin typeface="Courier New" panose="02070309020205020404" pitchFamily="49" charset="0"/>
+                <a:cs typeface="Courier New" panose="02070309020205020404" pitchFamily="49" charset="0"/>
+              </a:rPr>
+              <a:t>Signif</a:t>
+            </a:r>
+            <a:r>
+              <a:rPr lang="en-GB" dirty="0">
+                <a:latin typeface="Courier New" panose="02070309020205020404" pitchFamily="49" charset="0"/>
+                <a:cs typeface="Courier New" panose="02070309020205020404" pitchFamily="49" charset="0"/>
+              </a:rPr>
+              <a:t>. codes:  0 ‘***’ 0.001 ‘**’ 0.01 ‘*’ 0.05 ‘.’ 0.1 ‘ ’ 1</a:t>
+            </a:r>
+          </a:p>
+          <a:p>
+            <a:pPr marL="0" indent="0">
+              <a:buNone/>
+            </a:pPr>
+            <a:endParaRPr lang="en-GB" dirty="0">
+              <a:latin typeface="Courier New" panose="02070309020205020404" pitchFamily="49" charset="0"/>
+              <a:cs typeface="Courier New" panose="02070309020205020404" pitchFamily="49" charset="0"/>
+            </a:endParaRPr>
+          </a:p>
+        </p:txBody>
+      </p:sp>
+    </p:spTree>
+    <p:extLst>
+      <p:ext uri="{BB962C8B-B14F-4D97-AF65-F5344CB8AC3E}">
+        <p14:creationId xmlns:p14="http://schemas.microsoft.com/office/powerpoint/2010/main" val="4023509158"/>
+      </p:ext>
+    </p:extLst>
+  </p:cSld>
+  <p:clrMapOvr>
+    <a:masterClrMapping/>
+  </p:clrMapOvr>
+</p:sld>
+</file>
+
+<file path=ppt/slides/slide13.xml><?xml version="1.0" encoding="utf-8"?>
+<p:sld xmlns:a="http://schemas.openxmlformats.org/drawingml/2006/main" xmlns:r="http://schemas.openxmlformats.org/officeDocument/2006/relationships" xmlns:p="http://schemas.openxmlformats.org/presentationml/2006/main">
+  <p:cSld>
+    <p:spTree>
+      <p:nvGrpSpPr>
+        <p:cNvPr id="1" name=""/>
+        <p:cNvGrpSpPr/>
+        <p:nvPr/>
+      </p:nvGrpSpPr>
+      <p:grpSpPr>
+        <a:xfrm>
+          <a:off x="0" y="0"/>
+          <a:ext cx="0" cy="0"/>
+          <a:chOff x="0" y="0"/>
+          <a:chExt cx="0" cy="0"/>
+        </a:xfrm>
+      </p:grpSpPr>
+      <p:sp>
+        <p:nvSpPr>
+          <p:cNvPr id="2" name="Title 1">
+            <a:extLst>
+              <a:ext uri="{FF2B5EF4-FFF2-40B4-BE49-F238E27FC236}">
+                <a16:creationId xmlns:a16="http://schemas.microsoft.com/office/drawing/2014/main" id="{51355851-9C85-4C2F-B25A-D6903AFFB494}"/>
+              </a:ext>
+            </a:extLst>
+          </p:cNvPr>
+          <p:cNvSpPr>
+            <a:spLocks noGrp="1"/>
+          </p:cNvSpPr>
+          <p:nvPr>
+            <p:ph type="title"/>
+          </p:nvPr>
+        </p:nvSpPr>
+        <p:spPr>
+          <a:xfrm>
+            <a:off x="696912" y="116632"/>
+            <a:ext cx="10798175" cy="533400"/>
+          </a:xfrm>
+        </p:spPr>
+        <p:txBody>
+          <a:bodyPr/>
+          <a:lstStyle/>
+          <a:p>
+            <a:pPr algn="ctr"/>
+            <a:r>
+              <a:rPr lang="en-GB" dirty="0"/>
+              <a:t>How do the models fit?</a:t>
+            </a:r>
+          </a:p>
+        </p:txBody>
+      </p:sp>
+      <p:pic>
+        <p:nvPicPr>
+          <p:cNvPr id="8" name="Picture 7">
+            <a:extLst>
+              <a:ext uri="{FF2B5EF4-FFF2-40B4-BE49-F238E27FC236}">
+                <a16:creationId xmlns:a16="http://schemas.microsoft.com/office/drawing/2014/main" id="{F8C97BCC-57EB-4E1A-A8EC-DEB97D41DBB2}"/>
+              </a:ext>
+            </a:extLst>
+          </p:cNvPr>
+          <p:cNvPicPr>
+            <a:picLocks noChangeAspect="1"/>
+          </p:cNvPicPr>
+          <p:nvPr/>
+        </p:nvPicPr>
+        <p:blipFill rotWithShape="1">
+          <a:blip r:embed="rId2"/>
+          <a:srcRect t="4059" b="3164"/>
+          <a:stretch/>
+        </p:blipFill>
+        <p:spPr>
+          <a:xfrm>
+            <a:off x="696912" y="650032"/>
+            <a:ext cx="10798175" cy="5443264"/>
+          </a:xfrm>
+          <a:prstGeom prst="rect">
+            <a:avLst/>
+          </a:prstGeom>
+        </p:spPr>
+      </p:pic>
+    </p:spTree>
+    <p:extLst>
+      <p:ext uri="{BB962C8B-B14F-4D97-AF65-F5344CB8AC3E}">
+        <p14:creationId xmlns:p14="http://schemas.microsoft.com/office/powerpoint/2010/main" val="2488558379"/>
+      </p:ext>
+    </p:extLst>
+  </p:cSld>
+  <p:clrMapOvr>
+    <a:masterClrMapping/>
+  </p:clrMapOvr>
+</p:sld>
+</file>
+
+<file path=ppt/slides/slide14.xml><?xml version="1.0" encoding="utf-8"?>
+<p:sld xmlns:a="http://schemas.openxmlformats.org/drawingml/2006/main" xmlns:r="http://schemas.openxmlformats.org/officeDocument/2006/relationships" xmlns:p="http://schemas.openxmlformats.org/presentationml/2006/main">
+  <p:cSld>
+    <p:spTree>
+      <p:nvGrpSpPr>
+        <p:cNvPr id="1" name=""/>
+        <p:cNvGrpSpPr/>
+        <p:nvPr/>
+      </p:nvGrpSpPr>
+      <p:grpSpPr>
+        <a:xfrm>
+          <a:off x="0" y="0"/>
+          <a:ext cx="0" cy="0"/>
+          <a:chOff x="0" y="0"/>
+          <a:chExt cx="0" cy="0"/>
+        </a:xfrm>
+      </p:grpSpPr>
+      <p:sp>
+        <p:nvSpPr>
+          <p:cNvPr id="2" name="Title 1">
+            <a:extLst>
+              <a:ext uri="{FF2B5EF4-FFF2-40B4-BE49-F238E27FC236}">
+                <a16:creationId xmlns:a16="http://schemas.microsoft.com/office/drawing/2014/main" id="{89971B0B-7E57-4471-B833-DE02A6B77776}"/>
+              </a:ext>
+            </a:extLst>
+          </p:cNvPr>
+          <p:cNvSpPr>
+            <a:spLocks noGrp="1"/>
+          </p:cNvSpPr>
+          <p:nvPr>
+            <p:ph type="title"/>
+          </p:nvPr>
+        </p:nvSpPr>
+        <p:spPr>
+          <a:xfrm>
+            <a:off x="696913" y="116632"/>
+            <a:ext cx="10798175" cy="533400"/>
+          </a:xfrm>
+        </p:spPr>
+        <p:txBody>
+          <a:bodyPr/>
+          <a:lstStyle/>
+          <a:p>
+            <a:pPr algn="ctr"/>
+            <a:r>
+              <a:rPr lang="en-GB" dirty="0"/>
+              <a:t>A small bonus </a:t>
+            </a:r>
+          </a:p>
+        </p:txBody>
+      </p:sp>
+      <p:sp>
+        <p:nvSpPr>
+          <p:cNvPr id="3" name="Content Placeholder 2">
+            <a:extLst>
+              <a:ext uri="{FF2B5EF4-FFF2-40B4-BE49-F238E27FC236}">
+                <a16:creationId xmlns:a16="http://schemas.microsoft.com/office/drawing/2014/main" id="{E29C929F-177B-4CEE-8AE3-13A3EF930D33}"/>
+              </a:ext>
+            </a:extLst>
+          </p:cNvPr>
+          <p:cNvSpPr>
+            <a:spLocks noGrp="1"/>
+          </p:cNvSpPr>
+          <p:nvPr>
+            <p:ph idx="1"/>
+          </p:nvPr>
+        </p:nvSpPr>
+        <p:spPr>
+          <a:xfrm>
+            <a:off x="696913" y="908721"/>
+            <a:ext cx="10798175" cy="1368150"/>
+          </a:xfrm>
+        </p:spPr>
+        <p:txBody>
+          <a:bodyPr/>
+          <a:lstStyle/>
+          <a:p>
+            <a:r>
+              <a:rPr lang="en-GB" dirty="0">
+                <a:hlinkClick r:id="rId2" action="ppaction://hlinksldjump"/>
+              </a:rPr>
+              <a:t>Kosmidis and Firth (2010) </a:t>
+            </a:r>
+            <a:r>
+              <a:rPr lang="en-GB" dirty="0"/>
+              <a:t>showed that ML inference may be severely biased in the context of beta regression</a:t>
+            </a:r>
+          </a:p>
+          <a:p>
+            <a:r>
+              <a:rPr lang="en-GB" dirty="0"/>
+              <a:t>Therefore, bias corrected and bias reduced addons are imported and called through the option </a:t>
+            </a:r>
+          </a:p>
+          <a:p>
+            <a:pPr marL="321945" lvl="1" indent="0" algn="ctr">
+              <a:buNone/>
+            </a:pPr>
+            <a:r>
+              <a:rPr lang="en-GB" dirty="0"/>
+              <a:t>type = c("ML", "BC", "BR")</a:t>
+            </a:r>
+          </a:p>
+          <a:p>
+            <a:endParaRPr lang="en-GB" dirty="0"/>
+          </a:p>
+          <a:p>
+            <a:endParaRPr lang="en-GB" dirty="0"/>
+          </a:p>
+          <a:p>
+            <a:endParaRPr lang="en-GB" dirty="0"/>
+          </a:p>
+        </p:txBody>
+      </p:sp>
+      <p:pic>
+        <p:nvPicPr>
+          <p:cNvPr id="5" name="Picture 4">
+            <a:extLst>
+              <a:ext uri="{FF2B5EF4-FFF2-40B4-BE49-F238E27FC236}">
+                <a16:creationId xmlns:a16="http://schemas.microsoft.com/office/drawing/2014/main" id="{0BF74FD3-CC05-4FC6-A2AD-DB785529053E}"/>
+              </a:ext>
+            </a:extLst>
+          </p:cNvPr>
+          <p:cNvPicPr>
+            <a:picLocks noChangeAspect="1"/>
+          </p:cNvPicPr>
+          <p:nvPr/>
+        </p:nvPicPr>
+        <p:blipFill rotWithShape="1">
+          <a:blip r:embed="rId3"/>
+          <a:srcRect t="4266" b="3308"/>
+          <a:stretch/>
+        </p:blipFill>
+        <p:spPr>
+          <a:xfrm>
+            <a:off x="696912" y="2276871"/>
+            <a:ext cx="11087720" cy="4392489"/>
+          </a:xfrm>
+          <a:prstGeom prst="rect">
+            <a:avLst/>
+          </a:prstGeom>
+        </p:spPr>
+      </p:pic>
+    </p:spTree>
+    <p:extLst>
+      <p:ext uri="{BB962C8B-B14F-4D97-AF65-F5344CB8AC3E}">
+        <p14:creationId xmlns:p14="http://schemas.microsoft.com/office/powerpoint/2010/main" val="3369474565"/>
+      </p:ext>
+    </p:extLst>
+  </p:cSld>
+  <p:clrMapOvr>
+    <a:masterClrMapping/>
+  </p:clrMapOvr>
+</p:sld>
+</file>
+
+<file path=ppt/slides/slide15.xml><?xml version="1.0" encoding="utf-8"?>
+<p:sld xmlns:a="http://schemas.openxmlformats.org/drawingml/2006/main" xmlns:r="http://schemas.openxmlformats.org/officeDocument/2006/relationships" xmlns:p="http://schemas.openxmlformats.org/presentationml/2006/main">
+  <p:cSld>
+    <p:spTree>
+      <p:nvGrpSpPr>
+        <p:cNvPr id="1" name=""/>
+        <p:cNvGrpSpPr/>
+        <p:nvPr/>
+      </p:nvGrpSpPr>
+      <p:grpSpPr>
+        <a:xfrm>
+          <a:off x="0" y="0"/>
+          <a:ext cx="0" cy="0"/>
+          <a:chOff x="0" y="0"/>
+          <a:chExt cx="0" cy="0"/>
+        </a:xfrm>
+      </p:grpSpPr>
+      <p:sp>
+        <p:nvSpPr>
+          <p:cNvPr id="2" name="Title 1">
+            <a:extLst>
+              <a:ext uri="{FF2B5EF4-FFF2-40B4-BE49-F238E27FC236}">
+                <a16:creationId xmlns:a16="http://schemas.microsoft.com/office/drawing/2014/main" id="{B81D1834-3AB7-4732-80DA-9252CE6037AA}"/>
+              </a:ext>
+            </a:extLst>
+          </p:cNvPr>
+          <p:cNvSpPr>
+            <a:spLocks noGrp="1"/>
+          </p:cNvSpPr>
+          <p:nvPr>
+            <p:ph type="title"/>
+          </p:nvPr>
+        </p:nvSpPr>
+        <p:spPr>
+          <a:xfrm>
+            <a:off x="696913" y="116632"/>
+            <a:ext cx="10798175" cy="533400"/>
+          </a:xfrm>
+        </p:spPr>
+        <p:txBody>
+          <a:bodyPr/>
+          <a:lstStyle/>
+          <a:p>
+            <a:pPr algn="ctr"/>
+            <a:r>
+              <a:rPr lang="en-GB" dirty="0"/>
+              <a:t>Another small bonus</a:t>
+            </a:r>
+          </a:p>
+        </p:txBody>
+      </p:sp>
+      <p:sp>
+        <p:nvSpPr>
+          <p:cNvPr id="3" name="Content Placeholder 2">
+            <a:extLst>
+              <a:ext uri="{FF2B5EF4-FFF2-40B4-BE49-F238E27FC236}">
+                <a16:creationId xmlns:a16="http://schemas.microsoft.com/office/drawing/2014/main" id="{43C0062D-36E5-42DE-AED0-CC819AAEE8BD}"/>
+              </a:ext>
+            </a:extLst>
+          </p:cNvPr>
+          <p:cNvSpPr>
+            <a:spLocks noGrp="1"/>
+          </p:cNvSpPr>
+          <p:nvPr>
+            <p:ph idx="1"/>
+          </p:nvPr>
+        </p:nvSpPr>
+        <p:spPr>
+          <a:xfrm>
+            <a:off x="696913" y="836712"/>
+            <a:ext cx="10798175" cy="5103713"/>
+          </a:xfrm>
+        </p:spPr>
+        <p:txBody>
+          <a:bodyPr/>
+          <a:lstStyle/>
+          <a:p>
+            <a:r>
+              <a:rPr lang="en-GB" dirty="0"/>
+              <a:t>Beta regression trees</a:t>
+            </a:r>
+          </a:p>
+          <a:p>
+            <a:endParaRPr lang="en-GB" dirty="0"/>
+          </a:p>
+          <a:p>
+            <a:r>
+              <a:rPr lang="en-GB" dirty="0"/>
+              <a:t>The MOB (Model based recursive partitioning) approach:</a:t>
+            </a:r>
+          </a:p>
+          <a:p>
+            <a:pPr marL="779145" lvl="1" indent="-457200">
+              <a:buFont typeface="+mj-lt"/>
+              <a:buAutoNum type="arabicPeriod"/>
+            </a:pPr>
+            <a:r>
+              <a:rPr lang="en-GB" dirty="0"/>
+              <a:t>Fitting a beta regression model</a:t>
+            </a:r>
+          </a:p>
+          <a:p>
+            <a:pPr marL="779145" lvl="1" indent="-457200">
+              <a:buFont typeface="+mj-lt"/>
+              <a:buAutoNum type="arabicPeriod"/>
+            </a:pPr>
+            <a:r>
+              <a:rPr lang="en-GB" dirty="0"/>
+              <a:t>Assessing whether its parameters are stable across all partitioning variables </a:t>
+            </a:r>
+          </a:p>
+          <a:p>
+            <a:pPr marL="779145" lvl="1" indent="-457200">
+              <a:buFont typeface="+mj-lt"/>
+              <a:buAutoNum type="arabicPeriod"/>
+            </a:pPr>
+            <a:r>
+              <a:rPr lang="en-GB" dirty="0"/>
+              <a:t>Splitting the sample along the partitioning variable associated with the highest parameter instability</a:t>
+            </a:r>
+          </a:p>
+          <a:p>
+            <a:pPr marL="779145" lvl="1" indent="-457200">
+              <a:buFont typeface="+mj-lt"/>
+              <a:buAutoNum type="arabicPeriod"/>
+            </a:pPr>
+            <a:r>
+              <a:rPr lang="en-GB" dirty="0"/>
+              <a:t>Repeating these steps until some stopping criterion is met</a:t>
+            </a:r>
+          </a:p>
+        </p:txBody>
+      </p:sp>
+    </p:spTree>
+    <p:extLst>
+      <p:ext uri="{BB962C8B-B14F-4D97-AF65-F5344CB8AC3E}">
+        <p14:creationId xmlns:p14="http://schemas.microsoft.com/office/powerpoint/2010/main" val="2854135886"/>
+      </p:ext>
+    </p:extLst>
+  </p:cSld>
+  <p:clrMapOvr>
+    <a:masterClrMapping/>
+  </p:clrMapOvr>
+</p:sld>
+</file>
+
+<file path=ppt/slides/slide16.xml><?xml version="1.0" encoding="utf-8"?>
 <p:sld xmlns:a="http://schemas.openxmlformats.org/drawingml/2006/main" xmlns:r="http://schemas.openxmlformats.org/officeDocument/2006/relationships" xmlns:p="http://schemas.openxmlformats.org/presentationml/2006/main">
   <p:cSld>
     <p:spTree>
@@ -17056,6 +18480,18 @@
             <a:r>
               <a:rPr lang="en-GB" dirty="0"/>
               <a:t>, Alexandre &amp; Barreto-Souza, Wagner &amp; V. Rocha, Andréa. (2010). Improved estimators for a general class of beta regression models. Computational Statistics &amp; Data Analysis. 54. 348-366. 10.1016/j.csda.2009.08.017. </a:t>
+            </a:r>
+          </a:p>
+          <a:p>
+            <a:r>
+              <a:rPr lang="en-GB" dirty="0"/>
+              <a:t>[3] Kosmidis I, Firth D (2010). \A Generic Algorithm for Reducing Bias in Parametric Estimation."</a:t>
+            </a:r>
+          </a:p>
+          <a:p>
+            <a:r>
+              <a:rPr lang="en-GB" dirty="0"/>
+              <a:t>Electronic Journal of Statistics, 4, 1097{1112.</a:t>
             </a:r>
           </a:p>
           <a:p>
@@ -17222,8 +18658,8 @@
           </a:p>
         </p:txBody>
       </p:sp>
-      <mc:AlternateContent xmlns:mc="http://schemas.openxmlformats.org/markup-compatibility/2006">
-        <mc:Choice xmlns:a14="http://schemas.microsoft.com/office/drawing/2010/main" Requires="a14">
+      <mc:AlternateContent xmlns:mc="http://schemas.openxmlformats.org/markup-compatibility/2006" xmlns:a14="http://schemas.microsoft.com/office/drawing/2010/main">
+        <mc:Choice Requires="a14">
           <p:graphicFrame>
             <p:nvGraphicFramePr>
               <p:cNvPr id="16" name="Content Placeholder 2"/>
@@ -17250,7 +18686,7 @@
             </a:graphic>
           </p:graphicFrame>
         </mc:Choice>
-        <mc:Fallback>
+        <mc:Fallback xmlns="">
           <p:graphicFrame>
             <p:nvGraphicFramePr>
               <p:cNvPr id="16" name="Content Placeholder 2"/>
@@ -17272,7 +18708,7 @@
             </p:xfrm>
             <a:graphic>
               <a:graphicData uri="http://schemas.openxmlformats.org/drawingml/2006/diagram">
-                <dgm:relIds xmlns:dgm="http://schemas.openxmlformats.org/drawingml/2006/diagram" xmlns:r="http://schemas.openxmlformats.org/officeDocument/2006/relationships" r:dm="rId7" r:lo="rId3" r:qs="rId4" r:cs="rId5"/>
+                <dgm:relIds xmlns:dgm="http://schemas.openxmlformats.org/drawingml/2006/diagram" xmlns:r="http://schemas.openxmlformats.org/officeDocument/2006/relationships" r:dm="rId7" r:lo="rId8" r:qs="rId9" r:cs="rId10"/>
               </a:graphicData>
             </a:graphic>
           </p:graphicFrame>
@@ -17337,8 +18773,8 @@
           </a:p>
         </p:txBody>
       </p:sp>
-      <mc:AlternateContent xmlns:mc="http://schemas.openxmlformats.org/markup-compatibility/2006">
-        <mc:Choice xmlns:a14="http://schemas.microsoft.com/office/drawing/2010/main" Requires="a14">
+      <mc:AlternateContent xmlns:mc="http://schemas.openxmlformats.org/markup-compatibility/2006" xmlns:a14="http://schemas.microsoft.com/office/drawing/2010/main">
+        <mc:Choice Requires="a14">
           <p:sp>
             <p:nvSpPr>
               <p:cNvPr id="3" name="Content Placeholder 2">
@@ -17447,7 +18883,7 @@
             </p:txBody>
           </p:sp>
         </mc:Choice>
-        <mc:Fallback>
+        <mc:Fallback xmlns="">
           <p:sp>
             <p:nvSpPr>
               <p:cNvPr id="3" name="Content Placeholder 2">
@@ -17617,8 +19053,8 @@
           </a:prstGeom>
         </p:spPr>
       </p:pic>
-      <mc:AlternateContent xmlns:mc="http://schemas.openxmlformats.org/markup-compatibility/2006">
-        <mc:Choice xmlns:a14="http://schemas.microsoft.com/office/drawing/2010/main" Requires="a14">
+      <mc:AlternateContent xmlns:mc="http://schemas.openxmlformats.org/markup-compatibility/2006" xmlns:a14="http://schemas.microsoft.com/office/drawing/2010/main">
+        <mc:Choice Requires="a14">
           <p:sp>
             <p:nvSpPr>
               <p:cNvPr id="5" name="Content Placeholder 2">
@@ -17926,7 +19362,7 @@
             </p:txBody>
           </p:sp>
         </mc:Choice>
-        <mc:Fallback>
+        <mc:Fallback xmlns="">
           <p:sp>
             <p:nvSpPr>
               <p:cNvPr id="5" name="Content Placeholder 2">
@@ -18185,8 +19621,8 @@
           </a:p>
         </p:txBody>
       </p:sp>
-      <mc:AlternateContent xmlns:mc="http://schemas.openxmlformats.org/markup-compatibility/2006">
-        <mc:Choice xmlns:a14="http://schemas.microsoft.com/office/drawing/2010/main" Requires="a14">
+      <mc:AlternateContent xmlns:mc="http://schemas.openxmlformats.org/markup-compatibility/2006" xmlns:a14="http://schemas.microsoft.com/office/drawing/2010/main">
+        <mc:Choice Requires="a14">
           <p:sp>
             <p:nvSpPr>
               <p:cNvPr id="3" name="Content Placeholder 2">
@@ -18276,7 +19712,7 @@
                 <a:pPr lvl="2"/>
                 <a:r>
                   <a:rPr lang="en-GB" dirty="0"/>
-                  <a:t>And more variation around the mean</a:t>
+                  <a:t>And more variation around the middle</a:t>
                 </a:r>
               </a:p>
               <a:p>
@@ -18372,7 +19808,7 @@
             </p:txBody>
           </p:sp>
         </mc:Choice>
-        <mc:Fallback>
+        <mc:Fallback xmlns="">
           <p:sp>
             <p:nvSpPr>
               <p:cNvPr id="3" name="Content Placeholder 2">
@@ -18810,8 +20246,8 @@
           </a:p>
         </p:txBody>
       </p:sp>
-      <mc:AlternateContent xmlns:mc="http://schemas.openxmlformats.org/markup-compatibility/2006">
-        <mc:Choice xmlns:a14="http://schemas.microsoft.com/office/drawing/2010/main" Requires="a14">
+      <mc:AlternateContent xmlns:mc="http://schemas.openxmlformats.org/markup-compatibility/2006" xmlns:a14="http://schemas.microsoft.com/office/drawing/2010/main">
+        <mc:Choice Requires="a14">
           <p:sp>
             <p:nvSpPr>
               <p:cNvPr id="3" name="Content Placeholder 2">
@@ -18830,8 +20266,8 @@
             </p:nvSpPr>
             <p:spPr>
               <a:xfrm>
-                <a:off x="696913" y="908720"/>
-                <a:ext cx="10798175" cy="5031705"/>
+                <a:off x="696913" y="650032"/>
+                <a:ext cx="10798175" cy="5659288"/>
               </a:xfrm>
             </p:spPr>
             <p:txBody>
@@ -18996,19 +20432,19 @@
                 <a:pPr lvl="1"/>
                 <a:r>
                   <a:rPr lang="en-GB" dirty="0">
-                    <a:hlinkClick r:id="rId2" action="ppaction://hlinksldjump"/>
+                    <a:hlinkClick r:id="rId3" action="ppaction://hlinksldjump"/>
                   </a:rPr>
                   <a:t>Ferrari and </a:t>
                 </a:r>
                 <a:r>
                   <a:rPr lang="en-GB" dirty="0" err="1">
-                    <a:hlinkClick r:id="rId2" action="ppaction://hlinksldjump"/>
+                    <a:hlinkClick r:id="rId3" action="ppaction://hlinksldjump"/>
                   </a:rPr>
                   <a:t>Cribari-Neto</a:t>
                 </a:r>
                 <a:r>
                   <a:rPr lang="en-GB" dirty="0">
-                    <a:hlinkClick r:id="rId2" action="ppaction://hlinksldjump"/>
+                    <a:hlinkClick r:id="rId3" action="ppaction://hlinksldjump"/>
                   </a:rPr>
                   <a:t> (2004) </a:t>
                 </a:r>
@@ -19138,7 +20574,7 @@
                             <m:nor/>
                           </m:rPr>
                           <a:rPr lang="el-GR" b="0" i="0" dirty="0" smtClean="0"/>
-                          <m:t>(1-</m:t>
+                          <m:t>(1−</m:t>
                         </m:r>
                         <m:r>
                           <m:rPr>
@@ -19236,12 +20672,304 @@
                   <a:rPr lang="en-GB" dirty="0"/>
                   <a:t>)</a:t>
                 </a:r>
+              </a:p>
+              <a:p>
                 <a:endParaRPr lang="es-ES" dirty="0"/>
+              </a:p>
+              <a:p>
+                <a:r>
+                  <a:rPr lang="en-GB" dirty="0"/>
+                  <a:t>Let y</a:t>
+                </a:r>
+                <a:r>
+                  <a:rPr lang="en-GB" baseline="-25000" dirty="0"/>
+                  <a:t>1</a:t>
+                </a:r>
+                <a:r>
+                  <a:rPr lang="en-GB" dirty="0"/>
+                  <a:t>,y</a:t>
+                </a:r>
+                <a:r>
+                  <a:rPr lang="en-GB" baseline="-25000" dirty="0"/>
+                  <a:t>2</a:t>
+                </a:r>
+                <a:r>
+                  <a:rPr lang="en-GB" dirty="0"/>
+                  <a:t>, … y</a:t>
+                </a:r>
+                <a:r>
+                  <a:rPr lang="en-GB" baseline="-25000" dirty="0"/>
+                  <a:t>n</a:t>
+                </a:r>
+                <a:r>
+                  <a:rPr lang="en-GB" dirty="0"/>
+                  <a:t> random sample y</a:t>
+                </a:r>
+                <a:r>
+                  <a:rPr lang="en-GB" baseline="-25000" dirty="0"/>
+                  <a:t>i</a:t>
+                </a:r>
+                <a:r>
+                  <a:rPr lang="en-GB" dirty="0"/>
+                  <a:t> ~ Beta(</a:t>
+                </a:r>
+                <a:r>
+                  <a:rPr lang="el-GR" dirty="0"/>
+                  <a:t>μ</a:t>
+                </a:r>
+                <a:r>
+                  <a:rPr lang="en-GB" baseline="-25000" dirty="0" err="1"/>
+                  <a:t>i</a:t>
+                </a:r>
+                <a:r>
+                  <a:rPr lang="en-GB" dirty="0"/>
+                  <a:t>, </a:t>
+                </a:r>
+                <a:r>
+                  <a:rPr lang="el-GR" dirty="0"/>
+                  <a:t>φ)</a:t>
+                </a:r>
+                <a:r>
+                  <a:rPr lang="en-GB" dirty="0"/>
+                  <a:t>, then the beta regression is defines as </a:t>
+                </a:r>
+              </a:p>
+              <a:p>
+                <a:pPr marL="0" indent="0" algn="ctr">
+                  <a:buNone/>
+                </a:pPr>
+                <a:r>
+                  <a:rPr lang="en-GB" dirty="0"/>
+                  <a:t>g</a:t>
+                </a:r>
+                <a:r>
+                  <a:rPr lang="en-GB" baseline="-25000" dirty="0"/>
+                  <a:t>1</a:t>
+                </a:r>
+                <a:r>
+                  <a:rPr lang="en-GB" dirty="0"/>
+                  <a:t>(</a:t>
+                </a:r>
+                <a:r>
+                  <a:rPr lang="el-GR" dirty="0"/>
+                  <a:t>μ</a:t>
+                </a:r>
+                <a:r>
+                  <a:rPr lang="en-GB" baseline="-25000" dirty="0" err="1"/>
+                  <a:t>i</a:t>
+                </a:r>
+                <a:r>
+                  <a:rPr lang="en-GB" dirty="0"/>
+                  <a:t>) = </a:t>
+                </a:r>
+                <a:r>
+                  <a:rPr lang="en-GB" dirty="0" err="1"/>
+                  <a:t>x</a:t>
+                </a:r>
+                <a:r>
+                  <a:rPr lang="en-GB" baseline="-25000" dirty="0" err="1"/>
+                  <a:t>i</a:t>
+                </a:r>
+                <a:r>
+                  <a:rPr lang="en-GB" baseline="30000" dirty="0" err="1"/>
+                  <a:t>T</a:t>
+                </a:r>
+                <a:r>
+                  <a:rPr lang="en-GB" dirty="0"/>
+                  <a:t> </a:t>
+                </a:r>
+                <a:r>
+                  <a:rPr lang="el-GR" dirty="0"/>
+                  <a:t>β</a:t>
+                </a:r>
+                <a:r>
+                  <a:rPr lang="en-GB" dirty="0"/>
+                  <a:t>= </a:t>
+                </a:r>
+                <a:r>
+                  <a:rPr lang="el-GR" dirty="0"/>
+                  <a:t>η</a:t>
+                </a:r>
+                <a:r>
+                  <a:rPr lang="en-GB" baseline="-25000" dirty="0"/>
+                  <a:t>1i</a:t>
+                </a:r>
+                <a:r>
+                  <a:rPr lang="en-GB" dirty="0"/>
+                  <a:t>  [eq.1]</a:t>
+                </a:r>
+              </a:p>
+              <a:p>
+                <a:pPr marL="0" indent="0" algn="ctr">
+                  <a:buNone/>
+                </a:pPr>
+                <a:r>
+                  <a:rPr lang="en-GB" dirty="0"/>
+                  <a:t>g</a:t>
+                </a:r>
+                <a:r>
+                  <a:rPr lang="en-GB" baseline="-25000" dirty="0"/>
+                  <a:t>1</a:t>
+                </a:r>
+                <a:r>
+                  <a:rPr lang="en-GB" dirty="0"/>
+                  <a:t>(</a:t>
+                </a:r>
+                <a:r>
+                  <a:rPr lang="el-GR" dirty="0"/>
+                  <a:t>φ</a:t>
+                </a:r>
+                <a:r>
+                  <a:rPr lang="en-GB" baseline="-25000" dirty="0" err="1"/>
+                  <a:t>i</a:t>
+                </a:r>
+                <a:r>
+                  <a:rPr lang="en-GB" dirty="0"/>
+                  <a:t>) = </a:t>
+                </a:r>
+                <a:r>
+                  <a:rPr lang="en-GB" dirty="0" err="1"/>
+                  <a:t>z</a:t>
+                </a:r>
+                <a:r>
+                  <a:rPr lang="en-GB" baseline="-25000" dirty="0" err="1"/>
+                  <a:t>i</a:t>
+                </a:r>
+                <a:r>
+                  <a:rPr lang="en-GB" baseline="30000" dirty="0" err="1"/>
+                  <a:t>T</a:t>
+                </a:r>
+                <a:r>
+                  <a:rPr lang="en-GB" dirty="0"/>
+                  <a:t> </a:t>
+                </a:r>
+                <a:r>
+                  <a:rPr lang="el-GR" dirty="0"/>
+                  <a:t>γ</a:t>
+                </a:r>
+                <a:r>
+                  <a:rPr lang="en-GB" dirty="0"/>
+                  <a:t>= </a:t>
+                </a:r>
+                <a:r>
+                  <a:rPr lang="el-GR" dirty="0"/>
+                  <a:t>η</a:t>
+                </a:r>
+                <a:r>
+                  <a:rPr lang="el-GR" baseline="-25000" dirty="0"/>
+                  <a:t>2</a:t>
+                </a:r>
+                <a:r>
+                  <a:rPr lang="en-GB" baseline="-25000" dirty="0" err="1"/>
+                  <a:t>i</a:t>
+                </a:r>
+                <a:r>
+                  <a:rPr lang="en-GB" dirty="0"/>
+                  <a:t> [eq.2]</a:t>
+                </a:r>
+                <a:endParaRPr lang="en-GB" baseline="-25000" dirty="0"/>
+              </a:p>
+              <a:p>
+                <a:pPr marL="0" indent="0" algn="ctr">
+                  <a:buNone/>
+                </a:pPr>
+                <a:r>
+                  <a:rPr lang="en-GB" dirty="0"/>
+                  <a:t>g</a:t>
+                </a:r>
+                <a:r>
+                  <a:rPr lang="en-GB" baseline="-25000" dirty="0"/>
+                  <a:t>1</a:t>
+                </a:r>
+                <a:r>
+                  <a:rPr lang="en-GB" dirty="0"/>
+                  <a:t>(</a:t>
+                </a:r>
+                <a:r>
+                  <a:rPr lang="en-GB" dirty="0">
+                    <a:latin typeface="Calibri" panose="020F0502020204030204" pitchFamily="34" charset="0"/>
+                    <a:cs typeface="Calibri" panose="020F0502020204030204" pitchFamily="34" charset="0"/>
+                  </a:rPr>
+                  <a:t>·) </a:t>
+                </a:r>
+                <a14:m>
+                  <m:oMath xmlns:m="http://schemas.openxmlformats.org/officeDocument/2006/math">
+                    <m:r>
+                      <a:rPr lang="en-GB" i="1" smtClean="0">
+                        <a:latin typeface="Cambria Math" panose="02040503050406030204" pitchFamily="18" charset="0"/>
+                        <a:ea typeface="Cambria Math" panose="02040503050406030204" pitchFamily="18" charset="0"/>
+                        <a:cs typeface="Calibri" panose="020F0502020204030204" pitchFamily="34" charset="0"/>
+                      </a:rPr>
+                      <m:t>→</m:t>
+                    </m:r>
+                  </m:oMath>
+                </a14:m>
+                <a:r>
+                  <a:rPr lang="en-GB" dirty="0"/>
+                  <a:t> ℝ</a:t>
+                </a:r>
+                <a:r>
+                  <a:rPr lang="el-GR" dirty="0"/>
+                  <a:t> , </a:t>
+                </a:r>
+                <a:r>
+                  <a:rPr lang="en-GB" dirty="0"/>
+                  <a:t>g</a:t>
+                </a:r>
+                <a:r>
+                  <a:rPr lang="el-GR" baseline="-25000" dirty="0"/>
+                  <a:t>2</a:t>
+                </a:r>
+                <a:r>
+                  <a:rPr lang="en-GB" dirty="0"/>
+                  <a:t>(</a:t>
+                </a:r>
+                <a:r>
+                  <a:rPr lang="en-GB" dirty="0">
+                    <a:latin typeface="Calibri" panose="020F0502020204030204" pitchFamily="34" charset="0"/>
+                    <a:cs typeface="Calibri" panose="020F0502020204030204" pitchFamily="34" charset="0"/>
+                  </a:rPr>
+                  <a:t>·) </a:t>
+                </a:r>
+                <a14:m>
+                  <m:oMath xmlns:m="http://schemas.openxmlformats.org/officeDocument/2006/math">
+                    <m:r>
+                      <a:rPr lang="en-GB" i="1">
+                        <a:latin typeface="Cambria Math" panose="02040503050406030204" pitchFamily="18" charset="0"/>
+                        <a:ea typeface="Cambria Math" panose="02040503050406030204" pitchFamily="18" charset="0"/>
+                        <a:cs typeface="Calibri" panose="020F0502020204030204" pitchFamily="34" charset="0"/>
+                      </a:rPr>
+                      <m:t>→</m:t>
+                    </m:r>
+                  </m:oMath>
+                </a14:m>
+                <a:r>
+                  <a:rPr lang="en-GB" dirty="0"/>
+                  <a:t> ℝ are link functions (increasing and twice differentiable function)</a:t>
+                </a:r>
+              </a:p>
+              <a:p>
+                <a:pPr marL="0" indent="0" algn="ctr">
+                  <a:buNone/>
+                </a:pPr>
+                <a:r>
+                  <a:rPr lang="en-GB" dirty="0"/>
+                  <a:t>Coefficients β and γ are estimated by maximum likelihood.</a:t>
+                </a:r>
+              </a:p>
+              <a:p>
+                <a:pPr marL="0" indent="0" algn="ctr">
+                  <a:buNone/>
+                </a:pPr>
+                <a:r>
+                  <a:rPr lang="en-GB" dirty="0"/>
+                  <a:t>The usual central limit theorem holds with associated asymptotic tests</a:t>
+                </a:r>
               </a:p>
             </p:txBody>
           </p:sp>
         </mc:Choice>
-        <mc:Fallback>
+        <mc:Fallback xmlns="">
           <p:sp>
             <p:nvSpPr>
               <p:cNvPr id="3" name="Content Placeholder 2">
@@ -19260,13 +20988,13 @@
             </p:nvSpPr>
             <p:spPr>
               <a:xfrm>
-                <a:off x="696913" y="908720"/>
-                <a:ext cx="10798175" cy="5031705"/>
+                <a:off x="696913" y="650032"/>
+                <a:ext cx="10798175" cy="5659288"/>
               </a:xfrm>
               <a:blipFill>
-                <a:blip r:embed="rId3"/>
+                <a:blip r:embed="rId4"/>
                 <a:stretch>
-                  <a:fillRect l="-1354" t="-1576"/>
+                  <a:fillRect l="-1354" t="-1401"/>
                 </a:stretch>
               </a:blipFill>
             </p:spPr>
@@ -19331,12 +21059,22 @@
             <p:ph type="title"/>
           </p:nvPr>
         </p:nvSpPr>
-        <p:spPr/>
+        <p:spPr>
+          <a:xfrm>
+            <a:off x="696912" y="116632"/>
+            <a:ext cx="10798175" cy="533400"/>
+          </a:xfrm>
+        </p:spPr>
         <p:txBody>
           <a:bodyPr/>
           <a:lstStyle/>
           <a:p>
-            <a:endParaRPr lang="en-GB"/>
+            <a:pPr algn="ctr"/>
+            <a:r>
+              <a:rPr lang="en-GB" b="0" dirty="0"/>
+              <a:t>Implementation in R</a:t>
+            </a:r>
+            <a:endParaRPr lang="en-GB" dirty="0"/>
           </a:p>
         </p:txBody>
       </p:sp>
@@ -19356,12 +21094,173 @@
             <p:ph idx="1"/>
           </p:nvPr>
         </p:nvSpPr>
-        <p:spPr/>
+        <p:spPr>
+          <a:xfrm>
+            <a:off x="696913" y="650032"/>
+            <a:ext cx="10798173" cy="5290393"/>
+          </a:xfrm>
+        </p:spPr>
         <p:txBody>
           <a:bodyPr/>
           <a:lstStyle/>
           <a:p>
-            <a:endParaRPr lang="en-GB"/>
+            <a:r>
+              <a:rPr lang="en-GB" dirty="0"/>
+              <a:t>The function used is </a:t>
+            </a:r>
+            <a:r>
+              <a:rPr lang="en-GB" dirty="0" err="1"/>
+              <a:t>betareg</a:t>
+            </a:r>
+            <a:r>
+              <a:rPr lang="en-GB" dirty="0"/>
+              <a:t>()</a:t>
+            </a:r>
+          </a:p>
+          <a:p>
+            <a:r>
+              <a:rPr lang="en-GB" dirty="0"/>
+              <a:t>Similar to the </a:t>
+            </a:r>
+            <a:r>
+              <a:rPr lang="en-GB" dirty="0" err="1"/>
+              <a:t>glm</a:t>
+            </a:r>
+            <a:r>
+              <a:rPr lang="en-GB" dirty="0"/>
+              <a:t>() function.</a:t>
+            </a:r>
+          </a:p>
+          <a:p>
+            <a:pPr lvl="1"/>
+            <a:r>
+              <a:rPr lang="en-GB" dirty="0"/>
+              <a:t>A main difference is that two equations may be calculated (one for mean and  one for precision) </a:t>
+            </a:r>
+          </a:p>
+          <a:p>
+            <a:pPr marL="321945" lvl="1" indent="0" algn="ctr">
+              <a:buNone/>
+            </a:pPr>
+            <a:r>
+              <a:rPr lang="en-GB" dirty="0"/>
+              <a:t>formula = </a:t>
+            </a:r>
+            <a:r>
+              <a:rPr lang="pl-PL" dirty="0"/>
+              <a:t>y ~ x1 + x2 | </a:t>
+            </a:r>
+            <a:r>
+              <a:rPr lang="en-GB" dirty="0"/>
+              <a:t>1 + </a:t>
+            </a:r>
+            <a:r>
+              <a:rPr lang="pl-PL" dirty="0"/>
+              <a:t>z1 + z2 + z3</a:t>
+            </a:r>
+            <a:endParaRPr lang="en-GB" dirty="0"/>
+          </a:p>
+          <a:p>
+            <a:pPr marL="321945" lvl="1" indent="0" algn="ctr">
+              <a:buNone/>
+            </a:pPr>
+            <a:r>
+              <a:rPr lang="en-GB" dirty="0"/>
+              <a:t>In the above example the x</a:t>
+            </a:r>
+            <a:r>
+              <a:rPr lang="en-GB" baseline="-25000" dirty="0"/>
+              <a:t>1</a:t>
+            </a:r>
+            <a:r>
+              <a:rPr lang="en-GB" dirty="0"/>
+              <a:t> + x</a:t>
+            </a:r>
+            <a:r>
+              <a:rPr lang="en-GB" baseline="-25000" dirty="0"/>
+              <a:t>2</a:t>
+            </a:r>
+            <a:r>
+              <a:rPr lang="en-GB" dirty="0"/>
+              <a:t> are the regressors for mean  modelling </a:t>
+            </a:r>
+            <a:r>
+              <a:rPr lang="en-GB" dirty="0">
+                <a:hlinkClick r:id="rId3" action="ppaction://hlinksldjump"/>
+              </a:rPr>
+              <a:t>[eq.1]</a:t>
+            </a:r>
+            <a:endParaRPr lang="en-GB" dirty="0"/>
+          </a:p>
+          <a:p>
+            <a:pPr marL="321945" lvl="1" indent="0" algn="ctr">
+              <a:buNone/>
+            </a:pPr>
+            <a:r>
+              <a:rPr lang="en-GB" dirty="0"/>
+              <a:t>While the </a:t>
+            </a:r>
+            <a:r>
+              <a:rPr lang="pl-PL" dirty="0"/>
+              <a:t>z</a:t>
+            </a:r>
+            <a:r>
+              <a:rPr lang="pl-PL" baseline="-25000" dirty="0"/>
+              <a:t>1</a:t>
+            </a:r>
+            <a:r>
+              <a:rPr lang="pl-PL" dirty="0"/>
+              <a:t> + z</a:t>
+            </a:r>
+            <a:r>
+              <a:rPr lang="pl-PL" baseline="-25000" dirty="0"/>
+              <a:t>2</a:t>
+            </a:r>
+            <a:r>
+              <a:rPr lang="pl-PL" dirty="0"/>
+              <a:t> + z</a:t>
+            </a:r>
+            <a:r>
+              <a:rPr lang="pl-PL" baseline="-25000" dirty="0"/>
+              <a:t>3</a:t>
+            </a:r>
+            <a:r>
+              <a:rPr lang="en-GB" dirty="0"/>
+              <a:t> are the regressors for the precision equation </a:t>
+            </a:r>
+            <a:r>
+              <a:rPr lang="en-GB" dirty="0">
+                <a:hlinkClick r:id="rId3" action="ppaction://hlinksldjump"/>
+              </a:rPr>
+              <a:t>[eq.2]</a:t>
+            </a:r>
+            <a:endParaRPr lang="en-GB" dirty="0"/>
+          </a:p>
+          <a:p>
+            <a:pPr marL="321945" lvl="1" indent="0" algn="ctr">
+              <a:buNone/>
+            </a:pPr>
+            <a:endParaRPr lang="en-GB" baseline="-25000" dirty="0"/>
+          </a:p>
+          <a:p>
+            <a:pPr marL="321945" lvl="1" indent="0" algn="ctr">
+              <a:buNone/>
+            </a:pPr>
+            <a:r>
+              <a:rPr lang="en-GB" dirty="0"/>
+              <a:t>formula = </a:t>
+            </a:r>
+            <a:r>
+              <a:rPr lang="pl-PL" dirty="0"/>
+              <a:t>y ~ x1 + x2</a:t>
+            </a:r>
+            <a:endParaRPr lang="en-GB" dirty="0"/>
+          </a:p>
+          <a:p>
+            <a:pPr marL="321945" lvl="1" indent="0" algn="ctr">
+              <a:buNone/>
+            </a:pPr>
+            <a:endParaRPr lang="en-GB" dirty="0"/>
           </a:p>
         </p:txBody>
       </p:sp>

--- a/Beta Regression/Beta-regression.pptx
+++ b/Beta Regression/Beta-regression.pptx
@@ -5,10 +5,10 @@
     <p:sldMasterId id="2147483648" r:id="rId1"/>
   </p:sldMasterIdLst>
   <p:notesMasterIdLst>
-    <p:notesMasterId r:id="rId18"/>
+    <p:notesMasterId r:id="rId20"/>
   </p:notesMasterIdLst>
   <p:handoutMasterIdLst>
-    <p:handoutMasterId r:id="rId19"/>
+    <p:handoutMasterId r:id="rId21"/>
   </p:handoutMasterIdLst>
   <p:sldIdLst>
     <p:sldId id="256" r:id="rId2"/>
@@ -26,7 +26,9 @@
     <p:sldId id="373" r:id="rId14"/>
     <p:sldId id="375" r:id="rId15"/>
     <p:sldId id="376" r:id="rId16"/>
-    <p:sldId id="367" r:id="rId17"/>
+    <p:sldId id="378" r:id="rId17"/>
+    <p:sldId id="377" r:id="rId18"/>
+    <p:sldId id="367" r:id="rId19"/>
   </p:sldIdLst>
   <p:sldSz cx="12192000" cy="6858000"/>
   <p:notesSz cx="6858000" cy="9144000"/>
@@ -18023,10 +18025,10 @@
       </p:sp>
       <p:pic>
         <p:nvPicPr>
-          <p:cNvPr id="8" name="Picture 7">
+          <p:cNvPr id="3" name="Picture 2">
             <a:extLst>
               <a:ext uri="{FF2B5EF4-FFF2-40B4-BE49-F238E27FC236}">
-                <a16:creationId xmlns:a16="http://schemas.microsoft.com/office/drawing/2014/main" id="{F8C97BCC-57EB-4E1A-A8EC-DEB97D41DBB2}"/>
+                <a16:creationId xmlns:a16="http://schemas.microsoft.com/office/drawing/2014/main" id="{2760C325-CF14-48E3-8F7F-F44313D6874C}"/>
               </a:ext>
             </a:extLst>
           </p:cNvPr>
@@ -18037,13 +18039,13 @@
         </p:nvPicPr>
         <p:blipFill rotWithShape="1">
           <a:blip r:embed="rId2"/>
-          <a:srcRect t="4059" b="3164"/>
+          <a:srcRect t="3700" r="1818" b="2095"/>
           <a:stretch/>
         </p:blipFill>
         <p:spPr>
           <a:xfrm>
-            <a:off x="696912" y="650032"/>
-            <a:ext cx="10798175" cy="5443264"/>
+            <a:off x="696911" y="650031"/>
+            <a:ext cx="10798175" cy="5358493"/>
           </a:xfrm>
           <a:prstGeom prst="rect">
             <a:avLst/>
@@ -18109,7 +18111,7 @@
             <a:pPr algn="ctr"/>
             <a:r>
               <a:rPr lang="en-GB" dirty="0"/>
-              <a:t>A small bonus </a:t>
+              <a:t>Care on the ML estimation</a:t>
             </a:r>
           </a:p>
         </p:txBody>
@@ -18179,10 +18181,10 @@
       </p:sp>
       <p:pic>
         <p:nvPicPr>
-          <p:cNvPr id="5" name="Picture 4">
+          <p:cNvPr id="6" name="Picture 5">
             <a:extLst>
               <a:ext uri="{FF2B5EF4-FFF2-40B4-BE49-F238E27FC236}">
-                <a16:creationId xmlns:a16="http://schemas.microsoft.com/office/drawing/2014/main" id="{0BF74FD3-CC05-4FC6-A2AD-DB785529053E}"/>
+                <a16:creationId xmlns:a16="http://schemas.microsoft.com/office/drawing/2014/main" id="{BC2B48F6-BB3F-493E-B8BA-AD29B8B48894}"/>
               </a:ext>
             </a:extLst>
           </p:cNvPr>
@@ -18193,13 +18195,13 @@
         </p:nvPicPr>
         <p:blipFill rotWithShape="1">
           <a:blip r:embed="rId3"/>
-          <a:srcRect t="4266" b="3308"/>
+          <a:srcRect t="2854" r="1986" b="2941"/>
           <a:stretch/>
         </p:blipFill>
         <p:spPr>
           <a:xfrm>
-            <a:off x="696912" y="2276871"/>
-            <a:ext cx="11087720" cy="4392489"/>
+            <a:off x="696913" y="2274815"/>
+            <a:ext cx="10798174" cy="4322537"/>
           </a:xfrm>
           <a:prstGeom prst="rect">
             <a:avLst/>
@@ -18265,7 +18267,7 @@
             <a:pPr algn="ctr"/>
             <a:r>
               <a:rPr lang="en-GB" dirty="0"/>
-              <a:t>Another small bonus</a:t>
+              <a:t>Small bonuses</a:t>
             </a:r>
           </a:p>
         </p:txBody>
@@ -18298,7 +18300,31 @@
           <a:p>
             <a:r>
               <a:rPr lang="en-GB" dirty="0"/>
-              <a:t>Beta regression trees</a:t>
+              <a:t>Beta regression trees are also possible using the </a:t>
+            </a:r>
+            <a:r>
+              <a:rPr lang="en-GB" dirty="0" err="1"/>
+              <a:t>betatree</a:t>
+            </a:r>
+            <a:r>
+              <a:rPr lang="en-GB" dirty="0"/>
+              <a:t> a modified </a:t>
+            </a:r>
+            <a:r>
+              <a:rPr lang="en-GB" dirty="0" err="1"/>
+              <a:t>glmtree</a:t>
+            </a:r>
+            <a:r>
+              <a:rPr lang="en-GB" dirty="0"/>
+              <a:t> from </a:t>
+            </a:r>
+            <a:r>
+              <a:rPr lang="en-GB" dirty="0" err="1"/>
+              <a:t>partykit</a:t>
+            </a:r>
+            <a:r>
+              <a:rPr lang="en-GB" dirty="0"/>
+              <a:t> package. </a:t>
             </a:r>
           </a:p>
           <a:p>
@@ -18366,6 +18392,203 @@
 </file>
 
 <file path=ppt/slides/slide16.xml><?xml version="1.0" encoding="utf-8"?>
+<p:sld xmlns:a="http://schemas.openxmlformats.org/drawingml/2006/main" xmlns:r="http://schemas.openxmlformats.org/officeDocument/2006/relationships" xmlns:p="http://schemas.openxmlformats.org/presentationml/2006/main">
+  <p:cSld>
+    <p:spTree>
+      <p:nvGrpSpPr>
+        <p:cNvPr id="1" name=""/>
+        <p:cNvGrpSpPr/>
+        <p:nvPr/>
+      </p:nvGrpSpPr>
+      <p:grpSpPr>
+        <a:xfrm>
+          <a:off x="0" y="0"/>
+          <a:ext cx="0" cy="0"/>
+          <a:chOff x="0" y="0"/>
+          <a:chExt cx="0" cy="0"/>
+        </a:xfrm>
+      </p:grpSpPr>
+      <p:sp>
+        <p:nvSpPr>
+          <p:cNvPr id="2" name="Title 1">
+            <a:extLst>
+              <a:ext uri="{FF2B5EF4-FFF2-40B4-BE49-F238E27FC236}">
+                <a16:creationId xmlns:a16="http://schemas.microsoft.com/office/drawing/2014/main" id="{AEC33FDC-5498-4D5E-B67C-2EB22B33FD05}"/>
+              </a:ext>
+            </a:extLst>
+          </p:cNvPr>
+          <p:cNvSpPr>
+            <a:spLocks noGrp="1"/>
+          </p:cNvSpPr>
+          <p:nvPr>
+            <p:ph type="title"/>
+          </p:nvPr>
+        </p:nvSpPr>
+        <p:spPr>
+          <a:xfrm>
+            <a:off x="696913" y="44624"/>
+            <a:ext cx="10798175" cy="533400"/>
+          </a:xfrm>
+        </p:spPr>
+        <p:txBody>
+          <a:bodyPr/>
+          <a:lstStyle/>
+          <a:p>
+            <a:pPr algn="ctr"/>
+            <a:r>
+              <a:rPr lang="en-GB" dirty="0" err="1"/>
+              <a:t>Betatree</a:t>
+            </a:r>
+            <a:endParaRPr lang="en-GB" dirty="0"/>
+          </a:p>
+        </p:txBody>
+      </p:sp>
+      <p:pic>
+        <p:nvPicPr>
+          <p:cNvPr id="4" name="Picture 3">
+            <a:extLst>
+              <a:ext uri="{FF2B5EF4-FFF2-40B4-BE49-F238E27FC236}">
+                <a16:creationId xmlns:a16="http://schemas.microsoft.com/office/drawing/2014/main" id="{99695422-9FFC-42B1-862E-C60245F7948F}"/>
+              </a:ext>
+            </a:extLst>
+          </p:cNvPr>
+          <p:cNvPicPr>
+            <a:picLocks noChangeAspect="1"/>
+          </p:cNvPicPr>
+          <p:nvPr/>
+        </p:nvPicPr>
+        <p:blipFill>
+          <a:blip r:embed="rId2"/>
+          <a:stretch>
+            <a:fillRect/>
+          </a:stretch>
+        </p:blipFill>
+        <p:spPr>
+          <a:xfrm>
+            <a:off x="1218777" y="906561"/>
+            <a:ext cx="9754445" cy="5044877"/>
+          </a:xfrm>
+          <a:prstGeom prst="rect">
+            <a:avLst/>
+          </a:prstGeom>
+        </p:spPr>
+      </p:pic>
+    </p:spTree>
+    <p:extLst>
+      <p:ext uri="{BB962C8B-B14F-4D97-AF65-F5344CB8AC3E}">
+        <p14:creationId xmlns:p14="http://schemas.microsoft.com/office/powerpoint/2010/main" val="3838834120"/>
+      </p:ext>
+    </p:extLst>
+  </p:cSld>
+  <p:clrMapOvr>
+    <a:masterClrMapping/>
+  </p:clrMapOvr>
+</p:sld>
+</file>
+
+<file path=ppt/slides/slide17.xml><?xml version="1.0" encoding="utf-8"?>
+<p:sld xmlns:a="http://schemas.openxmlformats.org/drawingml/2006/main" xmlns:r="http://schemas.openxmlformats.org/officeDocument/2006/relationships" xmlns:p="http://schemas.openxmlformats.org/presentationml/2006/main">
+  <p:cSld>
+    <p:spTree>
+      <p:nvGrpSpPr>
+        <p:cNvPr id="1" name=""/>
+        <p:cNvGrpSpPr/>
+        <p:nvPr/>
+      </p:nvGrpSpPr>
+      <p:grpSpPr>
+        <a:xfrm>
+          <a:off x="0" y="0"/>
+          <a:ext cx="0" cy="0"/>
+          <a:chOff x="0" y="0"/>
+          <a:chExt cx="0" cy="0"/>
+        </a:xfrm>
+      </p:grpSpPr>
+      <p:sp>
+        <p:nvSpPr>
+          <p:cNvPr id="2" name="Title 1">
+            <a:extLst>
+              <a:ext uri="{FF2B5EF4-FFF2-40B4-BE49-F238E27FC236}">
+                <a16:creationId xmlns:a16="http://schemas.microsoft.com/office/drawing/2014/main" id="{E1ABA4B1-2C57-40AA-A3E5-24D57FB351C4}"/>
+              </a:ext>
+            </a:extLst>
+          </p:cNvPr>
+          <p:cNvSpPr>
+            <a:spLocks noGrp="1"/>
+          </p:cNvSpPr>
+          <p:nvPr>
+            <p:ph type="title"/>
+          </p:nvPr>
+        </p:nvSpPr>
+        <p:spPr>
+          <a:xfrm>
+            <a:off x="696252" y="116632"/>
+            <a:ext cx="10798175" cy="533400"/>
+          </a:xfrm>
+        </p:spPr>
+        <p:txBody>
+          <a:bodyPr/>
+          <a:lstStyle/>
+          <a:p>
+            <a:pPr algn="ctr"/>
+            <a:r>
+              <a:rPr lang="en-GB" dirty="0"/>
+              <a:t>Latent class beta regression</a:t>
+            </a:r>
+          </a:p>
+        </p:txBody>
+      </p:sp>
+      <p:sp>
+        <p:nvSpPr>
+          <p:cNvPr id="3" name="Content Placeholder 2">
+            <a:extLst>
+              <a:ext uri="{FF2B5EF4-FFF2-40B4-BE49-F238E27FC236}">
+                <a16:creationId xmlns:a16="http://schemas.microsoft.com/office/drawing/2014/main" id="{FDFA52F0-E1FB-4BAA-9833-F3B9BB809BDC}"/>
+              </a:ext>
+            </a:extLst>
+          </p:cNvPr>
+          <p:cNvSpPr>
+            <a:spLocks noGrp="1"/>
+          </p:cNvSpPr>
+          <p:nvPr>
+            <p:ph idx="1"/>
+          </p:nvPr>
+        </p:nvSpPr>
+        <p:spPr>
+          <a:xfrm>
+            <a:off x="696913" y="980728"/>
+            <a:ext cx="10798175" cy="4959697"/>
+          </a:xfrm>
+        </p:spPr>
+        <p:txBody>
+          <a:bodyPr/>
+          <a:lstStyle/>
+          <a:p>
+            <a:r>
+              <a:rPr lang="en-GB" dirty="0"/>
+              <a:t>If we didn’t know dyslexia and we were suspecting underlying latent classes</a:t>
+            </a:r>
+            <a:r>
+              <a:rPr lang="el-GR" dirty="0"/>
+              <a:t> </a:t>
+            </a:r>
+            <a:endParaRPr lang="en-GB" dirty="0"/>
+          </a:p>
+        </p:txBody>
+      </p:sp>
+    </p:spTree>
+    <p:extLst>
+      <p:ext uri="{BB962C8B-B14F-4D97-AF65-F5344CB8AC3E}">
+        <p14:creationId xmlns:p14="http://schemas.microsoft.com/office/powerpoint/2010/main" val="1866381864"/>
+      </p:ext>
+    </p:extLst>
+  </p:cSld>
+  <p:clrMapOvr>
+    <a:masterClrMapping/>
+  </p:clrMapOvr>
+</p:sld>
+</file>
+
+<file path=ppt/slides/slide18.xml><?xml version="1.0" encoding="utf-8"?>
 <p:sld xmlns:a="http://schemas.openxmlformats.org/drawingml/2006/main" xmlns:r="http://schemas.openxmlformats.org/officeDocument/2006/relationships" xmlns:p="http://schemas.openxmlformats.org/presentationml/2006/main">
   <p:cSld>
     <p:spTree>

--- a/Beta Regression/Beta-regression.pptx
+++ b/Beta Regression/Beta-regression.pptx
@@ -5,10 +5,10 @@
     <p:sldMasterId id="2147483648" r:id="rId1"/>
   </p:sldMasterIdLst>
   <p:notesMasterIdLst>
-    <p:notesMasterId r:id="rId20"/>
+    <p:notesMasterId r:id="rId22"/>
   </p:notesMasterIdLst>
   <p:handoutMasterIdLst>
-    <p:handoutMasterId r:id="rId21"/>
+    <p:handoutMasterId r:id="rId23"/>
   </p:handoutMasterIdLst>
   <p:sldIdLst>
     <p:sldId id="256" r:id="rId2"/>
@@ -16,19 +16,21 @@
     <p:sldId id="363" r:id="rId4"/>
     <p:sldId id="364" r:id="rId5"/>
     <p:sldId id="365" r:id="rId6"/>
-    <p:sldId id="366" r:id="rId7"/>
-    <p:sldId id="368" r:id="rId8"/>
+    <p:sldId id="379" r:id="rId7"/>
+    <p:sldId id="366" r:id="rId8"/>
     <p:sldId id="369" r:id="rId9"/>
-    <p:sldId id="370" r:id="rId10"/>
-    <p:sldId id="371" r:id="rId11"/>
-    <p:sldId id="372" r:id="rId12"/>
-    <p:sldId id="374" r:id="rId13"/>
-    <p:sldId id="373" r:id="rId14"/>
-    <p:sldId id="375" r:id="rId15"/>
-    <p:sldId id="376" r:id="rId16"/>
-    <p:sldId id="378" r:id="rId17"/>
-    <p:sldId id="377" r:id="rId18"/>
-    <p:sldId id="367" r:id="rId19"/>
+    <p:sldId id="368" r:id="rId10"/>
+    <p:sldId id="370" r:id="rId11"/>
+    <p:sldId id="371" r:id="rId12"/>
+    <p:sldId id="372" r:id="rId13"/>
+    <p:sldId id="374" r:id="rId14"/>
+    <p:sldId id="373" r:id="rId15"/>
+    <p:sldId id="375" r:id="rId16"/>
+    <p:sldId id="376" r:id="rId17"/>
+    <p:sldId id="378" r:id="rId18"/>
+    <p:sldId id="377" r:id="rId19"/>
+    <p:sldId id="380" r:id="rId20"/>
+    <p:sldId id="367" r:id="rId21"/>
   </p:sldIdLst>
   <p:sldSz cx="12192000" cy="6858000"/>
   <p:notesSz cx="6858000" cy="9144000"/>
@@ -979,8 +981,8 @@
         </a:p>
       </dgm:t>
     </dgm:pt>
-    <mc:AlternateContent xmlns:mc="http://schemas.openxmlformats.org/markup-compatibility/2006" xmlns:a14="http://schemas.microsoft.com/office/drawing/2010/main">
-      <mc:Choice Requires="a14">
+    <mc:AlternateContent xmlns:mc="http://schemas.openxmlformats.org/markup-compatibility/2006">
+      <mc:Choice xmlns:a14="http://schemas.microsoft.com/office/drawing/2010/main" Requires="a14">
         <dgm:pt modelId="{3A269D55-F454-4A81-BF6A-FD122A4A0195}">
           <dgm:prSet/>
           <dgm:spPr/>
@@ -1027,7 +1029,7 @@
                     <a:schemeClr val="tx1"/>
                   </a:solidFill>
                 </a:rPr>
-                <a:t>a, b) or Y </a:t>
+                <a:t>a, b) ~ Y </a:t>
               </a:r>
               <a14:m>
                 <m:oMath xmlns:m="http://schemas.openxmlformats.org/officeDocument/2006/math">
@@ -1059,13 +1061,66 @@
                     <a:schemeClr val="tx1"/>
                   </a:solidFill>
                 </a:rPr>
-                <a:t>0, 1)</a:t>
+                <a:t>0, 1) </a:t>
+              </a:r>
+              <a:br>
+                <a:rPr lang="en-GB" dirty="0">
+                  <a:solidFill>
+                    <a:schemeClr val="tx1"/>
+                  </a:solidFill>
+                </a:rPr>
+              </a:br>
+              <a:r>
+                <a:rPr lang="en-GB" dirty="0">
+                  <a:solidFill>
+                    <a:schemeClr val="tx1"/>
+                  </a:solidFill>
+                </a:rPr>
+                <a:t>(or Y </a:t>
+              </a:r>
+              <a14:m>
+                <m:oMath xmlns:m="http://schemas.openxmlformats.org/officeDocument/2006/math">
+                  <m:r>
+                    <a:rPr lang="en-GB" i="1" smtClean="0">
+                      <a:solidFill>
+                        <a:schemeClr val="tx1"/>
+                      </a:solidFill>
+                      <a:latin typeface="Cambria Math" panose="02040503050406030204" pitchFamily="18" charset="0"/>
+                      <a:ea typeface="Cambria Math" panose="02040503050406030204" pitchFamily="18" charset="0"/>
+                    </a:rPr>
+                    <m:t>∈</m:t>
+                  </m:r>
+                </m:oMath>
+              </a14:m>
+              <a:r>
+                <a:rPr lang="en-GB" dirty="0">
+                  <a:solidFill>
+                    <a:schemeClr val="tx1"/>
+                  </a:solidFill>
+                </a:rPr>
+                <a:t> [</a:t>
+              </a:r>
+              <a:r>
+                <a:rPr lang="en-GB" dirty="0" err="1">
+                  <a:solidFill>
+                    <a:schemeClr val="tx1"/>
+                  </a:solidFill>
+                </a:rPr>
+                <a:t>a,b</a:t>
+              </a:r>
+              <a:r>
+                <a:rPr lang="en-GB" dirty="0">
+                  <a:solidFill>
+                    <a:schemeClr val="tx1"/>
+                  </a:solidFill>
+                </a:rPr>
+                <a:t>]) </a:t>
               </a:r>
             </a:p>
           </dgm:t>
         </dgm:pt>
       </mc:Choice>
-      <mc:Fallback xmlns="">
+      <mc:Fallback>
         <dgm:pt modelId="{3A269D55-F454-4A81-BF6A-FD122A4A0195}">
           <dgm:prSet/>
           <dgm:spPr/>
@@ -1108,7 +1163,7 @@
                     <a:schemeClr val="tx1"/>
                   </a:solidFill>
                 </a:rPr>
-                <a:t>a, b) or Y </a:t>
+                <a:t>a, b) ~ Y </a:t>
               </a:r>
               <a:r>
                 <a:rPr lang="en-GB" i="0">
@@ -1136,7 +1191,56 @@
                     <a:schemeClr val="tx1"/>
                   </a:solidFill>
                 </a:rPr>
-                <a:t>0, 1)</a:t>
+                <a:t>0, 1) </a:t>
+              </a:r>
+              <a:br>
+                <a:rPr lang="en-GB" dirty="0">
+                  <a:solidFill>
+                    <a:schemeClr val="tx1"/>
+                  </a:solidFill>
+                </a:rPr>
+              </a:br>
+              <a:r>
+                <a:rPr lang="en-GB" dirty="0">
+                  <a:solidFill>
+                    <a:schemeClr val="tx1"/>
+                  </a:solidFill>
+                </a:rPr>
+                <a:t>(or Y </a:t>
+              </a:r>
+              <a:r>
+                <a:rPr lang="en-GB" i="0">
+                  <a:solidFill>
+                    <a:schemeClr val="tx1"/>
+                  </a:solidFill>
+                  <a:latin typeface="Cambria Math" panose="02040503050406030204" pitchFamily="18" charset="0"/>
+                  <a:ea typeface="Cambria Math" panose="02040503050406030204" pitchFamily="18" charset="0"/>
+                </a:rPr>
+                <a:t>∈</a:t>
+              </a:r>
+              <a:r>
+                <a:rPr lang="en-GB" dirty="0">
+                  <a:solidFill>
+                    <a:schemeClr val="tx1"/>
+                  </a:solidFill>
+                </a:rPr>
+                <a:t> [</a:t>
+              </a:r>
+              <a:r>
+                <a:rPr lang="en-GB" dirty="0" err="1">
+                  <a:solidFill>
+                    <a:schemeClr val="tx1"/>
+                  </a:solidFill>
+                </a:rPr>
+                <a:t>a,b</a:t>
+              </a:r>
+              <a:r>
+                <a:rPr lang="en-GB" dirty="0">
+                  <a:solidFill>
+                    <a:schemeClr val="tx1"/>
+                  </a:solidFill>
+                </a:rPr>
+                <a:t>]) </a:t>
               </a:r>
             </a:p>
           </dgm:t>
@@ -1165,8 +1269,8 @@
         </a:p>
       </dgm:t>
     </dgm:pt>
-    <mc:AlternateContent xmlns:mc="http://schemas.openxmlformats.org/markup-compatibility/2006" xmlns:a14="http://schemas.microsoft.com/office/drawing/2010/main">
-      <mc:Choice Requires="a14">
+    <mc:AlternateContent xmlns:mc="http://schemas.openxmlformats.org/markup-compatibility/2006">
+      <mc:Choice xmlns:a14="http://schemas.microsoft.com/office/drawing/2010/main" Requires="a14">
         <dgm:pt modelId="{F49992F5-7F45-496E-8D76-95B668B93F4E}">
           <dgm:prSet/>
           <dgm:spPr/>
@@ -1215,7 +1319,7 @@
                     <a:rPr lang="en-GB" b="0" i="1" smtClean="0">
                       <a:latin typeface="Cambria Math" panose="02040503050406030204" pitchFamily="18" charset="0"/>
                     </a:rPr>
-                    <m:t>𝑔</m:t>
+                    <m:t>h</m:t>
                   </m:r>
                   <m:r>
                     <a:rPr lang="en-GB" b="0" i="1" smtClean="0">
@@ -1299,7 +1403,7 @@
           </dgm:t>
         </dgm:pt>
       </mc:Choice>
-      <mc:Fallback xmlns="">
+      <mc:Fallback>
         <dgm:pt modelId="{F49992F5-7F45-496E-8D76-95B668B93F4E}">
           <dgm:prSet/>
           <dgm:spPr/>
@@ -1334,7 +1438,7 @@
                 <a:rPr lang="en-GB" b="0" i="0">
                   <a:latin typeface="Cambria Math" panose="02040503050406030204" pitchFamily="18" charset="0"/>
                 </a:rPr>
-                <a:t>=  𝑔(𝑌)</a:t>
+                <a:t>=  ℎ(𝑌)</a:t>
               </a:r>
               <a:r>
                 <a:rPr lang="en-US" dirty="0"/>
@@ -1612,7 +1716,7 @@
         <a:blipFill>
           <a:blip xmlns:r="http://schemas.openxmlformats.org/officeDocument/2006/relationships" r:embed="rId1"/>
           <a:stretch>
-            <a:fillRect/>
+            <a:fillRect t="-3226" b="-9677"/>
           </a:stretch>
         </a:blipFill>
       </dgm:spPr>
@@ -2047,7 +2151,7 @@
                 <a:schemeClr val="tx1"/>
               </a:solidFill>
             </a:rPr>
-            <a:t>a, b) or Y </a:t>
+            <a:t>a, b) ~ Y </a:t>
           </a:r>
           <a14:m xmlns:a14="http://schemas.microsoft.com/office/drawing/2010/main">
             <m:oMath xmlns:m="http://schemas.openxmlformats.org/officeDocument/2006/math">
@@ -2079,7 +2183,60 @@
                 <a:schemeClr val="tx1"/>
               </a:solidFill>
             </a:rPr>
-            <a:t>0, 1)</a:t>
+            <a:t>0, 1) </a:t>
+          </a:r>
+          <a:br>
+            <a:rPr lang="en-GB" sz="3100" kern="1200" dirty="0">
+              <a:solidFill>
+                <a:schemeClr val="tx1"/>
+              </a:solidFill>
+            </a:rPr>
+          </a:br>
+          <a:r>
+            <a:rPr lang="en-GB" sz="3100" kern="1200" dirty="0">
+              <a:solidFill>
+                <a:schemeClr val="tx1"/>
+              </a:solidFill>
+            </a:rPr>
+            <a:t>(or Y </a:t>
+          </a:r>
+          <a14:m xmlns:a14="http://schemas.microsoft.com/office/drawing/2010/main">
+            <m:oMath xmlns:m="http://schemas.openxmlformats.org/officeDocument/2006/math">
+              <m:r>
+                <a:rPr lang="en-GB" sz="3100" i="1" kern="1200" smtClean="0">
+                  <a:solidFill>
+                    <a:schemeClr val="tx1"/>
+                  </a:solidFill>
+                  <a:latin typeface="Cambria Math" panose="02040503050406030204" pitchFamily="18" charset="0"/>
+                  <a:ea typeface="Cambria Math" panose="02040503050406030204" pitchFamily="18" charset="0"/>
+                </a:rPr>
+                <m:t>∈</m:t>
+              </m:r>
+            </m:oMath>
+          </a14:m>
+          <a:r>
+            <a:rPr lang="en-GB" sz="3100" kern="1200" dirty="0">
+              <a:solidFill>
+                <a:schemeClr val="tx1"/>
+              </a:solidFill>
+            </a:rPr>
+            <a:t> [</a:t>
+          </a:r>
+          <a:r>
+            <a:rPr lang="en-GB" sz="3100" kern="1200" dirty="0" err="1">
+              <a:solidFill>
+                <a:schemeClr val="tx1"/>
+              </a:solidFill>
+            </a:rPr>
+            <a:t>a,b</a:t>
+          </a:r>
+          <a:r>
+            <a:rPr lang="en-GB" sz="3100" kern="1200" dirty="0">
+              <a:solidFill>
+                <a:schemeClr val="tx1"/>
+              </a:solidFill>
+            </a:rPr>
+            <a:t>]) </a:t>
           </a:r>
         </a:p>
       </dsp:txBody>
@@ -2259,7 +2416,7 @@
                 <a:rPr lang="en-GB" sz="3100" b="0" i="1" kern="1200" smtClean="0">
                   <a:latin typeface="Cambria Math" panose="02040503050406030204" pitchFamily="18" charset="0"/>
                 </a:rPr>
-                <m:t>𝑔</m:t>
+                <m:t>h</m:t>
               </m:r>
               <m:r>
                 <a:rPr lang="en-GB" sz="3100" b="0" i="1" kern="1200" smtClean="0">
@@ -4288,7 +4445,7 @@
           <a:p>
             <a:fld id="{696C064A-D61B-4B21-B757-51A9B82445B8}" type="datetimeFigureOut">
               <a:rPr lang="en-US" smtClean="0"/>
-              <a:t>5/28/2018</a:t>
+              <a:t>5/29/2018</a:t>
             </a:fld>
             <a:endParaRPr lang="en-US"/>
           </a:p>
@@ -4448,7 +4605,7 @@
           <a:p>
             <a:fld id="{3EFD42F7-718C-4B98-AAEC-167E6DDD60A7}" type="datetimeFigureOut">
               <a:rPr lang="en-US" smtClean="0"/>
-              <a:t>5/28/2018</a:t>
+              <a:t>5/29/2018</a:t>
             </a:fld>
             <a:endParaRPr lang="en-US"/>
           </a:p>
@@ -4755,131 +4912,72 @@
           <a:lstStyle/>
           <a:p>
             <a:r>
-              <a:rPr lang="en-GB" sz="1200" b="0" i="0" u="none" strike="noStrike" kern="1200" baseline="0" dirty="0">
+              <a:rPr lang="en-GB" sz="1200" b="0" i="0" kern="1200" dirty="0">
                 <a:solidFill>
                   <a:schemeClr val="tx1"/>
                 </a:solidFill>
+                <a:effectLst/>
                 <a:latin typeface="+mn-lt"/>
                 <a:ea typeface="+mn-ea"/>
                 <a:cs typeface="+mn-cs"/>
               </a:rPr>
-              <a:t>The main motivation for using a link function in the regression structure is twofold. </a:t>
-            </a:r>
-          </a:p>
-          <a:p>
-            <a:endParaRPr lang="en-GB" sz="1200" b="0" i="0" u="none" strike="noStrike" kern="1200" baseline="0" dirty="0">
-              <a:solidFill>
-                <a:schemeClr val="tx1"/>
-              </a:solidFill>
-              <a:latin typeface="+mn-lt"/>
-              <a:ea typeface="+mn-ea"/>
-              <a:cs typeface="+mn-cs"/>
-            </a:endParaRPr>
-          </a:p>
-          <a:p>
-            <a:r>
-              <a:rPr lang="en-GB" sz="1200" b="0" i="0" u="none" strike="noStrike" kern="1200" baseline="0" dirty="0">
+              <a:t>The limits of the logit scale are negative infinity and positive infinity. </a:t>
+            </a:r>
+          </a:p>
+          <a:p>
+            <a:r>
+              <a:rPr lang="en-GB" sz="1200" b="0" i="0" kern="1200" dirty="0">
                 <a:solidFill>
                   <a:schemeClr val="tx1"/>
                 </a:solidFill>
+                <a:effectLst/>
                 <a:latin typeface="+mn-lt"/>
                 <a:ea typeface="+mn-ea"/>
                 <a:cs typeface="+mn-cs"/>
               </a:rPr>
-              <a:t>First, both sides of the regression equation assume values in the real line when a link function is applied to </a:t>
-            </a:r>
-            <a:r>
-              <a:rPr lang="en-GB" sz="1200" b="0" i="0" u="none" strike="noStrike" kern="1200" baseline="0" dirty="0" err="1">
+              <a:t>This is particularly important where prediction is needed, as having a bounded scale could give nonsensical results (e.g., more than 100% or less than 0%).</a:t>
+            </a:r>
+          </a:p>
+          <a:p>
+            <a:r>
+              <a:rPr lang="en-GB" sz="1200" b="0" i="0" kern="1200" dirty="0">
                 <a:solidFill>
                   <a:schemeClr val="tx1"/>
                 </a:solidFill>
+                <a:effectLst/>
                 <a:latin typeface="+mn-lt"/>
                 <a:ea typeface="+mn-ea"/>
                 <a:cs typeface="+mn-cs"/>
               </a:rPr>
-              <a:t>i</a:t>
-            </a:r>
-            <a:r>
-              <a:rPr lang="en-GB" sz="1200" b="0" i="0" u="none" strike="noStrike" kern="1200" baseline="0" dirty="0">
+              <a:t>The logit scale is more intuitive since it is the log-odds. </a:t>
+            </a:r>
+          </a:p>
+          <a:p>
+            <a:r>
+              <a:rPr lang="en-GB" sz="1200" b="0" i="0" kern="1200" dirty="0">
                 <a:solidFill>
                   <a:schemeClr val="tx1"/>
                 </a:solidFill>
+                <a:effectLst/>
                 <a:latin typeface="+mn-lt"/>
                 <a:ea typeface="+mn-ea"/>
                 <a:cs typeface="+mn-cs"/>
               </a:rPr>
-              <a:t>. </a:t>
-            </a:r>
-          </a:p>
-          <a:p>
-            <a:r>
-              <a:rPr lang="en-GB" sz="1200" b="0" i="0" u="none" strike="noStrike" kern="1200" baseline="0" dirty="0">
+              <a:t>This is particularly useful in interpreting slopes from a logistic regression, in which the logit transformation is central.</a:t>
+            </a:r>
+          </a:p>
+          <a:p>
+            <a:r>
+              <a:rPr lang="en-GB" sz="1200" b="0" i="0" kern="1200" dirty="0">
                 <a:solidFill>
                   <a:schemeClr val="tx1"/>
                 </a:solidFill>
+                <a:effectLst/>
                 <a:latin typeface="+mn-lt"/>
                 <a:ea typeface="+mn-ea"/>
                 <a:cs typeface="+mn-cs"/>
               </a:rPr>
-              <a:t>Second, there is an added flexibility since the practitioner can choose the function that yields the best fit.</a:t>
-            </a:r>
-          </a:p>
-          <a:p>
-            <a:endParaRPr lang="en-GB" sz="1200" b="0" i="0" u="none" strike="noStrike" kern="1200" baseline="0" dirty="0">
-              <a:solidFill>
-                <a:schemeClr val="tx1"/>
-              </a:solidFill>
-              <a:latin typeface="+mn-lt"/>
-              <a:ea typeface="+mn-ea"/>
-              <a:cs typeface="+mn-cs"/>
-            </a:endParaRPr>
-          </a:p>
-          <a:p>
-            <a:r>
-              <a:rPr lang="en-GB" sz="1200" b="0" i="0" u="none" strike="noStrike" kern="1200" baseline="0" dirty="0">
-                <a:solidFill>
-                  <a:schemeClr val="tx1"/>
-                </a:solidFill>
-                <a:latin typeface="+mn-lt"/>
-                <a:ea typeface="+mn-ea"/>
-                <a:cs typeface="+mn-cs"/>
-              </a:rPr>
-              <a:t>log, logit , </a:t>
-            </a:r>
-            <a:r>
-              <a:rPr lang="en-GB" sz="1200" b="0" i="0" u="none" strike="noStrike" kern="1200" baseline="0" dirty="0" err="1">
-                <a:solidFill>
-                  <a:schemeClr val="tx1"/>
-                </a:solidFill>
-                <a:latin typeface="+mn-lt"/>
-                <a:ea typeface="+mn-ea"/>
-                <a:cs typeface="+mn-cs"/>
-              </a:rPr>
-              <a:t>probit</a:t>
-            </a:r>
-            <a:r>
-              <a:rPr lang="en-GB" sz="1200" b="0" i="0" u="none" strike="noStrike" kern="1200" baseline="0" dirty="0">
-                <a:solidFill>
-                  <a:schemeClr val="tx1"/>
-                </a:solidFill>
-                <a:latin typeface="+mn-lt"/>
-                <a:ea typeface="+mn-ea"/>
-                <a:cs typeface="+mn-cs"/>
-              </a:rPr>
-              <a:t> , complementary log-log, log-log and Cauchy for the mean</a:t>
-            </a:r>
-          </a:p>
-          <a:p>
-            <a:r>
-              <a:rPr lang="en-GB" sz="1200" b="0" i="0" u="none" strike="noStrike" kern="1200" baseline="0" dirty="0">
-                <a:solidFill>
-                  <a:schemeClr val="tx1"/>
-                </a:solidFill>
-                <a:latin typeface="+mn-lt"/>
-                <a:ea typeface="+mn-ea"/>
-                <a:cs typeface="+mn-cs"/>
-              </a:rPr>
-              <a:t>"identity", "log", and "sqrt“ for the precision.</a:t>
+              <a:t>Third, the logit scale correctly models the relationship between the mean and variance in binomial data, where variance is p(1-p)/n. </a:t>
             </a:r>
             <a:endParaRPr lang="en-GB" dirty="0"/>
           </a:p>
@@ -4902,7 +5000,7 @@
           <a:p>
             <a:fld id="{21B2AA4F-B828-4D7C-AFD3-893933DAFCB4}" type="slidenum">
               <a:rPr lang="en-US" smtClean="0"/>
-              <a:t>8</a:t>
+              <a:t>6</a:t>
             </a:fld>
             <a:endParaRPr lang="en-US"/>
           </a:p>
@@ -4911,7 +5009,7 @@
     </p:spTree>
     <p:extLst>
       <p:ext uri="{BB962C8B-B14F-4D97-AF65-F5344CB8AC3E}">
-        <p14:creationId xmlns:p14="http://schemas.microsoft.com/office/powerpoint/2010/main" val="2322010850"/>
+        <p14:creationId xmlns:p14="http://schemas.microsoft.com/office/powerpoint/2010/main" val="3008034766"/>
       </p:ext>
     </p:extLst>
   </p:cSld>
@@ -4965,6 +5063,133 @@
           <a:bodyPr/>
           <a:lstStyle/>
           <a:p>
+            <a:r>
+              <a:rPr lang="en-GB" sz="1200" b="0" i="0" u="none" strike="noStrike" kern="1200" baseline="0" dirty="0">
+                <a:solidFill>
+                  <a:schemeClr val="tx1"/>
+                </a:solidFill>
+                <a:latin typeface="+mn-lt"/>
+                <a:ea typeface="+mn-ea"/>
+                <a:cs typeface="+mn-cs"/>
+              </a:rPr>
+              <a:t>The main motivation for using a link function in the regression structure is twofold. </a:t>
+            </a:r>
+          </a:p>
+          <a:p>
+            <a:endParaRPr lang="en-GB" sz="1200" b="0" i="0" u="none" strike="noStrike" kern="1200" baseline="0" dirty="0">
+              <a:solidFill>
+                <a:schemeClr val="tx1"/>
+              </a:solidFill>
+              <a:latin typeface="+mn-lt"/>
+              <a:ea typeface="+mn-ea"/>
+              <a:cs typeface="+mn-cs"/>
+            </a:endParaRPr>
+          </a:p>
+          <a:p>
+            <a:r>
+              <a:rPr lang="en-GB" sz="1200" b="0" i="0" u="none" strike="noStrike" kern="1200" baseline="0" dirty="0">
+                <a:solidFill>
+                  <a:schemeClr val="tx1"/>
+                </a:solidFill>
+                <a:latin typeface="+mn-lt"/>
+                <a:ea typeface="+mn-ea"/>
+                <a:cs typeface="+mn-cs"/>
+              </a:rPr>
+              <a:t>First, both sides of the regression equation assume values in the real line when a link function is applied to </a:t>
+            </a:r>
+            <a:r>
+              <a:rPr lang="en-GB" sz="1200" b="0" i="0" u="none" strike="noStrike" kern="1200" baseline="0" dirty="0" err="1">
+                <a:solidFill>
+                  <a:schemeClr val="tx1"/>
+                </a:solidFill>
+                <a:latin typeface="+mn-lt"/>
+                <a:ea typeface="+mn-ea"/>
+                <a:cs typeface="+mn-cs"/>
+              </a:rPr>
+              <a:t>i</a:t>
+            </a:r>
+            <a:r>
+              <a:rPr lang="en-GB" sz="1200" b="0" i="0" u="none" strike="noStrike" kern="1200" baseline="0" dirty="0">
+                <a:solidFill>
+                  <a:schemeClr val="tx1"/>
+                </a:solidFill>
+                <a:latin typeface="+mn-lt"/>
+                <a:ea typeface="+mn-ea"/>
+                <a:cs typeface="+mn-cs"/>
+              </a:rPr>
+              <a:t>. </a:t>
+            </a:r>
+          </a:p>
+          <a:p>
+            <a:r>
+              <a:rPr lang="en-GB" sz="1200" b="0" i="0" u="none" strike="noStrike" kern="1200" baseline="0" dirty="0">
+                <a:solidFill>
+                  <a:schemeClr val="tx1"/>
+                </a:solidFill>
+                <a:latin typeface="+mn-lt"/>
+                <a:ea typeface="+mn-ea"/>
+                <a:cs typeface="+mn-cs"/>
+              </a:rPr>
+              <a:t>Second, there is an added flexibility since the practitioner can choose the function that yields the best fit.</a:t>
+            </a:r>
+          </a:p>
+          <a:p>
+            <a:endParaRPr lang="en-GB" sz="1200" b="0" i="0" u="none" strike="noStrike" kern="1200" baseline="0" dirty="0">
+              <a:solidFill>
+                <a:schemeClr val="tx1"/>
+              </a:solidFill>
+              <a:latin typeface="+mn-lt"/>
+              <a:ea typeface="+mn-ea"/>
+              <a:cs typeface="+mn-cs"/>
+            </a:endParaRPr>
+          </a:p>
+          <a:p>
+            <a:r>
+              <a:rPr lang="en-GB" sz="1200" b="0" i="0" u="none" strike="noStrike" kern="1200" baseline="0" dirty="0">
+                <a:solidFill>
+                  <a:schemeClr val="tx1"/>
+                </a:solidFill>
+                <a:latin typeface="+mn-lt"/>
+                <a:ea typeface="+mn-ea"/>
+                <a:cs typeface="+mn-cs"/>
+              </a:rPr>
+              <a:t>log, logit , </a:t>
+            </a:r>
+            <a:r>
+              <a:rPr lang="en-GB" sz="1200" b="0" i="0" u="none" strike="noStrike" kern="1200" baseline="0" dirty="0" err="1">
+                <a:solidFill>
+                  <a:schemeClr val="tx1"/>
+                </a:solidFill>
+                <a:latin typeface="+mn-lt"/>
+                <a:ea typeface="+mn-ea"/>
+                <a:cs typeface="+mn-cs"/>
+              </a:rPr>
+              <a:t>probit</a:t>
+            </a:r>
+            <a:r>
+              <a:rPr lang="en-GB" sz="1200" b="0" i="0" u="none" strike="noStrike" kern="1200" baseline="0" dirty="0">
+                <a:solidFill>
+                  <a:schemeClr val="tx1"/>
+                </a:solidFill>
+                <a:latin typeface="+mn-lt"/>
+                <a:ea typeface="+mn-ea"/>
+                <a:cs typeface="+mn-cs"/>
+              </a:rPr>
+              <a:t> , complementary log-log, log-log and Cauchy for the mean</a:t>
+            </a:r>
+          </a:p>
+          <a:p>
+            <a:r>
+              <a:rPr lang="en-GB" sz="1200" b="0" i="0" u="none" strike="noStrike" kern="1200" baseline="0" dirty="0">
+                <a:solidFill>
+                  <a:schemeClr val="tx1"/>
+                </a:solidFill>
+                <a:latin typeface="+mn-lt"/>
+                <a:ea typeface="+mn-ea"/>
+                <a:cs typeface="+mn-cs"/>
+              </a:rPr>
+              <a:t>"identity", "log", and "sqrt“ for the precision.</a:t>
+            </a:r>
             <a:endParaRPr lang="en-GB" dirty="0"/>
           </a:p>
         </p:txBody>
@@ -4986,7 +5211,91 @@
           <a:p>
             <a:fld id="{21B2AA4F-B828-4D7C-AFD3-893933DAFCB4}" type="slidenum">
               <a:rPr lang="en-US" smtClean="0"/>
-              <a:t>9</a:t>
+              <a:t>8</a:t>
+            </a:fld>
+            <a:endParaRPr lang="en-US"/>
+          </a:p>
+        </p:txBody>
+      </p:sp>
+    </p:spTree>
+    <p:extLst>
+      <p:ext uri="{BB962C8B-B14F-4D97-AF65-F5344CB8AC3E}">
+        <p14:creationId xmlns:p14="http://schemas.microsoft.com/office/powerpoint/2010/main" val="2322010850"/>
+      </p:ext>
+    </p:extLst>
+  </p:cSld>
+  <p:clrMapOvr>
+    <a:masterClrMapping/>
+  </p:clrMapOvr>
+</p:notes>
+</file>
+
+<file path=ppt/notesSlides/notesSlide3.xml><?xml version="1.0" encoding="utf-8"?>
+<p:notes xmlns:a="http://schemas.openxmlformats.org/drawingml/2006/main" xmlns:r="http://schemas.openxmlformats.org/officeDocument/2006/relationships" xmlns:p="http://schemas.openxmlformats.org/presentationml/2006/main">
+  <p:cSld>
+    <p:spTree>
+      <p:nvGrpSpPr>
+        <p:cNvPr id="1" name=""/>
+        <p:cNvGrpSpPr/>
+        <p:nvPr/>
+      </p:nvGrpSpPr>
+      <p:grpSpPr>
+        <a:xfrm>
+          <a:off x="0" y="0"/>
+          <a:ext cx="0" cy="0"/>
+          <a:chOff x="0" y="0"/>
+          <a:chExt cx="0" cy="0"/>
+        </a:xfrm>
+      </p:grpSpPr>
+      <p:sp>
+        <p:nvSpPr>
+          <p:cNvPr id="2" name="Slide Image Placeholder 1"/>
+          <p:cNvSpPr>
+            <a:spLocks noGrp="1" noRot="1" noChangeAspect="1"/>
+          </p:cNvSpPr>
+          <p:nvPr>
+            <p:ph type="sldImg"/>
+          </p:nvPr>
+        </p:nvSpPr>
+        <p:spPr/>
+      </p:sp>
+      <p:sp>
+        <p:nvSpPr>
+          <p:cNvPr id="3" name="Notes Placeholder 2"/>
+          <p:cNvSpPr>
+            <a:spLocks noGrp="1"/>
+          </p:cNvSpPr>
+          <p:nvPr>
+            <p:ph type="body" idx="1"/>
+          </p:nvPr>
+        </p:nvSpPr>
+        <p:spPr/>
+        <p:txBody>
+          <a:bodyPr/>
+          <a:lstStyle/>
+          <a:p>
+            <a:endParaRPr lang="en-GB" dirty="0"/>
+          </a:p>
+        </p:txBody>
+      </p:sp>
+      <p:sp>
+        <p:nvSpPr>
+          <p:cNvPr id="4" name="Slide Number Placeholder 3"/>
+          <p:cNvSpPr>
+            <a:spLocks noGrp="1"/>
+          </p:cNvSpPr>
+          <p:nvPr>
+            <p:ph type="sldNum" sz="quarter" idx="10"/>
+          </p:nvPr>
+        </p:nvSpPr>
+        <p:spPr/>
+        <p:txBody>
+          <a:bodyPr/>
+          <a:lstStyle/>
+          <a:p>
+            <a:fld id="{21B2AA4F-B828-4D7C-AFD3-893933DAFCB4}" type="slidenum">
+              <a:rPr lang="en-US" smtClean="0"/>
+              <a:t>10</a:t>
             </a:fld>
             <a:endParaRPr lang="en-US"/>
           </a:p>
@@ -17232,7 +17541,7 @@
                 </a:effectLst>
                 <a:sym typeface="+mn-ea"/>
               </a:rPr>
-              <a:t>How to analyse continuous bounded variables?</a:t>
+              <a:t>How to analyse bounded continuous outcomes?</a:t>
             </a:r>
             <a:endParaRPr lang="en-GB" sz="5400" b="1" spc="50" dirty="0">
               <a:ln w="9525" cmpd="sng">
@@ -17269,6 +17578,249 @@
 </file>
 
 <file path=ppt/slides/slide10.xml><?xml version="1.0" encoding="utf-8"?>
+<p:sld xmlns:a="http://schemas.openxmlformats.org/drawingml/2006/main" xmlns:r="http://schemas.openxmlformats.org/officeDocument/2006/relationships" xmlns:p="http://schemas.openxmlformats.org/presentationml/2006/main">
+  <p:cSld>
+    <p:spTree>
+      <p:nvGrpSpPr>
+        <p:cNvPr id="1" name=""/>
+        <p:cNvGrpSpPr/>
+        <p:nvPr/>
+      </p:nvGrpSpPr>
+      <p:grpSpPr>
+        <a:xfrm>
+          <a:off x="0" y="0"/>
+          <a:ext cx="0" cy="0"/>
+          <a:chOff x="0" y="0"/>
+          <a:chExt cx="0" cy="0"/>
+        </a:xfrm>
+      </p:grpSpPr>
+      <p:sp>
+        <p:nvSpPr>
+          <p:cNvPr id="2" name="Title 1">
+            <a:extLst>
+              <a:ext uri="{FF2B5EF4-FFF2-40B4-BE49-F238E27FC236}">
+                <a16:creationId xmlns:a16="http://schemas.microsoft.com/office/drawing/2014/main" id="{78FEEEAD-80C1-4393-89D7-B4F4543E4551}"/>
+              </a:ext>
+            </a:extLst>
+          </p:cNvPr>
+          <p:cNvSpPr>
+            <a:spLocks noGrp="1"/>
+          </p:cNvSpPr>
+          <p:nvPr>
+            <p:ph type="title"/>
+          </p:nvPr>
+        </p:nvSpPr>
+        <p:spPr>
+          <a:xfrm>
+            <a:off x="696912" y="116632"/>
+            <a:ext cx="10798175" cy="533400"/>
+          </a:xfrm>
+        </p:spPr>
+        <p:txBody>
+          <a:bodyPr/>
+          <a:lstStyle/>
+          <a:p>
+            <a:pPr algn="ctr"/>
+            <a:r>
+              <a:rPr lang="en-GB" b="0" dirty="0"/>
+              <a:t>Implementation in R</a:t>
+            </a:r>
+            <a:endParaRPr lang="en-GB" dirty="0"/>
+          </a:p>
+        </p:txBody>
+      </p:sp>
+      <p:sp>
+        <p:nvSpPr>
+          <p:cNvPr id="3" name="Content Placeholder 2">
+            <a:extLst>
+              <a:ext uri="{FF2B5EF4-FFF2-40B4-BE49-F238E27FC236}">
+                <a16:creationId xmlns:a16="http://schemas.microsoft.com/office/drawing/2014/main" id="{38FC01DC-960B-4FC5-8DA0-762FBF5E96DE}"/>
+              </a:ext>
+            </a:extLst>
+          </p:cNvPr>
+          <p:cNvSpPr>
+            <a:spLocks noGrp="1"/>
+          </p:cNvSpPr>
+          <p:nvPr>
+            <p:ph idx="1"/>
+          </p:nvPr>
+        </p:nvSpPr>
+        <p:spPr>
+          <a:xfrm>
+            <a:off x="696913" y="650032"/>
+            <a:ext cx="10798173" cy="5290393"/>
+          </a:xfrm>
+        </p:spPr>
+        <p:txBody>
+          <a:bodyPr/>
+          <a:lstStyle/>
+          <a:p>
+            <a:r>
+              <a:rPr lang="en-GB" dirty="0"/>
+              <a:t>The function used is </a:t>
+            </a:r>
+            <a:r>
+              <a:rPr lang="en-GB" dirty="0" err="1"/>
+              <a:t>betareg</a:t>
+            </a:r>
+            <a:r>
+              <a:rPr lang="en-GB" dirty="0"/>
+              <a:t>()</a:t>
+            </a:r>
+          </a:p>
+          <a:p>
+            <a:r>
+              <a:rPr lang="en-GB" dirty="0"/>
+              <a:t>Similar to the </a:t>
+            </a:r>
+            <a:r>
+              <a:rPr lang="en-GB" dirty="0" err="1"/>
+              <a:t>glm</a:t>
+            </a:r>
+            <a:r>
+              <a:rPr lang="en-GB" dirty="0"/>
+              <a:t>() function.</a:t>
+            </a:r>
+          </a:p>
+          <a:p>
+            <a:pPr lvl="1"/>
+            <a:r>
+              <a:rPr lang="en-GB" dirty="0"/>
+              <a:t>A main difference is that two equations may be calculated (one for mean and  one for precision) </a:t>
+            </a:r>
+          </a:p>
+          <a:p>
+            <a:pPr marL="321945" lvl="1" indent="0" algn="ctr">
+              <a:buNone/>
+            </a:pPr>
+            <a:r>
+              <a:rPr lang="en-GB" dirty="0"/>
+              <a:t>formula = </a:t>
+            </a:r>
+            <a:r>
+              <a:rPr lang="pl-PL" dirty="0"/>
+              <a:t>y ~ x1 + x2 | z1 + z2 + z3</a:t>
+            </a:r>
+            <a:endParaRPr lang="en-GB" dirty="0"/>
+          </a:p>
+          <a:p>
+            <a:pPr marL="321945" lvl="1" indent="0" algn="ctr">
+              <a:buNone/>
+            </a:pPr>
+            <a:r>
+              <a:rPr lang="en-GB" dirty="0"/>
+              <a:t>In the above example the x</a:t>
+            </a:r>
+            <a:r>
+              <a:rPr lang="en-GB" baseline="-25000" dirty="0"/>
+              <a:t>1</a:t>
+            </a:r>
+            <a:r>
+              <a:rPr lang="en-GB" dirty="0"/>
+              <a:t> + x</a:t>
+            </a:r>
+            <a:r>
+              <a:rPr lang="en-GB" baseline="-25000" dirty="0"/>
+              <a:t>2</a:t>
+            </a:r>
+            <a:r>
+              <a:rPr lang="en-GB" dirty="0"/>
+              <a:t> are the regressors for mean  modelling </a:t>
+            </a:r>
+            <a:r>
+              <a:rPr lang="en-GB" dirty="0">
+                <a:hlinkClick r:id="rId3" action="ppaction://hlinksldjump"/>
+              </a:rPr>
+              <a:t>[eq.1]</a:t>
+            </a:r>
+            <a:endParaRPr lang="en-GB" dirty="0"/>
+          </a:p>
+          <a:p>
+            <a:pPr marL="321945" lvl="1" indent="0" algn="ctr">
+              <a:buNone/>
+            </a:pPr>
+            <a:r>
+              <a:rPr lang="en-GB" dirty="0"/>
+              <a:t>While the </a:t>
+            </a:r>
+            <a:r>
+              <a:rPr lang="pl-PL" dirty="0"/>
+              <a:t>z</a:t>
+            </a:r>
+            <a:r>
+              <a:rPr lang="pl-PL" baseline="-25000" dirty="0"/>
+              <a:t>1</a:t>
+            </a:r>
+            <a:r>
+              <a:rPr lang="pl-PL" dirty="0"/>
+              <a:t> + z</a:t>
+            </a:r>
+            <a:r>
+              <a:rPr lang="pl-PL" baseline="-25000" dirty="0"/>
+              <a:t>2</a:t>
+            </a:r>
+            <a:r>
+              <a:rPr lang="pl-PL" dirty="0"/>
+              <a:t> + z</a:t>
+            </a:r>
+            <a:r>
+              <a:rPr lang="pl-PL" baseline="-25000" dirty="0"/>
+              <a:t>3</a:t>
+            </a:r>
+            <a:r>
+              <a:rPr lang="en-GB" dirty="0"/>
+              <a:t> are the regressors for the precision equation </a:t>
+            </a:r>
+            <a:r>
+              <a:rPr lang="en-GB" dirty="0">
+                <a:hlinkClick r:id="rId3" action="ppaction://hlinksldjump"/>
+              </a:rPr>
+              <a:t>[eq.2]</a:t>
+            </a:r>
+            <a:endParaRPr lang="en-GB" dirty="0"/>
+          </a:p>
+          <a:p>
+            <a:pPr marL="321945" lvl="1" indent="0" algn="ctr">
+              <a:buNone/>
+            </a:pPr>
+            <a:endParaRPr lang="en-GB" baseline="-25000" dirty="0"/>
+          </a:p>
+          <a:p>
+            <a:pPr marL="321945" lvl="1" indent="0" algn="ctr">
+              <a:buNone/>
+            </a:pPr>
+            <a:r>
+              <a:rPr lang="en-GB" dirty="0"/>
+              <a:t>formula = </a:t>
+            </a:r>
+            <a:r>
+              <a:rPr lang="pl-PL" dirty="0"/>
+              <a:t>y ~ x1 + x2</a:t>
+            </a:r>
+            <a:endParaRPr lang="en-GB" dirty="0"/>
+          </a:p>
+          <a:p>
+            <a:pPr marL="321945" lvl="1" indent="0" algn="ctr">
+              <a:buNone/>
+            </a:pPr>
+            <a:endParaRPr lang="en-GB" dirty="0"/>
+          </a:p>
+        </p:txBody>
+      </p:sp>
+    </p:spTree>
+    <p:extLst>
+      <p:ext uri="{BB962C8B-B14F-4D97-AF65-F5344CB8AC3E}">
+        <p14:creationId xmlns:p14="http://schemas.microsoft.com/office/powerpoint/2010/main" val="2928120243"/>
+      </p:ext>
+    </p:extLst>
+  </p:cSld>
+  <p:clrMapOvr>
+    <a:masterClrMapping/>
+  </p:clrMapOvr>
+</p:sld>
+</file>
+
+<file path=ppt/slides/slide11.xml><?xml version="1.0" encoding="utf-8"?>
 <p:sld xmlns:a="http://schemas.openxmlformats.org/drawingml/2006/main" xmlns:r="http://schemas.openxmlformats.org/officeDocument/2006/relationships" xmlns:p="http://schemas.openxmlformats.org/presentationml/2006/main">
   <p:cSld>
     <p:spTree>
@@ -17336,7 +17888,7 @@
 </p:sld>
 </file>
 
-<file path=ppt/slides/slide11.xml><?xml version="1.0" encoding="utf-8"?>
+<file path=ppt/slides/slide12.xml><?xml version="1.0" encoding="utf-8"?>
 <p:sld xmlns:a="http://schemas.openxmlformats.org/drawingml/2006/main" xmlns:r="http://schemas.openxmlformats.org/officeDocument/2006/relationships" xmlns:p="http://schemas.openxmlformats.org/presentationml/2006/main">
   <p:cSld>
     <p:spTree>
@@ -17688,7 +18240,7 @@
 </p:sld>
 </file>
 
-<file path=ppt/slides/slide12.xml><?xml version="1.0" encoding="utf-8"?>
+<file path=ppt/slides/slide13.xml><?xml version="1.0" encoding="utf-8"?>
 <p:sld xmlns:a="http://schemas.openxmlformats.org/drawingml/2006/main" xmlns:r="http://schemas.openxmlformats.org/officeDocument/2006/relationships" xmlns:p="http://schemas.openxmlformats.org/presentationml/2006/main">
   <p:cSld>
     <p:spTree>
@@ -17972,7 +18524,7 @@
 </p:sld>
 </file>
 
-<file path=ppt/slides/slide13.xml><?xml version="1.0" encoding="utf-8"?>
+<file path=ppt/slides/slide14.xml><?xml version="1.0" encoding="utf-8"?>
 <p:sld xmlns:a="http://schemas.openxmlformats.org/drawingml/2006/main" xmlns:r="http://schemas.openxmlformats.org/officeDocument/2006/relationships" xmlns:p="http://schemas.openxmlformats.org/presentationml/2006/main">
   <p:cSld>
     <p:spTree>
@@ -18065,7 +18617,7 @@
 </p:sld>
 </file>
 
-<file path=ppt/slides/slide14.xml><?xml version="1.0" encoding="utf-8"?>
+<file path=ppt/slides/slide15.xml><?xml version="1.0" encoding="utf-8"?>
 <p:sld xmlns:a="http://schemas.openxmlformats.org/drawingml/2006/main" xmlns:r="http://schemas.openxmlformats.org/officeDocument/2006/relationships" xmlns:p="http://schemas.openxmlformats.org/presentationml/2006/main">
   <p:cSld>
     <p:spTree>
@@ -18221,7 +18773,7 @@
 </p:sld>
 </file>
 
-<file path=ppt/slides/slide15.xml><?xml version="1.0" encoding="utf-8"?>
+<file path=ppt/slides/slide16.xml><?xml version="1.0" encoding="utf-8"?>
 <p:sld xmlns:a="http://schemas.openxmlformats.org/drawingml/2006/main" xmlns:r="http://schemas.openxmlformats.org/officeDocument/2006/relationships" xmlns:p="http://schemas.openxmlformats.org/presentationml/2006/main">
   <p:cSld>
     <p:spTree>
@@ -18308,7 +18860,7 @@
             </a:r>
             <a:r>
               <a:rPr lang="en-GB" dirty="0"/>
-              <a:t> a modified </a:t>
+              <a:t> function a modified </a:t>
             </a:r>
             <a:r>
               <a:rPr lang="en-GB" dirty="0" err="1"/>
@@ -18326,6 +18878,40 @@
               <a:rPr lang="en-GB" dirty="0"/>
               <a:t> package. </a:t>
             </a:r>
+            <a:r>
+              <a:rPr lang="en-GB" dirty="0">
+                <a:hlinkClick r:id="rId2" action="ppaction://hlinksldjump"/>
+              </a:rPr>
+              <a:t>Zeileis A, </a:t>
+            </a:r>
+            <a:r>
+              <a:rPr lang="en-GB" dirty="0" err="1">
+                <a:hlinkClick r:id="rId2" action="ppaction://hlinksldjump"/>
+              </a:rPr>
+              <a:t>Hothorn</a:t>
+            </a:r>
+            <a:r>
+              <a:rPr lang="en-GB" dirty="0">
+                <a:hlinkClick r:id="rId2" action="ppaction://hlinksldjump"/>
+              </a:rPr>
+              <a:t> T, </a:t>
+            </a:r>
+            <a:r>
+              <a:rPr lang="en-GB" dirty="0" err="1">
+                <a:hlinkClick r:id="rId2" action="ppaction://hlinksldjump"/>
+              </a:rPr>
+              <a:t>Hornik</a:t>
+            </a:r>
+            <a:r>
+              <a:rPr lang="en-GB" dirty="0">
+                <a:hlinkClick r:id="rId2" action="ppaction://hlinksldjump"/>
+              </a:rPr>
+              <a:t> K (2008)</a:t>
+            </a:r>
+            <a:endParaRPr lang="en-GB" dirty="0"/>
+          </a:p>
+          <a:p>
+            <a:endParaRPr lang="en-GB" dirty="0"/>
           </a:p>
           <a:p>
             <a:endParaRPr lang="en-GB" dirty="0"/>
@@ -18391,7 +18977,7 @@
 </p:sld>
 </file>
 
-<file path=ppt/slides/slide16.xml><?xml version="1.0" encoding="utf-8"?>
+<file path=ppt/slides/slide17.xml><?xml version="1.0" encoding="utf-8"?>
 <p:sld xmlns:a="http://schemas.openxmlformats.org/drawingml/2006/main" xmlns:r="http://schemas.openxmlformats.org/officeDocument/2006/relationships" xmlns:p="http://schemas.openxmlformats.org/presentationml/2006/main">
   <p:cSld>
     <p:spTree>
@@ -18457,16 +19043,15 @@
           </p:cNvPicPr>
           <p:nvPr/>
         </p:nvPicPr>
-        <p:blipFill>
+        <p:blipFill rotWithShape="1">
           <a:blip r:embed="rId2"/>
-          <a:stretch>
-            <a:fillRect/>
-          </a:stretch>
+          <a:srcRect t="8607" b="2898"/>
+          <a:stretch/>
         </p:blipFill>
         <p:spPr>
           <a:xfrm>
-            <a:off x="1218777" y="906561"/>
-            <a:ext cx="9754445" cy="5044877"/>
+            <a:off x="696913" y="1052736"/>
+            <a:ext cx="10855753" cy="4968552"/>
           </a:xfrm>
           <a:prstGeom prst="rect">
             <a:avLst/>
@@ -18486,7 +19071,7 @@
 </p:sld>
 </file>
 
-<file path=ppt/slides/slide17.xml><?xml version="1.0" encoding="utf-8"?>
+<file path=ppt/slides/slide18.xml><?xml version="1.0" encoding="utf-8"?>
 <p:sld xmlns:a="http://schemas.openxmlformats.org/drawingml/2006/main" xmlns:r="http://schemas.openxmlformats.org/officeDocument/2006/relationships" xmlns:p="http://schemas.openxmlformats.org/presentationml/2006/main">
   <p:cSld>
     <p:spTree>
@@ -18555,8 +19140,8 @@
         </p:nvSpPr>
         <p:spPr>
           <a:xfrm>
-            <a:off x="696913" y="980728"/>
-            <a:ext cx="10798175" cy="4959697"/>
+            <a:off x="696250" y="670914"/>
+            <a:ext cx="10798175" cy="813421"/>
           </a:xfrm>
         </p:spPr>
         <p:txBody>
@@ -18565,16 +19150,47 @@
           <a:p>
             <a:r>
               <a:rPr lang="en-GB" dirty="0"/>
-              <a:t>If we didn’t know dyslexia and we were suspecting underlying latent classes</a:t>
-            </a:r>
-            <a:r>
-              <a:rPr lang="el-GR" dirty="0"/>
-              <a:t> </a:t>
-            </a:r>
-            <a:endParaRPr lang="en-GB" dirty="0"/>
+              <a:t>No dyslexia information available. </a:t>
+            </a:r>
+            <a:endParaRPr lang="el-GR" dirty="0"/>
+          </a:p>
+          <a:p>
+            <a:r>
+              <a:rPr lang="en-GB" dirty="0"/>
+              <a:t>Look for k = 3 clusters  with at least a component for ideal score of 0.99</a:t>
+            </a:r>
           </a:p>
         </p:txBody>
       </p:sp>
+      <p:pic>
+        <p:nvPicPr>
+          <p:cNvPr id="5" name="Picture 4">
+            <a:extLst>
+              <a:ext uri="{FF2B5EF4-FFF2-40B4-BE49-F238E27FC236}">
+                <a16:creationId xmlns:a16="http://schemas.microsoft.com/office/drawing/2014/main" id="{9ECE46B5-F5C1-4CDB-89F4-B0B3E7CCBCA3}"/>
+              </a:ext>
+            </a:extLst>
+          </p:cNvPr>
+          <p:cNvPicPr>
+            <a:picLocks noChangeAspect="1"/>
+          </p:cNvPicPr>
+          <p:nvPr/>
+        </p:nvPicPr>
+        <p:blipFill rotWithShape="1">
+          <a:blip r:embed="rId2"/>
+          <a:srcRect l="7" t="5176" r="2010" b="3382"/>
+          <a:stretch/>
+        </p:blipFill>
+        <p:spPr>
+          <a:xfrm>
+            <a:off x="696250" y="1505218"/>
+            <a:ext cx="11036455" cy="4724202"/>
+          </a:xfrm>
+          <a:prstGeom prst="rect">
+            <a:avLst/>
+          </a:prstGeom>
+        </p:spPr>
+      </p:pic>
     </p:spTree>
     <p:extLst>
       <p:ext uri="{BB962C8B-B14F-4D97-AF65-F5344CB8AC3E}">
@@ -18588,7 +19204,7 @@
 </p:sld>
 </file>
 
-<file path=ppt/slides/slide18.xml><?xml version="1.0" encoding="utf-8"?>
+<file path=ppt/slides/slide19.xml><?xml version="1.0" encoding="utf-8"?>
 <p:sld xmlns:a="http://schemas.openxmlformats.org/drawingml/2006/main" xmlns:r="http://schemas.openxmlformats.org/officeDocument/2006/relationships" xmlns:p="http://schemas.openxmlformats.org/presentationml/2006/main">
   <p:cSld>
     <p:spTree>
@@ -18610,7 +19226,7 @@
           <p:cNvPr id="2" name="Title 1">
             <a:extLst>
               <a:ext uri="{FF2B5EF4-FFF2-40B4-BE49-F238E27FC236}">
-                <a16:creationId xmlns:a16="http://schemas.microsoft.com/office/drawing/2014/main" id="{526A43FC-FE6B-41A3-8859-FFACA03D8E58}"/>
+                <a16:creationId xmlns:a16="http://schemas.microsoft.com/office/drawing/2014/main" id="{1E84508E-AD1F-42AA-B26E-92531F103A7E}"/>
               </a:ext>
             </a:extLst>
           </p:cNvPr>
@@ -18634,98 +19250,270 @@
             <a:pPr algn="ctr"/>
             <a:r>
               <a:rPr lang="en-GB" dirty="0"/>
-              <a:t>References</a:t>
+              <a:t>Finally</a:t>
             </a:r>
           </a:p>
         </p:txBody>
       </p:sp>
-      <p:sp>
-        <p:nvSpPr>
-          <p:cNvPr id="3" name="Content Placeholder 2">
+      <mc:AlternateContent xmlns:mc="http://schemas.openxmlformats.org/markup-compatibility/2006">
+        <mc:Choice xmlns:a14="http://schemas.microsoft.com/office/drawing/2010/main" Requires="a14">
+          <p:sp>
+            <p:nvSpPr>
+              <p:cNvPr id="3" name="Content Placeholder 2">
+                <a:extLst>
+                  <a:ext uri="{FF2B5EF4-FFF2-40B4-BE49-F238E27FC236}">
+                    <a16:creationId xmlns:a16="http://schemas.microsoft.com/office/drawing/2014/main" id="{7699F71F-4628-4F88-867F-8B0DC45E1606}"/>
+                  </a:ext>
+                </a:extLst>
+              </p:cNvPr>
+              <p:cNvSpPr>
+                <a:spLocks noGrp="1"/>
+              </p:cNvSpPr>
+              <p:nvPr>
+                <p:ph idx="1"/>
+              </p:nvPr>
+            </p:nvSpPr>
+            <p:spPr>
+              <a:xfrm>
+                <a:off x="696913" y="836712"/>
+                <a:ext cx="5687119" cy="5103713"/>
+              </a:xfrm>
+            </p:spPr>
+            <p:txBody>
+              <a:bodyPr/>
+              <a:lstStyle/>
+              <a:p>
+                <a:r>
+                  <a:rPr lang="en-GB" dirty="0"/>
+                  <a:t>If Y is </a:t>
+                </a:r>
+                <a14:m>
+                  <m:oMath xmlns:m="http://schemas.openxmlformats.org/officeDocument/2006/math">
+                    <m:r>
+                      <a:rPr lang="en-GB" i="1">
+                        <a:latin typeface="Cambria Math" panose="02040503050406030204" pitchFamily="18" charset="0"/>
+                        <a:ea typeface="Cambria Math" panose="02040503050406030204" pitchFamily="18" charset="0"/>
+                      </a:rPr>
+                      <m:t>∈</m:t>
+                    </m:r>
+                    <m:r>
+                      <a:rPr lang="en-GB" b="0" i="1" smtClean="0">
+                        <a:latin typeface="Cambria Math" panose="02040503050406030204" pitchFamily="18" charset="0"/>
+                        <a:ea typeface="Cambria Math" panose="02040503050406030204" pitchFamily="18" charset="0"/>
+                      </a:rPr>
+                      <m:t> </m:t>
+                    </m:r>
+                  </m:oMath>
+                </a14:m>
+                <a:r>
+                  <a:rPr lang="el-GR" dirty="0"/>
+                  <a:t> </a:t>
+                </a:r>
+                <a:r>
+                  <a:rPr lang="en-GB" dirty="0"/>
+                  <a:t>[</a:t>
+                </a:r>
+                <a:r>
+                  <a:rPr lang="en-GB" dirty="0" err="1"/>
+                  <a:t>a,b</a:t>
+                </a:r>
+                <a:r>
+                  <a:rPr lang="en-GB" dirty="0"/>
+                  <a:t>] we can :</a:t>
+                </a:r>
+              </a:p>
+              <a:p>
+                <a:pPr lvl="1"/>
+                <a:r>
+                  <a:rPr lang="en-GB" dirty="0"/>
+                  <a:t>use either the arcsine transformation [0,1] -&gt; [0,</a:t>
+                </a:r>
+                <a:r>
+                  <a:rPr lang="el-GR" dirty="0"/>
+                  <a:t>π]</a:t>
+                </a:r>
+                <a:endParaRPr lang="en-GB" dirty="0"/>
+              </a:p>
+              <a:p>
+                <a:pPr lvl="1"/>
+                <a:r>
+                  <a:rPr lang="en-GB" dirty="0"/>
+                  <a:t>We can subtract to the ones and add to the zeros a random small number </a:t>
+                </a:r>
+              </a:p>
+              <a:p>
+                <a:pPr lvl="1"/>
+                <a:endParaRPr lang="en-GB" dirty="0"/>
+              </a:p>
+              <a:p>
+                <a:r>
+                  <a:rPr lang="en-GB" dirty="0"/>
+                  <a:t>Or we can use the </a:t>
+                </a:r>
+                <a:r>
+                  <a:rPr lang="en-GB" dirty="0" err="1"/>
+                  <a:t>zoib</a:t>
+                </a:r>
+                <a:r>
+                  <a:rPr lang="en-GB" dirty="0"/>
+                  <a:t> package</a:t>
+                </a:r>
+              </a:p>
+              <a:p>
+                <a:r>
+                  <a:rPr lang="en-GB" dirty="0"/>
+                  <a:t>The Y is assumed to follow a piecewise distribution</a:t>
+                </a:r>
+              </a:p>
+              <a:p>
+                <a:r>
+                  <a:rPr lang="en-GB"/>
+                  <a:t>Bayesian </a:t>
+                </a:r>
+                <a:r>
+                  <a:rPr lang="en-GB" dirty="0"/>
+                  <a:t>inference with possibilities for :</a:t>
+                </a:r>
+              </a:p>
+              <a:p>
+                <a:pPr marL="782320" lvl="1" indent="-457200">
+                  <a:buFont typeface="+mj-lt"/>
+                  <a:buAutoNum type="arabicPeriod"/>
+                </a:pPr>
+                <a:r>
+                  <a:rPr lang="en-GB" dirty="0"/>
+                  <a:t>Repeated measures </a:t>
+                </a:r>
+              </a:p>
+              <a:p>
+                <a:pPr marL="782320" lvl="1" indent="-457200">
+                  <a:buFont typeface="+mj-lt"/>
+                  <a:buAutoNum type="arabicPeriod"/>
+                </a:pPr>
+                <a:r>
+                  <a:rPr lang="en-GB" dirty="0"/>
+                  <a:t>Fixed and random effect beta regression </a:t>
+                </a:r>
+              </a:p>
+              <a:p>
+                <a:pPr marL="782320" lvl="1" indent="-457200">
+                  <a:buFont typeface="+mj-lt"/>
+                  <a:buAutoNum type="arabicPeriod"/>
+                </a:pPr>
+                <a:r>
+                  <a:rPr lang="en-GB" dirty="0"/>
+                  <a:t>Clustered zero-inflated beta regression</a:t>
+                </a:r>
+              </a:p>
+              <a:p>
+                <a:pPr marL="782320" lvl="1" indent="-457200">
+                  <a:buFont typeface="+mj-lt"/>
+                  <a:buAutoNum type="arabicPeriod"/>
+                </a:pPr>
+                <a:endParaRPr lang="en-GB" dirty="0"/>
+              </a:p>
+              <a:p>
+                <a:pPr marL="782320" lvl="1" indent="-457200">
+                  <a:buFont typeface="+mj-lt"/>
+                  <a:buAutoNum type="arabicPeriod"/>
+                </a:pPr>
+                <a:endParaRPr lang="en-GB" dirty="0"/>
+              </a:p>
+              <a:p>
+                <a:pPr marL="325120" lvl="1" indent="0">
+                  <a:buNone/>
+                </a:pPr>
+                <a:r>
+                  <a:rPr lang="en-GB" dirty="0"/>
+                  <a:t>Unfortunately it was still on the 36%</a:t>
+                </a:r>
+              </a:p>
+            </p:txBody>
+          </p:sp>
+        </mc:Choice>
+        <mc:Fallback>
+          <p:sp>
+            <p:nvSpPr>
+              <p:cNvPr id="3" name="Content Placeholder 2">
+                <a:extLst>
+                  <a:ext uri="{FF2B5EF4-FFF2-40B4-BE49-F238E27FC236}">
+                    <a16:creationId xmlns:a16="http://schemas.microsoft.com/office/drawing/2014/main" id="{7699F71F-4628-4F88-867F-8B0DC45E1606}"/>
+                  </a:ext>
+                </a:extLst>
+              </p:cNvPr>
+              <p:cNvSpPr>
+                <a:spLocks noGrp="1" noRot="1" noChangeAspect="1" noMove="1" noResize="1" noEditPoints="1" noAdjustHandles="1" noChangeArrowheads="1" noChangeShapeType="1" noTextEdit="1"/>
+              </p:cNvSpPr>
+              <p:nvPr>
+                <p:ph idx="1"/>
+              </p:nvPr>
+            </p:nvSpPr>
+            <p:spPr>
+              <a:xfrm>
+                <a:off x="696913" y="836712"/>
+                <a:ext cx="5687119" cy="5103713"/>
+              </a:xfrm>
+              <a:blipFill>
+                <a:blip r:embed="rId2"/>
+                <a:stretch>
+                  <a:fillRect l="-2572" t="-1553" r="-750"/>
+                </a:stretch>
+              </a:blipFill>
+            </p:spPr>
+            <p:txBody>
+              <a:bodyPr/>
+              <a:lstStyle/>
+              <a:p>
+                <a:r>
+                  <a:rPr lang="en-GB">
+                    <a:noFill/>
+                  </a:rPr>
+                  <a:t> </a:t>
+                </a:r>
+              </a:p>
+            </p:txBody>
+          </p:sp>
+        </mc:Fallback>
+      </mc:AlternateContent>
+      <p:pic>
+        <p:nvPicPr>
+          <p:cNvPr id="5" name="Picture 4">
             <a:extLst>
               <a:ext uri="{FF2B5EF4-FFF2-40B4-BE49-F238E27FC236}">
-                <a16:creationId xmlns:a16="http://schemas.microsoft.com/office/drawing/2014/main" id="{1179A3D9-8917-493A-BB4B-CE49EDE8D5C1}"/>
+                <a16:creationId xmlns:a16="http://schemas.microsoft.com/office/drawing/2014/main" id="{7A5476BF-80DA-40A6-AD01-E1A74B1631A1}"/>
               </a:ext>
             </a:extLst>
           </p:cNvPr>
-          <p:cNvSpPr>
-            <a:spLocks noGrp="1"/>
-          </p:cNvSpPr>
-          <p:nvPr>
-            <p:ph idx="1"/>
-          </p:nvPr>
-        </p:nvSpPr>
+          <p:cNvPicPr>
+            <a:picLocks noChangeAspect="1"/>
+          </p:cNvPicPr>
+          <p:nvPr/>
+        </p:nvPicPr>
+        <p:blipFill rotWithShape="1">
+          <a:blip r:embed="rId3">
+            <a:extLst>
+              <a:ext uri="{28A0092B-C50C-407E-A947-70E740481C1C}">
+                <a14:useLocalDpi xmlns:a14="http://schemas.microsoft.com/office/drawing/2010/main" val="0"/>
+              </a:ext>
+            </a:extLst>
+          </a:blip>
+          <a:srcRect r="15960" b="3904"/>
+          <a:stretch/>
+        </p:blipFill>
         <p:spPr>
           <a:xfrm>
-            <a:off x="722022" y="1052736"/>
-            <a:ext cx="10798175" cy="4887689"/>
+            <a:off x="6888088" y="2797967"/>
+            <a:ext cx="4916947" cy="1135089"/>
           </a:xfrm>
+          <a:prstGeom prst="rect">
+            <a:avLst/>
+          </a:prstGeom>
         </p:spPr>
-        <p:txBody>
-          <a:bodyPr/>
-          <a:lstStyle/>
-          <a:p>
-            <a:r>
-              <a:rPr lang="en-GB" dirty="0"/>
-              <a:t>[1] Silvia Ferrari &amp; Francisco </a:t>
-            </a:r>
-            <a:r>
-              <a:rPr lang="en-GB" dirty="0" err="1"/>
-              <a:t>Cribari-Neto</a:t>
-            </a:r>
-            <a:r>
-              <a:rPr lang="en-GB" dirty="0"/>
-              <a:t> (2010) Beta Regression for Modelling Rates and Proportions, Journal of Applied Statistics, 31:7, 799-815, DOI: </a:t>
-            </a:r>
-            <a:r>
-              <a:rPr lang="en-GB" u="sng" dirty="0">
-                <a:hlinkClick r:id="rId2"/>
-              </a:rPr>
-              <a:t>10.1080/0266476042000214501</a:t>
-            </a:r>
-            <a:endParaRPr lang="en-GB" u="sng" dirty="0"/>
-          </a:p>
-          <a:p>
-            <a:r>
-              <a:rPr lang="en-GB" u="sng" dirty="0">
-                <a:hlinkClick r:id="rId3" action="ppaction://hlinksldjump"/>
-              </a:rPr>
-              <a:t>[2]</a:t>
-            </a:r>
-            <a:r>
-              <a:rPr lang="en-GB" dirty="0"/>
-              <a:t> </a:t>
-            </a:r>
-            <a:r>
-              <a:rPr lang="en-GB" dirty="0" err="1"/>
-              <a:t>Simas</a:t>
-            </a:r>
-            <a:r>
-              <a:rPr lang="en-GB" dirty="0"/>
-              <a:t>, Alexandre &amp; Barreto-Souza, Wagner &amp; V. Rocha, Andréa. (2010). Improved estimators for a general class of beta regression models. Computational Statistics &amp; Data Analysis. 54. 348-366. 10.1016/j.csda.2009.08.017. </a:t>
-            </a:r>
-          </a:p>
-          <a:p>
-            <a:r>
-              <a:rPr lang="en-GB" dirty="0"/>
-              <a:t>[3] Kosmidis I, Firth D (2010). \A Generic Algorithm for Reducing Bias in Parametric Estimation."</a:t>
-            </a:r>
-          </a:p>
-          <a:p>
-            <a:r>
-              <a:rPr lang="en-GB" dirty="0"/>
-              <a:t>Electronic Journal of Statistics, 4, 1097{1112.</a:t>
-            </a:r>
-          </a:p>
-          <a:p>
-            <a:endParaRPr lang="en-GB" dirty="0"/>
-          </a:p>
-        </p:txBody>
-      </p:sp>
+      </p:pic>
     </p:spTree>
     <p:extLst>
       <p:ext uri="{BB962C8B-B14F-4D97-AF65-F5344CB8AC3E}">
-        <p14:creationId xmlns:p14="http://schemas.microsoft.com/office/powerpoint/2010/main" val="946694180"/>
+        <p14:creationId xmlns:p14="http://schemas.microsoft.com/office/powerpoint/2010/main" val="4113211514"/>
       </p:ext>
     </p:extLst>
   </p:cSld>
@@ -18881,8 +19669,8 @@
           </a:p>
         </p:txBody>
       </p:sp>
-      <mc:AlternateContent xmlns:mc="http://schemas.openxmlformats.org/markup-compatibility/2006" xmlns:a14="http://schemas.microsoft.com/office/drawing/2010/main">
-        <mc:Choice Requires="a14">
+      <mc:AlternateContent xmlns:mc="http://schemas.openxmlformats.org/markup-compatibility/2006">
+        <mc:Choice xmlns:a14="http://schemas.microsoft.com/office/drawing/2010/main" Requires="a14">
           <p:graphicFrame>
             <p:nvGraphicFramePr>
               <p:cNvPr id="16" name="Content Placeholder 2"/>
@@ -18893,7 +19681,7 @@
                 <p:ph idx="1"/>
                 <p:extLst>
                   <p:ext uri="{D42A27DB-BD31-4B8C-83A1-F6EECF244321}">
-                    <p14:modId xmlns:p14="http://schemas.microsoft.com/office/powerpoint/2010/main" val="3996741360"/>
+                    <p14:modId xmlns:p14="http://schemas.microsoft.com/office/powerpoint/2010/main" val="2831219140"/>
                   </p:ext>
                 </p:extLst>
               </p:nvPr>
@@ -18909,7 +19697,7 @@
             </a:graphic>
           </p:graphicFrame>
         </mc:Choice>
-        <mc:Fallback xmlns="">
+        <mc:Fallback>
           <p:graphicFrame>
             <p:nvGraphicFramePr>
               <p:cNvPr id="16" name="Content Placeholder 2"/>
@@ -18920,7 +19708,7 @@
                 <p:ph idx="1"/>
                 <p:extLst>
                   <p:ext uri="{D42A27DB-BD31-4B8C-83A1-F6EECF244321}">
-                    <p14:modId xmlns:p14="http://schemas.microsoft.com/office/powerpoint/2010/main" val="3996741360"/>
+                    <p14:modId xmlns:p14="http://schemas.microsoft.com/office/powerpoint/2010/main" val="2831219140"/>
                   </p:ext>
                 </p:extLst>
               </p:nvPr>
@@ -18931,13 +19719,241 @@
             </p:xfrm>
             <a:graphic>
               <a:graphicData uri="http://schemas.openxmlformats.org/drawingml/2006/diagram">
-                <dgm:relIds xmlns:dgm="http://schemas.openxmlformats.org/drawingml/2006/diagram" xmlns:r="http://schemas.openxmlformats.org/officeDocument/2006/relationships" r:dm="rId7" r:lo="rId8" r:qs="rId9" r:cs="rId10"/>
+                <dgm:relIds xmlns:dgm="http://schemas.openxmlformats.org/drawingml/2006/diagram" xmlns:r="http://schemas.openxmlformats.org/officeDocument/2006/relationships" r:dm="rId7" r:lo="rId3" r:qs="rId4" r:cs="rId5"/>
               </a:graphicData>
             </a:graphic>
           </p:graphicFrame>
         </mc:Fallback>
       </mc:AlternateContent>
     </p:spTree>
+  </p:cSld>
+  <p:clrMapOvr>
+    <a:masterClrMapping/>
+  </p:clrMapOvr>
+</p:sld>
+</file>
+
+<file path=ppt/slides/slide20.xml><?xml version="1.0" encoding="utf-8"?>
+<p:sld xmlns:a="http://schemas.openxmlformats.org/drawingml/2006/main" xmlns:r="http://schemas.openxmlformats.org/officeDocument/2006/relationships" xmlns:p="http://schemas.openxmlformats.org/presentationml/2006/main">
+  <p:cSld>
+    <p:spTree>
+      <p:nvGrpSpPr>
+        <p:cNvPr id="1" name=""/>
+        <p:cNvGrpSpPr/>
+        <p:nvPr/>
+      </p:nvGrpSpPr>
+      <p:grpSpPr>
+        <a:xfrm>
+          <a:off x="0" y="0"/>
+          <a:ext cx="0" cy="0"/>
+          <a:chOff x="0" y="0"/>
+          <a:chExt cx="0" cy="0"/>
+        </a:xfrm>
+      </p:grpSpPr>
+      <p:sp>
+        <p:nvSpPr>
+          <p:cNvPr id="2" name="Title 1">
+            <a:extLst>
+              <a:ext uri="{FF2B5EF4-FFF2-40B4-BE49-F238E27FC236}">
+                <a16:creationId xmlns:a16="http://schemas.microsoft.com/office/drawing/2014/main" id="{526A43FC-FE6B-41A3-8859-FFACA03D8E58}"/>
+              </a:ext>
+            </a:extLst>
+          </p:cNvPr>
+          <p:cNvSpPr>
+            <a:spLocks noGrp="1"/>
+          </p:cNvSpPr>
+          <p:nvPr>
+            <p:ph type="title"/>
+          </p:nvPr>
+        </p:nvSpPr>
+        <p:spPr>
+          <a:xfrm>
+            <a:off x="696913" y="116632"/>
+            <a:ext cx="10798175" cy="533400"/>
+          </a:xfrm>
+        </p:spPr>
+        <p:txBody>
+          <a:bodyPr/>
+          <a:lstStyle/>
+          <a:p>
+            <a:pPr algn="ctr"/>
+            <a:r>
+              <a:rPr lang="en-GB" dirty="0"/>
+              <a:t>References</a:t>
+            </a:r>
+          </a:p>
+        </p:txBody>
+      </p:sp>
+      <p:sp>
+        <p:nvSpPr>
+          <p:cNvPr id="3" name="Content Placeholder 2">
+            <a:extLst>
+              <a:ext uri="{FF2B5EF4-FFF2-40B4-BE49-F238E27FC236}">
+                <a16:creationId xmlns:a16="http://schemas.microsoft.com/office/drawing/2014/main" id="{1179A3D9-8917-493A-BB4B-CE49EDE8D5C1}"/>
+              </a:ext>
+            </a:extLst>
+          </p:cNvPr>
+          <p:cNvSpPr>
+            <a:spLocks noGrp="1"/>
+          </p:cNvSpPr>
+          <p:nvPr>
+            <p:ph idx="1"/>
+          </p:nvPr>
+        </p:nvSpPr>
+        <p:spPr>
+          <a:xfrm>
+            <a:off x="722022" y="1052736"/>
+            <a:ext cx="10798175" cy="4887689"/>
+          </a:xfrm>
+        </p:spPr>
+        <p:txBody>
+          <a:bodyPr/>
+          <a:lstStyle/>
+          <a:p>
+            <a:r>
+              <a:rPr lang="en-GB" dirty="0">
+                <a:hlinkClick r:id="rId2" action="ppaction://hlinksldjump"/>
+              </a:rPr>
+              <a:t>[1]</a:t>
+            </a:r>
+            <a:r>
+              <a:rPr lang="en-GB" dirty="0"/>
+              <a:t> Warton, D.I., and F.K.C. Hui. 2011. The arcsine is asinine: the analysis of proportions in ecology. Ecology 92:3–10.</a:t>
+            </a:r>
+          </a:p>
+          <a:p>
+            <a:r>
+              <a:rPr lang="en-GB" dirty="0">
+                <a:hlinkClick r:id="rId2" action="ppaction://hlinksldjump"/>
+              </a:rPr>
+              <a:t>[2]</a:t>
+            </a:r>
+            <a:r>
+              <a:rPr lang="en-GB" dirty="0"/>
+              <a:t> Wilson, E., Underwood, M., </a:t>
+            </a:r>
+            <a:r>
+              <a:rPr lang="en-GB" dirty="0" err="1"/>
+              <a:t>Puckrin</a:t>
+            </a:r>
+            <a:r>
+              <a:rPr lang="en-GB" dirty="0"/>
+              <a:t>, O., </a:t>
+            </a:r>
+            <a:r>
+              <a:rPr lang="en-GB" dirty="0" err="1"/>
+              <a:t>Letto</a:t>
+            </a:r>
+            <a:r>
+              <a:rPr lang="en-GB" dirty="0"/>
+              <a:t>, K., Doyle, R., Caravan, H., Camus, S., &amp; Bassett, K. (2010). The Arcsine Transformation: Has the time come for retirement? </a:t>
+            </a:r>
+            <a:r>
+              <a:rPr lang="en-GB" dirty="0">
+                <a:hlinkClick r:id="rId3"/>
+              </a:rPr>
+              <a:t>http://www.mun.ca/biology/dschneider/b7932/B7932Final10Dec2010.pdf</a:t>
+            </a:r>
+            <a:endParaRPr lang="en-GB" dirty="0"/>
+          </a:p>
+          <a:p>
+            <a:r>
+              <a:rPr lang="en-GB" dirty="0">
+                <a:hlinkClick r:id="rId4" action="ppaction://hlinksldjump"/>
+              </a:rPr>
+              <a:t>[3]</a:t>
+            </a:r>
+            <a:r>
+              <a:rPr lang="en-GB" dirty="0"/>
+              <a:t> Silvia Ferrari &amp; Francisco </a:t>
+            </a:r>
+            <a:r>
+              <a:rPr lang="en-GB" dirty="0" err="1"/>
+              <a:t>Cribari-Neto</a:t>
+            </a:r>
+            <a:r>
+              <a:rPr lang="en-GB" dirty="0"/>
+              <a:t> (2010) Beta Regression for Modelling Rates and Proportions, Journal of Applied Statistics, 31:7, 799-815, DOI: </a:t>
+            </a:r>
+            <a:r>
+              <a:rPr lang="en-GB" u="sng" dirty="0">
+                <a:hlinkClick r:id="rId5"/>
+              </a:rPr>
+              <a:t>10.1080/0266476042000214501</a:t>
+            </a:r>
+            <a:endParaRPr lang="en-GB" u="sng" dirty="0"/>
+          </a:p>
+          <a:p>
+            <a:r>
+              <a:rPr lang="en-GB" u="sng" dirty="0">
+                <a:hlinkClick r:id="rId4" action="ppaction://hlinksldjump"/>
+              </a:rPr>
+              <a:t>[4]</a:t>
+            </a:r>
+            <a:r>
+              <a:rPr lang="en-GB" dirty="0"/>
+              <a:t> </a:t>
+            </a:r>
+            <a:r>
+              <a:rPr lang="en-GB" dirty="0" err="1"/>
+              <a:t>Simas</a:t>
+            </a:r>
+            <a:r>
+              <a:rPr lang="en-GB" dirty="0"/>
+              <a:t>, Alexandre &amp; Barreto-Souza, Wagner &amp; V. Rocha, Andréa. (2010). Improved estimators for a general class of beta regression models. Computational Statistics &amp; Data Analysis. 54. 348-366. 10.1016/j.csda.2009.08.017. </a:t>
+            </a:r>
+          </a:p>
+          <a:p>
+            <a:r>
+              <a:rPr lang="en-GB" dirty="0">
+                <a:hlinkClick r:id="rId6" action="ppaction://hlinksldjump"/>
+              </a:rPr>
+              <a:t>[5]</a:t>
+            </a:r>
+            <a:r>
+              <a:rPr lang="en-GB" dirty="0"/>
+              <a:t> Kosmidis I, Firth D (2010). \A Generic Algorithm for Reducing Bias in Parametric Estimation.“ Electronic Journal of Statistics, 4, 1097{1112.</a:t>
+            </a:r>
+          </a:p>
+          <a:p>
+            <a:r>
+              <a:rPr lang="en-GB" dirty="0">
+                <a:hlinkClick r:id="rId7" action="ppaction://hlinksldjump"/>
+              </a:rPr>
+              <a:t>[6]</a:t>
+            </a:r>
+            <a:r>
+              <a:rPr lang="en-GB" dirty="0"/>
+              <a:t> Zeileis A, </a:t>
+            </a:r>
+            <a:r>
+              <a:rPr lang="en-GB" dirty="0" err="1"/>
+              <a:t>Hothorn</a:t>
+            </a:r>
+            <a:r>
+              <a:rPr lang="en-GB" dirty="0"/>
+              <a:t> T, </a:t>
+            </a:r>
+            <a:r>
+              <a:rPr lang="en-GB" dirty="0" err="1"/>
+              <a:t>Hornik</a:t>
+            </a:r>
+            <a:r>
+              <a:rPr lang="en-GB" dirty="0"/>
+              <a:t> K (2008). “Model-Based Recursive Partitioning.” Journal of Computational and Graphical Statistics, 17(2), 492–514. doi:10.1198/106186008X319331</a:t>
+            </a:r>
+          </a:p>
+          <a:p>
+            <a:endParaRPr lang="en-GB" dirty="0"/>
+          </a:p>
+        </p:txBody>
+      </p:sp>
+    </p:spTree>
+    <p:extLst>
+      <p:ext uri="{BB962C8B-B14F-4D97-AF65-F5344CB8AC3E}">
+        <p14:creationId xmlns:p14="http://schemas.microsoft.com/office/powerpoint/2010/main" val="946694180"/>
+      </p:ext>
+    </p:extLst>
   </p:cSld>
   <p:clrMapOvr>
     <a:masterClrMapping/>
@@ -18996,8 +20012,8 @@
           </a:p>
         </p:txBody>
       </p:sp>
-      <mc:AlternateContent xmlns:mc="http://schemas.openxmlformats.org/markup-compatibility/2006" xmlns:a14="http://schemas.microsoft.com/office/drawing/2010/main">
-        <mc:Choice Requires="a14">
+      <mc:AlternateContent xmlns:mc="http://schemas.openxmlformats.org/markup-compatibility/2006">
+        <mc:Choice xmlns:a14="http://schemas.microsoft.com/office/drawing/2010/main" Requires="a14">
           <p:sp>
             <p:nvSpPr>
               <p:cNvPr id="3" name="Content Placeholder 2">
@@ -19031,6 +20047,10 @@
               </a:p>
               <a:p>
                 <a:pPr algn="ctr"/>
+                <a:r>
+                  <a:rPr lang="en-GB" dirty="0"/>
+                  <a:t>(2)*</a:t>
+                </a:r>
                 <a14:m>
                   <m:oMath xmlns:m="http://schemas.openxmlformats.org/officeDocument/2006/math">
                     <m:func>
@@ -19106,7 +20126,7 @@
             </p:txBody>
           </p:sp>
         </mc:Choice>
-        <mc:Fallback xmlns="">
+        <mc:Fallback>
           <p:sp>
             <p:nvSpPr>
               <p:cNvPr id="3" name="Content Placeholder 2">
@@ -19276,905 +20296,12 @@
           </a:prstGeom>
         </p:spPr>
       </p:pic>
-      <mc:AlternateContent xmlns:mc="http://schemas.openxmlformats.org/markup-compatibility/2006" xmlns:a14="http://schemas.microsoft.com/office/drawing/2010/main">
-        <mc:Choice Requires="a14">
-          <p:sp>
-            <p:nvSpPr>
-              <p:cNvPr id="5" name="Content Placeholder 2">
-                <a:extLst>
-                  <a:ext uri="{FF2B5EF4-FFF2-40B4-BE49-F238E27FC236}">
-                    <a16:creationId xmlns:a16="http://schemas.microsoft.com/office/drawing/2014/main" id="{64F90E9F-3916-4D26-A806-F073A689C3FE}"/>
-                  </a:ext>
-                </a:extLst>
-              </p:cNvPr>
-              <p:cNvSpPr txBox="1">
-                <a:spLocks/>
-              </p:cNvSpPr>
-              <p:nvPr/>
-            </p:nvSpPr>
-            <p:spPr bwMode="auto">
-              <a:xfrm>
-                <a:off x="551384" y="908720"/>
-                <a:ext cx="10943703" cy="1152128"/>
-              </a:xfrm>
-              <a:prstGeom prst="rect">
-                <a:avLst/>
-              </a:prstGeom>
-              <a:noFill/>
-              <a:ln>
-                <a:noFill/>
-              </a:ln>
-              <a:extLst>
-                <a:ext uri="{909E8E84-426E-40DD-AFC4-6F175D3DCCD1}">
-                  <a14:hiddenFill>
-                    <a:solidFill>
-                      <a:srgbClr val="FFFFFF"/>
-                    </a:solidFill>
-                  </a14:hiddenFill>
-                </a:ext>
-                <a:ext uri="{91240B29-F687-4F45-9708-019B960494DF}">
-                  <a14:hiddenLine w="9525">
-                    <a:solidFill>
-                      <a:srgbClr val="000000"/>
-                    </a:solidFill>
-                    <a:miter lim="800000"/>
-                    <a:headEnd/>
-                    <a:tailEnd/>
-                  </a14:hiddenLine>
-                </a:ext>
-              </a:extLst>
-            </p:spPr>
-            <p:txBody>
-              <a:bodyPr vert="horz" wrap="square" lIns="0" tIns="0" rIns="0" bIns="0" numCol="1" anchor="t" anchorCtr="0" compatLnSpc="1"/>
-              <a:lstStyle>
-                <a:lvl1pPr marL="322580" indent="-322580" algn="l" rtl="0" eaLnBrk="0" fontAlgn="base" hangingPunct="0">
-                  <a:lnSpc>
-                    <a:spcPts val="2500"/>
-                  </a:lnSpc>
-                  <a:spcBef>
-                    <a:spcPct val="0"/>
-                  </a:spcBef>
-                  <a:spcAft>
-                    <a:spcPct val="0"/>
-                  </a:spcAft>
-                  <a:buClr>
-                    <a:schemeClr val="tx2"/>
-                  </a:buClr>
-                  <a:buFont typeface="Arial" charset="0"/>
-                  <a:buChar char="•"/>
-                  <a:defRPr sz="2000" kern="1200">
-                    <a:solidFill>
-                      <a:schemeClr val="tx1"/>
-                    </a:solidFill>
-                    <a:latin typeface="+mn-lt"/>
-                    <a:ea typeface="+mn-ea"/>
-                    <a:cs typeface="+mn-cs"/>
-                  </a:defRPr>
-                </a:lvl1pPr>
-                <a:lvl2pPr marL="647700" indent="-325755" algn="l" rtl="0" eaLnBrk="0" fontAlgn="base" hangingPunct="0">
-                  <a:lnSpc>
-                    <a:spcPts val="2500"/>
-                  </a:lnSpc>
-                  <a:spcBef>
-                    <a:spcPct val="0"/>
-                  </a:spcBef>
-                  <a:spcAft>
-                    <a:spcPct val="0"/>
-                  </a:spcAft>
-                  <a:buFont typeface="Arial" charset="0"/>
-                  <a:buChar char="•"/>
-                  <a:defRPr sz="2000" kern="1200">
-                    <a:solidFill>
-                      <a:schemeClr val="tx1"/>
-                    </a:solidFill>
-                    <a:latin typeface="+mn-lt"/>
-                    <a:ea typeface="+mn-ea"/>
-                    <a:cs typeface="+mn-cs"/>
-                  </a:defRPr>
-                </a:lvl2pPr>
-                <a:lvl3pPr marL="970280" indent="-323850" algn="l" rtl="0" eaLnBrk="0" fontAlgn="base" hangingPunct="0">
-                  <a:lnSpc>
-                    <a:spcPts val="2500"/>
-                  </a:lnSpc>
-                  <a:spcBef>
-                    <a:spcPct val="0"/>
-                  </a:spcBef>
-                  <a:spcAft>
-                    <a:spcPct val="0"/>
-                  </a:spcAft>
-                  <a:buClr>
-                    <a:schemeClr val="tx2"/>
-                  </a:buClr>
-                  <a:buFont typeface="Arial" charset="0"/>
-                  <a:buChar char="•"/>
-                  <a:defRPr sz="2000" kern="1200">
-                    <a:solidFill>
-                      <a:schemeClr val="tx1"/>
-                    </a:solidFill>
-                    <a:latin typeface="+mn-lt"/>
-                    <a:ea typeface="+mn-ea"/>
-                    <a:cs typeface="+mn-cs"/>
-                  </a:defRPr>
-                </a:lvl3pPr>
-                <a:lvl4pPr marL="1294130" indent="-322580" algn="l" rtl="0" eaLnBrk="0" fontAlgn="base" hangingPunct="0">
-                  <a:lnSpc>
-                    <a:spcPts val="2500"/>
-                  </a:lnSpc>
-                  <a:spcBef>
-                    <a:spcPct val="0"/>
-                  </a:spcBef>
-                  <a:spcAft>
-                    <a:spcPct val="0"/>
-                  </a:spcAft>
-                  <a:buFont typeface="Arial" charset="0"/>
-                  <a:buChar char="•"/>
-                  <a:defRPr sz="2000" kern="1200">
-                    <a:solidFill>
-                      <a:schemeClr val="tx1"/>
-                    </a:solidFill>
-                    <a:latin typeface="+mn-lt"/>
-                    <a:ea typeface="+mn-ea"/>
-                    <a:cs typeface="+mn-cs"/>
-                  </a:defRPr>
-                </a:lvl4pPr>
-                <a:lvl5pPr marL="1619250" indent="-323850" algn="l" rtl="0" eaLnBrk="0" fontAlgn="base" hangingPunct="0">
-                  <a:lnSpc>
-                    <a:spcPts val="2500"/>
-                  </a:lnSpc>
-                  <a:spcBef>
-                    <a:spcPct val="0"/>
-                  </a:spcBef>
-                  <a:spcAft>
-                    <a:spcPct val="0"/>
-                  </a:spcAft>
-                  <a:buClr>
-                    <a:schemeClr val="tx2"/>
-                  </a:buClr>
-                  <a:buFont typeface="Arial" charset="0"/>
-                  <a:buChar char="•"/>
-                  <a:defRPr sz="2000" kern="1200">
-                    <a:solidFill>
-                      <a:schemeClr val="tx1"/>
-                    </a:solidFill>
-                    <a:latin typeface="+mn-lt"/>
-                    <a:ea typeface="+mn-ea"/>
-                    <a:cs typeface="+mn-cs"/>
-                  </a:defRPr>
-                </a:lvl5pPr>
-                <a:lvl6pPr marL="2514600" indent="-228600" algn="l" defTabSz="914400" rtl="0" eaLnBrk="1" latinLnBrk="0" hangingPunct="1">
-                  <a:spcBef>
-                    <a:spcPct val="20000"/>
-                  </a:spcBef>
-                  <a:buFont typeface="Arial" charset="0"/>
-                  <a:buChar char="•"/>
-                  <a:defRPr sz="2000" kern="1200">
-                    <a:solidFill>
-                      <a:schemeClr val="tx1"/>
-                    </a:solidFill>
-                    <a:latin typeface="+mn-lt"/>
-                    <a:ea typeface="+mn-ea"/>
-                    <a:cs typeface="+mn-cs"/>
-                  </a:defRPr>
-                </a:lvl6pPr>
-                <a:lvl7pPr marL="2971800" indent="-228600" algn="l" defTabSz="914400" rtl="0" eaLnBrk="1" latinLnBrk="0" hangingPunct="1">
-                  <a:spcBef>
-                    <a:spcPct val="20000"/>
-                  </a:spcBef>
-                  <a:buFont typeface="Arial" charset="0"/>
-                  <a:buChar char="•"/>
-                  <a:defRPr sz="2000" kern="1200">
-                    <a:solidFill>
-                      <a:schemeClr val="tx1"/>
-                    </a:solidFill>
-                    <a:latin typeface="+mn-lt"/>
-                    <a:ea typeface="+mn-ea"/>
-                    <a:cs typeface="+mn-cs"/>
-                  </a:defRPr>
-                </a:lvl7pPr>
-                <a:lvl8pPr marL="3429000" indent="-228600" algn="l" defTabSz="914400" rtl="0" eaLnBrk="1" latinLnBrk="0" hangingPunct="1">
-                  <a:spcBef>
-                    <a:spcPct val="20000"/>
-                  </a:spcBef>
-                  <a:buFont typeface="Arial" charset="0"/>
-                  <a:buChar char="•"/>
-                  <a:defRPr sz="2000" kern="1200">
-                    <a:solidFill>
-                      <a:schemeClr val="tx1"/>
-                    </a:solidFill>
-                    <a:latin typeface="+mn-lt"/>
-                    <a:ea typeface="+mn-ea"/>
-                    <a:cs typeface="+mn-cs"/>
-                  </a:defRPr>
-                </a:lvl8pPr>
-                <a:lvl9pPr marL="3886200" indent="-228600" algn="l" defTabSz="914400" rtl="0" eaLnBrk="1" latinLnBrk="0" hangingPunct="1">
-                  <a:spcBef>
-                    <a:spcPct val="20000"/>
-                  </a:spcBef>
-                  <a:buFont typeface="Arial" charset="0"/>
-                  <a:buChar char="•"/>
-                  <a:defRPr sz="2000" kern="1200">
-                    <a:solidFill>
-                      <a:schemeClr val="tx1"/>
-                    </a:solidFill>
-                    <a:latin typeface="+mn-lt"/>
-                    <a:ea typeface="+mn-ea"/>
-                    <a:cs typeface="+mn-cs"/>
-                  </a:defRPr>
-                </a:lvl9pPr>
-              </a:lstStyle>
-              <a:p>
-                <a:r>
-                  <a:rPr lang="en-GB" dirty="0"/>
-                  <a:t>Arcsine or arcsine-square root or angular transformation or  two times arcsine - square root </a:t>
-                </a:r>
-              </a:p>
-              <a:p>
-                <a:pPr algn="ctr"/>
-                <a14:m>
-                  <m:oMath xmlns:m="http://schemas.openxmlformats.org/officeDocument/2006/math">
-                    <m:func>
-                      <m:funcPr>
-                        <m:ctrlPr>
-                          <a:rPr lang="en-GB" i="1" smtClean="0">
-                            <a:latin typeface="Cambria Math" panose="02040503050406030204" pitchFamily="18" charset="0"/>
-                          </a:rPr>
-                        </m:ctrlPr>
-                      </m:funcPr>
-                      <m:fName>
-                        <m:sSup>
-                          <m:sSupPr>
-                            <m:ctrlPr>
-                              <a:rPr lang="en-GB" i="1" smtClean="0">
-                                <a:latin typeface="Cambria Math" panose="02040503050406030204" pitchFamily="18" charset="0"/>
-                              </a:rPr>
-                            </m:ctrlPr>
-                          </m:sSupPr>
-                          <m:e>
-                            <m:r>
-                              <m:rPr>
-                                <m:sty m:val="p"/>
-                              </m:rPr>
-                              <a:rPr lang="en-GB" smtClean="0">
-                                <a:latin typeface="Cambria Math" panose="02040503050406030204" pitchFamily="18" charset="0"/>
-                              </a:rPr>
-                              <m:t>sin</m:t>
-                            </m:r>
-                          </m:e>
-                          <m:sup>
-                            <m:r>
-                              <a:rPr lang="en-GB" i="1" smtClean="0">
-                                <a:latin typeface="Cambria Math" panose="02040503050406030204" pitchFamily="18" charset="0"/>
-                              </a:rPr>
-                              <m:t>−1</m:t>
-                            </m:r>
-                          </m:sup>
-                        </m:sSup>
-                      </m:fName>
-                      <m:e>
-                        <m:rad>
-                          <m:radPr>
-                            <m:degHide m:val="on"/>
-                            <m:ctrlPr>
-                              <a:rPr lang="en-GB" i="1" smtClean="0">
-                                <a:latin typeface="Cambria Math" panose="02040503050406030204" pitchFamily="18" charset="0"/>
-                              </a:rPr>
-                            </m:ctrlPr>
-                          </m:radPr>
-                          <m:deg/>
-                          <m:e>
-                            <m:r>
-                              <a:rPr lang="en-GB" i="1" smtClean="0">
-                                <a:latin typeface="Cambria Math" panose="02040503050406030204" pitchFamily="18" charset="0"/>
-                              </a:rPr>
-                              <m:t>𝑝</m:t>
-                            </m:r>
-                          </m:e>
-                        </m:rad>
-                      </m:e>
-                    </m:func>
-                  </m:oMath>
-                </a14:m>
-                <a:endParaRPr lang="en-GB" dirty="0"/>
-              </a:p>
-              <a:p>
-                <a:r>
-                  <a:rPr lang="en-GB" dirty="0"/>
-                  <a:t>The transformation pulls out the ends of the distribution more than the arcsine transformation</a:t>
-                </a:r>
-              </a:p>
-            </p:txBody>
-          </p:sp>
-        </mc:Choice>
-        <mc:Fallback xmlns="">
-          <p:sp>
-            <p:nvSpPr>
-              <p:cNvPr id="5" name="Content Placeholder 2">
-                <a:extLst>
-                  <a:ext uri="{FF2B5EF4-FFF2-40B4-BE49-F238E27FC236}">
-                    <a16:creationId xmlns:a16="http://schemas.microsoft.com/office/drawing/2014/main" id="{64F90E9F-3916-4D26-A806-F073A689C3FE}"/>
-                  </a:ext>
-                </a:extLst>
-              </p:cNvPr>
-              <p:cNvSpPr txBox="1">
-                <a:spLocks noRot="1" noChangeAspect="1" noMove="1" noResize="1" noEditPoints="1" noAdjustHandles="1" noChangeArrowheads="1" noChangeShapeType="1" noTextEdit="1"/>
-              </p:cNvSpPr>
-              <p:nvPr/>
-            </p:nvSpPr>
-            <p:spPr bwMode="auto">
-              <a:xfrm>
-                <a:off x="551384" y="908720"/>
-                <a:ext cx="10943703" cy="1152128"/>
-              </a:xfrm>
-              <a:prstGeom prst="rect">
-                <a:avLst/>
-              </a:prstGeom>
-              <a:blipFill>
-                <a:blip r:embed="rId3"/>
-                <a:stretch>
-                  <a:fillRect l="-1336" t="-6878"/>
-                </a:stretch>
-              </a:blipFill>
-              <a:ln>
-                <a:noFill/>
-              </a:ln>
-              <a:extLst>
-                <a:ext uri="{909E8E84-426E-40DD-AFC4-6F175D3DCCD1}">
-                  <a14:hiddenFill xmlns:a14="http://schemas.microsoft.com/office/drawing/2010/main">
-                    <a:solidFill>
-                      <a:srgbClr val="FFFFFF"/>
-                    </a:solidFill>
-                  </a14:hiddenFill>
-                </a:ext>
-                <a:ext uri="{91240B29-F687-4F45-9708-019B960494DF}">
-                  <a14:hiddenLine xmlns:a14="http://schemas.microsoft.com/office/drawing/2010/main" w="9525">
-                    <a:solidFill>
-                      <a:srgbClr val="000000"/>
-                    </a:solidFill>
-                    <a:miter lim="800000"/>
-                    <a:headEnd/>
-                    <a:tailEnd/>
-                  </a14:hiddenLine>
-                </a:ext>
-              </a:extLst>
-            </p:spPr>
-            <p:txBody>
-              <a:bodyPr/>
-              <a:lstStyle/>
-              <a:p>
-                <a:r>
-                  <a:rPr lang="en-GB">
-                    <a:noFill/>
-                  </a:rPr>
-                  <a:t> </a:t>
-                </a:r>
-              </a:p>
-            </p:txBody>
-          </p:sp>
-        </mc:Fallback>
-      </mc:AlternateContent>
-    </p:spTree>
-    <p:extLst>
-      <p:ext uri="{BB962C8B-B14F-4D97-AF65-F5344CB8AC3E}">
-        <p14:creationId xmlns:p14="http://schemas.microsoft.com/office/powerpoint/2010/main" val="3854208231"/>
-      </p:ext>
-    </p:extLst>
-  </p:cSld>
-  <p:clrMapOvr>
-    <a:masterClrMapping/>
-  </p:clrMapOvr>
-</p:sld>
-</file>
-
-<file path=ppt/slides/slide5.xml><?xml version="1.0" encoding="utf-8"?>
-<p:sld xmlns:a="http://schemas.openxmlformats.org/drawingml/2006/main" xmlns:r="http://schemas.openxmlformats.org/officeDocument/2006/relationships" xmlns:p="http://schemas.openxmlformats.org/presentationml/2006/main">
-  <p:cSld>
-    <p:spTree>
-      <p:nvGrpSpPr>
-        <p:cNvPr id="1" name=""/>
-        <p:cNvGrpSpPr/>
-        <p:nvPr/>
-      </p:nvGrpSpPr>
-      <p:grpSpPr>
-        <a:xfrm>
-          <a:off x="0" y="0"/>
-          <a:ext cx="0" cy="0"/>
-          <a:chOff x="0" y="0"/>
-          <a:chExt cx="0" cy="0"/>
-        </a:xfrm>
-      </p:grpSpPr>
       <p:sp>
         <p:nvSpPr>
-          <p:cNvPr id="2" name="Title 1">
+          <p:cNvPr id="5" name="Content Placeholder 2">
             <a:extLst>
               <a:ext uri="{FF2B5EF4-FFF2-40B4-BE49-F238E27FC236}">
-                <a16:creationId xmlns:a16="http://schemas.microsoft.com/office/drawing/2014/main" id="{2CF0F049-C2BF-4F74-BA0A-C80AE4272D4E}"/>
-              </a:ext>
-            </a:extLst>
-          </p:cNvPr>
-          <p:cNvSpPr>
-            <a:spLocks noGrp="1"/>
-          </p:cNvSpPr>
-          <p:nvPr>
-            <p:ph type="title"/>
-          </p:nvPr>
-        </p:nvSpPr>
-        <p:spPr>
-          <a:xfrm>
-            <a:off x="696912" y="116632"/>
-            <a:ext cx="10798175" cy="533400"/>
-          </a:xfrm>
-        </p:spPr>
-        <p:txBody>
-          <a:bodyPr/>
-          <a:lstStyle/>
-          <a:p>
-            <a:pPr algn="ctr"/>
-            <a:r>
-              <a:rPr lang="en-GB" b="0" dirty="0"/>
-              <a:t>Comparison of effects</a:t>
-            </a:r>
-            <a:endParaRPr lang="en-GB" dirty="0"/>
-          </a:p>
-        </p:txBody>
-      </p:sp>
-      <p:sp>
-        <p:nvSpPr>
-          <p:cNvPr id="3" name="Content Placeholder 2">
-            <a:extLst>
-              <a:ext uri="{FF2B5EF4-FFF2-40B4-BE49-F238E27FC236}">
-                <a16:creationId xmlns:a16="http://schemas.microsoft.com/office/drawing/2014/main" id="{B878A8B9-376F-4848-9DC4-33F7894E6F88}"/>
-              </a:ext>
-            </a:extLst>
-          </p:cNvPr>
-          <p:cNvSpPr>
-            <a:spLocks noGrp="1"/>
-          </p:cNvSpPr>
-          <p:nvPr>
-            <p:ph idx="1"/>
-          </p:nvPr>
-        </p:nvSpPr>
-        <p:spPr>
-          <a:xfrm>
-            <a:off x="696913" y="836712"/>
-            <a:ext cx="10798175" cy="5103713"/>
-          </a:xfrm>
-        </p:spPr>
-        <p:txBody>
-          <a:bodyPr/>
-          <a:lstStyle/>
-          <a:p>
-            <a:r>
-              <a:rPr lang="en-GB" dirty="0"/>
-              <a:t>The difference in the effect of the transformation is better shown on the same scale</a:t>
-            </a:r>
-          </a:p>
-        </p:txBody>
-      </p:sp>
-      <p:pic>
-        <p:nvPicPr>
-          <p:cNvPr id="5" name="Picture 4">
-            <a:extLst>
-              <a:ext uri="{FF2B5EF4-FFF2-40B4-BE49-F238E27FC236}">
-                <a16:creationId xmlns:a16="http://schemas.microsoft.com/office/drawing/2014/main" id="{932B466F-6638-4BAD-8811-A481BD8C3BE4}"/>
-              </a:ext>
-            </a:extLst>
-          </p:cNvPr>
-          <p:cNvPicPr>
-            <a:picLocks noChangeAspect="1"/>
-          </p:cNvPicPr>
-          <p:nvPr/>
-        </p:nvPicPr>
-        <p:blipFill>
-          <a:blip r:embed="rId2"/>
-          <a:stretch>
-            <a:fillRect/>
-          </a:stretch>
-        </p:blipFill>
-        <p:spPr>
-          <a:xfrm>
-            <a:off x="690895" y="2204864"/>
-            <a:ext cx="10798175" cy="4054191"/>
-          </a:xfrm>
-          <a:prstGeom prst="rect">
-            <a:avLst/>
-          </a:prstGeom>
-        </p:spPr>
-      </p:pic>
-    </p:spTree>
-    <p:extLst>
-      <p:ext uri="{BB962C8B-B14F-4D97-AF65-F5344CB8AC3E}">
-        <p14:creationId xmlns:p14="http://schemas.microsoft.com/office/powerpoint/2010/main" val="3587142001"/>
-      </p:ext>
-    </p:extLst>
-  </p:cSld>
-  <p:clrMapOvr>
-    <a:masterClrMapping/>
-  </p:clrMapOvr>
-</p:sld>
-</file>
-
-<file path=ppt/slides/slide6.xml><?xml version="1.0" encoding="utf-8"?>
-<p:sld xmlns:a="http://schemas.openxmlformats.org/drawingml/2006/main" xmlns:r="http://schemas.openxmlformats.org/officeDocument/2006/relationships" xmlns:p="http://schemas.openxmlformats.org/presentationml/2006/main">
-  <p:cSld>
-    <p:spTree>
-      <p:nvGrpSpPr>
-        <p:cNvPr id="1" name=""/>
-        <p:cNvGrpSpPr/>
-        <p:nvPr/>
-      </p:nvGrpSpPr>
-      <p:grpSpPr>
-        <a:xfrm>
-          <a:off x="0" y="0"/>
-          <a:ext cx="0" cy="0"/>
-          <a:chOff x="0" y="0"/>
-          <a:chExt cx="0" cy="0"/>
-        </a:xfrm>
-      </p:grpSpPr>
-      <p:sp>
-        <p:nvSpPr>
-          <p:cNvPr id="2" name="Title 1">
-            <a:extLst>
-              <a:ext uri="{FF2B5EF4-FFF2-40B4-BE49-F238E27FC236}">
-                <a16:creationId xmlns:a16="http://schemas.microsoft.com/office/drawing/2014/main" id="{7F41F91D-9BD2-4B2D-B6D6-DBC0FDCF15A6}"/>
-              </a:ext>
-            </a:extLst>
-          </p:cNvPr>
-          <p:cNvSpPr>
-            <a:spLocks noGrp="1"/>
-          </p:cNvSpPr>
-          <p:nvPr>
-            <p:ph type="title"/>
-          </p:nvPr>
-        </p:nvSpPr>
-        <p:spPr>
-          <a:xfrm>
-            <a:off x="696913" y="116632"/>
-            <a:ext cx="10798175" cy="533400"/>
-          </a:xfrm>
-        </p:spPr>
-        <p:txBody>
-          <a:bodyPr/>
-          <a:lstStyle/>
-          <a:p>
-            <a:pPr algn="ctr"/>
-            <a:r>
-              <a:rPr lang="en-GB" dirty="0"/>
-              <a:t>Different point of view</a:t>
-            </a:r>
-          </a:p>
-        </p:txBody>
-      </p:sp>
-      <mc:AlternateContent xmlns:mc="http://schemas.openxmlformats.org/markup-compatibility/2006" xmlns:a14="http://schemas.microsoft.com/office/drawing/2010/main">
-        <mc:Choice Requires="a14">
-          <p:sp>
-            <p:nvSpPr>
-              <p:cNvPr id="3" name="Content Placeholder 2">
-                <a:extLst>
-                  <a:ext uri="{FF2B5EF4-FFF2-40B4-BE49-F238E27FC236}">
-                    <a16:creationId xmlns:a16="http://schemas.microsoft.com/office/drawing/2014/main" id="{BDDF3122-5874-48BB-A94D-7E555BE6EC01}"/>
-                  </a:ext>
-                </a:extLst>
-              </p:cNvPr>
-              <p:cNvSpPr>
-                <a:spLocks noGrp="1"/>
-              </p:cNvSpPr>
-              <p:nvPr>
-                <p:ph idx="1"/>
-              </p:nvPr>
-            </p:nvSpPr>
-            <p:spPr>
-              <a:xfrm>
-                <a:off x="696913" y="908720"/>
-                <a:ext cx="10798175" cy="5031705"/>
-              </a:xfrm>
-            </p:spPr>
-            <p:txBody>
-              <a:bodyPr/>
-              <a:lstStyle/>
-              <a:p>
-                <a:r>
-                  <a:rPr lang="en-GB" dirty="0"/>
-                  <a:t>Both approaches have limitations</a:t>
-                </a:r>
-              </a:p>
-              <a:p>
-                <a:pPr lvl="1"/>
-                <a:r>
-                  <a:rPr lang="en-GB" dirty="0"/>
-                  <a:t>The regression parameters are interpretable in terms of the mean of </a:t>
-                </a:r>
-                <a14:m>
-                  <m:oMath xmlns:m="http://schemas.openxmlformats.org/officeDocument/2006/math">
-                    <m:acc>
-                      <m:accPr>
-                        <m:chr m:val="̃"/>
-                        <m:ctrlPr>
-                          <a:rPr lang="en-GB" i="1" smtClean="0">
-                            <a:latin typeface="Cambria Math" panose="02040503050406030204" pitchFamily="18" charset="0"/>
-                          </a:rPr>
-                        </m:ctrlPr>
-                      </m:accPr>
-                      <m:e>
-                        <m:r>
-                          <m:rPr>
-                            <m:sty m:val="p"/>
-                          </m:rPr>
-                          <a:rPr lang="en-GB" b="0" i="0" smtClean="0">
-                            <a:latin typeface="Cambria Math" panose="02040503050406030204" pitchFamily="18" charset="0"/>
-                          </a:rPr>
-                          <m:t>Y</m:t>
-                        </m:r>
-                      </m:e>
-                    </m:acc>
-                  </m:oMath>
-                </a14:m>
-                <a:r>
-                  <a:rPr lang="el-GR" dirty="0"/>
-                  <a:t> </a:t>
-                </a:r>
-                <a:r>
-                  <a:rPr lang="en-GB" dirty="0"/>
-                  <a:t>not in Y</a:t>
-                </a:r>
-              </a:p>
-              <a:p>
-                <a:pPr lvl="1"/>
-                <a:r>
-                  <a:rPr lang="en-GB" dirty="0"/>
-                  <a:t>Rates and proportions are typically heteroskedastic</a:t>
-                </a:r>
-              </a:p>
-              <a:p>
-                <a:pPr lvl="2"/>
-                <a:r>
-                  <a:rPr lang="en-GB" dirty="0"/>
-                  <a:t>With less variation as we approach the lower and upper limits</a:t>
-                </a:r>
-              </a:p>
-              <a:p>
-                <a:pPr lvl="2"/>
-                <a:r>
-                  <a:rPr lang="en-GB" dirty="0"/>
-                  <a:t>And more variation around the middle</a:t>
-                </a:r>
-              </a:p>
-              <a:p>
-                <a:pPr lvl="1"/>
-                <a:r>
-                  <a:rPr lang="en-GB" dirty="0"/>
-                  <a:t>Distributions of rates and proportions are typically asymmetric</a:t>
-                </a:r>
-              </a:p>
-              <a:p>
-                <a:pPr lvl="2"/>
-                <a:r>
-                  <a:rPr lang="en-GB" dirty="0"/>
-                  <a:t>interval estimation and hypothesis testing can be quite inaccurate in small samples</a:t>
-                </a:r>
-              </a:p>
-              <a:p>
-                <a:endParaRPr lang="en-GB" dirty="0"/>
-              </a:p>
-              <a:p>
-                <a:r>
-                  <a:rPr lang="en-GB" dirty="0">
-                    <a:hlinkClick r:id="rId2" action="ppaction://hlinksldjump"/>
-                  </a:rPr>
-                  <a:t>Ferrari and </a:t>
-                </a:r>
-                <a:r>
-                  <a:rPr lang="en-GB" dirty="0" err="1">
-                    <a:hlinkClick r:id="rId2" action="ppaction://hlinksldjump"/>
-                  </a:rPr>
-                  <a:t>Cribari-Neto</a:t>
-                </a:r>
-                <a:r>
-                  <a:rPr lang="en-GB" dirty="0">
-                    <a:hlinkClick r:id="rId2" action="ppaction://hlinksldjump"/>
-                  </a:rPr>
-                  <a:t> (2004) </a:t>
-                </a:r>
-                <a:r>
-                  <a:rPr lang="en-GB" dirty="0"/>
-                  <a:t>proposed a “regression” model for bounded continuous outcomes</a:t>
-                </a:r>
-              </a:p>
-              <a:p>
-                <a:pPr lvl="1"/>
-                <a:r>
-                  <a:rPr lang="en-GB" dirty="0"/>
-                  <a:t>Key assumption is that the response variable is beta-distributed</a:t>
-                </a:r>
-              </a:p>
-              <a:p>
-                <a:pPr lvl="1"/>
-                <a:r>
-                  <a:rPr lang="en-GB" dirty="0"/>
-                  <a:t>Benefits :</a:t>
-                </a:r>
-              </a:p>
-              <a:p>
-                <a:pPr lvl="2"/>
-                <a:r>
-                  <a:rPr lang="en-GB" dirty="0"/>
-                  <a:t>The regression parameters are interpretable in terms of the mean of Y</a:t>
-                </a:r>
-              </a:p>
-              <a:p>
-                <a:pPr lvl="2"/>
-                <a:r>
-                  <a:rPr lang="en-GB" dirty="0"/>
-                  <a:t>The model is naturally heteroskedastic and easily accommodates asymmetries</a:t>
-                </a:r>
-              </a:p>
-              <a:p>
-                <a:r>
-                  <a:rPr lang="pt-BR" dirty="0">
-                    <a:hlinkClick r:id="rId2" action="ppaction://hlinksldjump"/>
-                  </a:rPr>
-                  <a:t>Simas, Barreto-Souza, and Rocha (2010)</a:t>
-                </a:r>
-                <a:r>
-                  <a:rPr lang="el-GR" dirty="0">
-                    <a:hlinkClick r:id="rId2" action="ppaction://hlinksldjump"/>
-                  </a:rPr>
-                  <a:t> </a:t>
-                </a:r>
-                <a:r>
-                  <a:rPr lang="en-GB" dirty="0"/>
-                  <a:t>developed beta regression to allow nonlinearities and variable dispersion </a:t>
-                </a:r>
-              </a:p>
-              <a:p>
-                <a:endParaRPr lang="en-GB" dirty="0"/>
-              </a:p>
-            </p:txBody>
-          </p:sp>
-        </mc:Choice>
-        <mc:Fallback xmlns="">
-          <p:sp>
-            <p:nvSpPr>
-              <p:cNvPr id="3" name="Content Placeholder 2">
-                <a:extLst>
-                  <a:ext uri="{FF2B5EF4-FFF2-40B4-BE49-F238E27FC236}">
-                    <a16:creationId xmlns:a16="http://schemas.microsoft.com/office/drawing/2014/main" id="{BDDF3122-5874-48BB-A94D-7E555BE6EC01}"/>
-                  </a:ext>
-                </a:extLst>
-              </p:cNvPr>
-              <p:cNvSpPr>
-                <a:spLocks noGrp="1" noRot="1" noChangeAspect="1" noMove="1" noResize="1" noEditPoints="1" noAdjustHandles="1" noChangeArrowheads="1" noChangeShapeType="1" noTextEdit="1"/>
-              </p:cNvSpPr>
-              <p:nvPr>
-                <p:ph idx="1"/>
-              </p:nvPr>
-            </p:nvSpPr>
-            <p:spPr>
-              <a:xfrm>
-                <a:off x="696913" y="908720"/>
-                <a:ext cx="10798175" cy="5031705"/>
-              </a:xfrm>
-              <a:blipFill>
-                <a:blip r:embed="rId3"/>
-                <a:stretch>
-                  <a:fillRect l="-1354" t="-1576"/>
-                </a:stretch>
-              </a:blipFill>
-            </p:spPr>
-            <p:txBody>
-              <a:bodyPr/>
-              <a:lstStyle/>
-              <a:p>
-                <a:r>
-                  <a:rPr lang="en-GB">
-                    <a:noFill/>
-                  </a:rPr>
-                  <a:t> </a:t>
-                </a:r>
-              </a:p>
-            </p:txBody>
-          </p:sp>
-        </mc:Fallback>
-      </mc:AlternateContent>
-    </p:spTree>
-    <p:extLst>
-      <p:ext uri="{BB962C8B-B14F-4D97-AF65-F5344CB8AC3E}">
-        <p14:creationId xmlns:p14="http://schemas.microsoft.com/office/powerpoint/2010/main" val="1553846302"/>
-      </p:ext>
-    </p:extLst>
-  </p:cSld>
-  <p:clrMapOvr>
-    <a:masterClrMapping/>
-  </p:clrMapOvr>
-</p:sld>
-</file>
-
-<file path=ppt/slides/slide7.xml><?xml version="1.0" encoding="utf-8"?>
-<p:sld xmlns:a="http://schemas.openxmlformats.org/drawingml/2006/main" xmlns:r="http://schemas.openxmlformats.org/officeDocument/2006/relationships" xmlns:p="http://schemas.openxmlformats.org/presentationml/2006/main">
-  <p:cSld>
-    <p:spTree>
-      <p:nvGrpSpPr>
-        <p:cNvPr id="1" name=""/>
-        <p:cNvGrpSpPr/>
-        <p:nvPr/>
-      </p:nvGrpSpPr>
-      <p:grpSpPr>
-        <a:xfrm>
-          <a:off x="0" y="0"/>
-          <a:ext cx="0" cy="0"/>
-          <a:chOff x="0" y="0"/>
-          <a:chExt cx="0" cy="0"/>
-        </a:xfrm>
-      </p:grpSpPr>
-      <p:sp>
-        <p:nvSpPr>
-          <p:cNvPr id="2" name="Title 1">
-            <a:extLst>
-              <a:ext uri="{FF2B5EF4-FFF2-40B4-BE49-F238E27FC236}">
-                <a16:creationId xmlns:a16="http://schemas.microsoft.com/office/drawing/2014/main" id="{51381CBB-FB1E-4B9B-923D-E9909EFB905A}"/>
-              </a:ext>
-            </a:extLst>
-          </p:cNvPr>
-          <p:cNvSpPr>
-            <a:spLocks noGrp="1"/>
-          </p:cNvSpPr>
-          <p:nvPr>
-            <p:ph type="title"/>
-          </p:nvPr>
-        </p:nvSpPr>
-        <p:spPr>
-          <a:xfrm>
-            <a:off x="696913" y="116632"/>
-            <a:ext cx="10798175" cy="533400"/>
-          </a:xfrm>
-        </p:spPr>
-        <p:txBody>
-          <a:bodyPr/>
-          <a:lstStyle/>
-          <a:p>
-            <a:pPr algn="ctr"/>
-            <a:r>
-              <a:rPr lang="en-GB" dirty="0"/>
-              <a:t>Beta distribution</a:t>
-            </a:r>
-          </a:p>
-        </p:txBody>
-      </p:sp>
-      <p:pic>
-        <p:nvPicPr>
-          <p:cNvPr id="4" name="Picture 3">
-            <a:extLst>
-              <a:ext uri="{FF2B5EF4-FFF2-40B4-BE49-F238E27FC236}">
-                <a16:creationId xmlns:a16="http://schemas.microsoft.com/office/drawing/2014/main" id="{2DA97E49-2C4E-4663-9C3E-71F8B084712B}"/>
-              </a:ext>
-            </a:extLst>
-          </p:cNvPr>
-          <p:cNvPicPr>
-            <a:picLocks noChangeAspect="1"/>
-          </p:cNvPicPr>
-          <p:nvPr/>
-        </p:nvPicPr>
-        <p:blipFill>
-          <a:blip r:embed="rId2"/>
-          <a:stretch>
-            <a:fillRect/>
-          </a:stretch>
-        </p:blipFill>
-        <p:spPr>
-          <a:xfrm>
-            <a:off x="696912" y="838910"/>
-            <a:ext cx="10798175" cy="4721967"/>
-          </a:xfrm>
-          <a:prstGeom prst="rect">
-            <a:avLst/>
-          </a:prstGeom>
-        </p:spPr>
-      </p:pic>
-      <p:sp>
-        <p:nvSpPr>
-          <p:cNvPr id="6" name="Content Placeholder 2">
-            <a:extLst>
-              <a:ext uri="{FF2B5EF4-FFF2-40B4-BE49-F238E27FC236}">
-                <a16:creationId xmlns:a16="http://schemas.microsoft.com/office/drawing/2014/main" id="{86B400F3-5531-4E08-A6D6-93A35EDCA9C8}"/>
+                <a16:creationId xmlns:a16="http://schemas.microsoft.com/office/drawing/2014/main" id="{64F90E9F-3916-4D26-A806-F073A689C3FE}"/>
               </a:ext>
             </a:extLst>
           </p:cNvPr>
@@ -20185,8 +20312,8 @@
         </p:nvSpPr>
         <p:spPr bwMode="auto">
           <a:xfrm>
-            <a:off x="701240" y="5749756"/>
-            <a:ext cx="10798175" cy="432048"/>
+            <a:off x="551384" y="908720"/>
+            <a:ext cx="10943703" cy="1152128"/>
           </a:xfrm>
           <a:prstGeom prst="rect">
             <a:avLst/>
@@ -20394,13 +20521,22 @@
             </a:lvl9pPr>
           </a:lstStyle>
           <a:p>
-            <a:pPr marL="0" indent="0">
-              <a:buFont typeface="Arial" charset="0"/>
-              <a:buNone/>
-            </a:pPr>
             <a:r>
               <a:rPr lang="en-GB" dirty="0"/>
-              <a:t>Probability density functions for beta distributions with varying parameters</a:t>
+              <a:t>Logit transformation </a:t>
+            </a:r>
+          </a:p>
+          <a:p>
+            <a:pPr algn="ctr"/>
+            <a:r>
+              <a:rPr lang="en-GB" dirty="0"/>
+              <a:t>log(p/1-p)</a:t>
+            </a:r>
+          </a:p>
+          <a:p>
+            <a:r>
+              <a:rPr lang="en-GB" dirty="0"/>
+              <a:t>The transformation pulls out the ends of the distribution more than the arcsine transformation</a:t>
             </a:r>
           </a:p>
         </p:txBody>
@@ -20408,7 +20544,586 @@
     </p:spTree>
     <p:extLst>
       <p:ext uri="{BB962C8B-B14F-4D97-AF65-F5344CB8AC3E}">
-        <p14:creationId xmlns:p14="http://schemas.microsoft.com/office/powerpoint/2010/main" val="1175052142"/>
+        <p14:creationId xmlns:p14="http://schemas.microsoft.com/office/powerpoint/2010/main" val="3854208231"/>
+      </p:ext>
+    </p:extLst>
+  </p:cSld>
+  <p:clrMapOvr>
+    <a:masterClrMapping/>
+  </p:clrMapOvr>
+</p:sld>
+</file>
+
+<file path=ppt/slides/slide5.xml><?xml version="1.0" encoding="utf-8"?>
+<p:sld xmlns:a="http://schemas.openxmlformats.org/drawingml/2006/main" xmlns:r="http://schemas.openxmlformats.org/officeDocument/2006/relationships" xmlns:p="http://schemas.openxmlformats.org/presentationml/2006/main">
+  <p:cSld>
+    <p:spTree>
+      <p:nvGrpSpPr>
+        <p:cNvPr id="1" name=""/>
+        <p:cNvGrpSpPr/>
+        <p:nvPr/>
+      </p:nvGrpSpPr>
+      <p:grpSpPr>
+        <a:xfrm>
+          <a:off x="0" y="0"/>
+          <a:ext cx="0" cy="0"/>
+          <a:chOff x="0" y="0"/>
+          <a:chExt cx="0" cy="0"/>
+        </a:xfrm>
+      </p:grpSpPr>
+      <p:sp>
+        <p:nvSpPr>
+          <p:cNvPr id="2" name="Title 1">
+            <a:extLst>
+              <a:ext uri="{FF2B5EF4-FFF2-40B4-BE49-F238E27FC236}">
+                <a16:creationId xmlns:a16="http://schemas.microsoft.com/office/drawing/2014/main" id="{2CF0F049-C2BF-4F74-BA0A-C80AE4272D4E}"/>
+              </a:ext>
+            </a:extLst>
+          </p:cNvPr>
+          <p:cNvSpPr>
+            <a:spLocks noGrp="1"/>
+          </p:cNvSpPr>
+          <p:nvPr>
+            <p:ph type="title"/>
+          </p:nvPr>
+        </p:nvSpPr>
+        <p:spPr>
+          <a:xfrm>
+            <a:off x="696912" y="116632"/>
+            <a:ext cx="10798175" cy="533400"/>
+          </a:xfrm>
+        </p:spPr>
+        <p:txBody>
+          <a:bodyPr/>
+          <a:lstStyle/>
+          <a:p>
+            <a:pPr algn="ctr"/>
+            <a:r>
+              <a:rPr lang="en-GB" b="0" dirty="0"/>
+              <a:t>Comparison of effects</a:t>
+            </a:r>
+            <a:endParaRPr lang="en-GB" dirty="0"/>
+          </a:p>
+        </p:txBody>
+      </p:sp>
+      <p:sp>
+        <p:nvSpPr>
+          <p:cNvPr id="3" name="Content Placeholder 2">
+            <a:extLst>
+              <a:ext uri="{FF2B5EF4-FFF2-40B4-BE49-F238E27FC236}">
+                <a16:creationId xmlns:a16="http://schemas.microsoft.com/office/drawing/2014/main" id="{B878A8B9-376F-4848-9DC4-33F7894E6F88}"/>
+              </a:ext>
+            </a:extLst>
+          </p:cNvPr>
+          <p:cNvSpPr>
+            <a:spLocks noGrp="1"/>
+          </p:cNvSpPr>
+          <p:nvPr>
+            <p:ph idx="1"/>
+          </p:nvPr>
+        </p:nvSpPr>
+        <p:spPr>
+          <a:xfrm>
+            <a:off x="696913" y="836712"/>
+            <a:ext cx="10798175" cy="5103713"/>
+          </a:xfrm>
+        </p:spPr>
+        <p:txBody>
+          <a:bodyPr/>
+          <a:lstStyle/>
+          <a:p>
+            <a:r>
+              <a:rPr lang="en-GB" dirty="0"/>
+              <a:t>The difference in the effect of the transformation is better shown on the same scale</a:t>
+            </a:r>
+          </a:p>
+        </p:txBody>
+      </p:sp>
+      <p:pic>
+        <p:nvPicPr>
+          <p:cNvPr id="5" name="Picture 4">
+            <a:extLst>
+              <a:ext uri="{FF2B5EF4-FFF2-40B4-BE49-F238E27FC236}">
+                <a16:creationId xmlns:a16="http://schemas.microsoft.com/office/drawing/2014/main" id="{932B466F-6638-4BAD-8811-A481BD8C3BE4}"/>
+              </a:ext>
+            </a:extLst>
+          </p:cNvPr>
+          <p:cNvPicPr>
+            <a:picLocks noChangeAspect="1"/>
+          </p:cNvPicPr>
+          <p:nvPr/>
+        </p:nvPicPr>
+        <p:blipFill>
+          <a:blip r:embed="rId2"/>
+          <a:stretch>
+            <a:fillRect/>
+          </a:stretch>
+        </p:blipFill>
+        <p:spPr>
+          <a:xfrm>
+            <a:off x="690895" y="1700808"/>
+            <a:ext cx="10798175" cy="4558247"/>
+          </a:xfrm>
+          <a:prstGeom prst="rect">
+            <a:avLst/>
+          </a:prstGeom>
+        </p:spPr>
+      </p:pic>
+    </p:spTree>
+    <p:extLst>
+      <p:ext uri="{BB962C8B-B14F-4D97-AF65-F5344CB8AC3E}">
+        <p14:creationId xmlns:p14="http://schemas.microsoft.com/office/powerpoint/2010/main" val="3587142001"/>
+      </p:ext>
+    </p:extLst>
+  </p:cSld>
+  <p:clrMapOvr>
+    <a:masterClrMapping/>
+  </p:clrMapOvr>
+</p:sld>
+</file>
+
+<file path=ppt/slides/slide6.xml><?xml version="1.0" encoding="utf-8"?>
+<p:sld xmlns:a="http://schemas.openxmlformats.org/drawingml/2006/main" xmlns:r="http://schemas.openxmlformats.org/officeDocument/2006/relationships" xmlns:p="http://schemas.openxmlformats.org/presentationml/2006/main">
+  <p:cSld>
+    <p:spTree>
+      <p:nvGrpSpPr>
+        <p:cNvPr id="1" name=""/>
+        <p:cNvGrpSpPr/>
+        <p:nvPr/>
+      </p:nvGrpSpPr>
+      <p:grpSpPr>
+        <a:xfrm>
+          <a:off x="0" y="0"/>
+          <a:ext cx="0" cy="0"/>
+          <a:chOff x="0" y="0"/>
+          <a:chExt cx="0" cy="0"/>
+        </a:xfrm>
+      </p:grpSpPr>
+      <p:sp>
+        <p:nvSpPr>
+          <p:cNvPr id="2" name="Title 1">
+            <a:extLst>
+              <a:ext uri="{FF2B5EF4-FFF2-40B4-BE49-F238E27FC236}">
+                <a16:creationId xmlns:a16="http://schemas.microsoft.com/office/drawing/2014/main" id="{A12A9DFC-1D19-4B7E-90A8-301BBF9442F3}"/>
+              </a:ext>
+            </a:extLst>
+          </p:cNvPr>
+          <p:cNvSpPr>
+            <a:spLocks noGrp="1"/>
+          </p:cNvSpPr>
+          <p:nvPr>
+            <p:ph type="title"/>
+          </p:nvPr>
+        </p:nvSpPr>
+        <p:spPr>
+          <a:xfrm>
+            <a:off x="680145" y="116632"/>
+            <a:ext cx="10798175" cy="533400"/>
+          </a:xfrm>
+        </p:spPr>
+        <p:txBody>
+          <a:bodyPr/>
+          <a:lstStyle/>
+          <a:p>
+            <a:pPr algn="ctr"/>
+            <a:r>
+              <a:rPr lang="en-GB" dirty="0"/>
+              <a:t>Which one should we choose?</a:t>
+            </a:r>
+          </a:p>
+        </p:txBody>
+      </p:sp>
+      <p:sp>
+        <p:nvSpPr>
+          <p:cNvPr id="3" name="Content Placeholder 2">
+            <a:extLst>
+              <a:ext uri="{FF2B5EF4-FFF2-40B4-BE49-F238E27FC236}">
+                <a16:creationId xmlns:a16="http://schemas.microsoft.com/office/drawing/2014/main" id="{409D69CD-1BD9-4665-ACFC-51DF677BF36E}"/>
+              </a:ext>
+            </a:extLst>
+          </p:cNvPr>
+          <p:cNvSpPr>
+            <a:spLocks noGrp="1"/>
+          </p:cNvSpPr>
+          <p:nvPr>
+            <p:ph idx="1"/>
+          </p:nvPr>
+        </p:nvSpPr>
+        <p:spPr>
+          <a:xfrm>
+            <a:off x="696913" y="1196752"/>
+            <a:ext cx="10798175" cy="4743673"/>
+          </a:xfrm>
+        </p:spPr>
+        <p:txBody>
+          <a:bodyPr/>
+          <a:lstStyle/>
+          <a:p>
+            <a:r>
+              <a:rPr lang="en-GB" dirty="0">
+                <a:hlinkClick r:id="rId3" action="ppaction://hlinksldjump"/>
+              </a:rPr>
+              <a:t>Wilson et al. (2010) </a:t>
+            </a:r>
+            <a:r>
+              <a:rPr lang="en-GB" dirty="0"/>
+              <a:t>and </a:t>
+            </a:r>
+            <a:r>
+              <a:rPr lang="en-GB" dirty="0">
+                <a:hlinkClick r:id="rId3" action="ppaction://hlinksldjump"/>
+              </a:rPr>
+              <a:t>Warton, D.I., and F.K.C. Hui. 2011</a:t>
+            </a:r>
+            <a:endParaRPr lang="en-GB" dirty="0"/>
+          </a:p>
+          <a:p>
+            <a:r>
+              <a:rPr lang="en-GB" dirty="0"/>
+              <a:t> Are suggesting the use of logit transformation</a:t>
+            </a:r>
+          </a:p>
+          <a:p>
+            <a:pPr lvl="1"/>
+            <a:r>
+              <a:rPr lang="en-GB" dirty="0"/>
+              <a:t>The logit scale covers all of the real numbers (important for predictions)</a:t>
+            </a:r>
+          </a:p>
+          <a:p>
+            <a:pPr lvl="1"/>
+            <a:r>
+              <a:rPr lang="en-GB" dirty="0"/>
+              <a:t>The logit scale is more intuitive </a:t>
+            </a:r>
+          </a:p>
+          <a:p>
+            <a:pPr lvl="1"/>
+            <a:r>
+              <a:rPr lang="en-GB" dirty="0"/>
+              <a:t>The logit scale correctly models the relationship between the mean and variance in binomial data, where variance is p(1-p)/n.</a:t>
+            </a:r>
+          </a:p>
+          <a:p>
+            <a:pPr lvl="1"/>
+            <a:endParaRPr lang="en-GB" dirty="0"/>
+          </a:p>
+          <a:p>
+            <a:r>
+              <a:rPr lang="en-GB" dirty="0"/>
+              <a:t>BUT in some cases the limited range of the arcsine is beneficial (i.e. when zeros and ones are present)</a:t>
+            </a:r>
+          </a:p>
+          <a:p>
+            <a:endParaRPr lang="en-GB" dirty="0"/>
+          </a:p>
+          <a:p>
+            <a:r>
+              <a:rPr lang="en-GB" dirty="0"/>
+              <a:t>Of course, both transformations are essentially linear over the range of 0.3–0.7, neither transformation is necessary if all of your data fall in this range.</a:t>
+            </a:r>
+          </a:p>
+        </p:txBody>
+      </p:sp>
+    </p:spTree>
+    <p:extLst>
+      <p:ext uri="{BB962C8B-B14F-4D97-AF65-F5344CB8AC3E}">
+        <p14:creationId xmlns:p14="http://schemas.microsoft.com/office/powerpoint/2010/main" val="3746431269"/>
+      </p:ext>
+    </p:extLst>
+  </p:cSld>
+  <p:clrMapOvr>
+    <a:masterClrMapping/>
+  </p:clrMapOvr>
+</p:sld>
+</file>
+
+<file path=ppt/slides/slide7.xml><?xml version="1.0" encoding="utf-8"?>
+<p:sld xmlns:a="http://schemas.openxmlformats.org/drawingml/2006/main" xmlns:r="http://schemas.openxmlformats.org/officeDocument/2006/relationships" xmlns:p="http://schemas.openxmlformats.org/presentationml/2006/main">
+  <p:cSld>
+    <p:spTree>
+      <p:nvGrpSpPr>
+        <p:cNvPr id="1" name=""/>
+        <p:cNvGrpSpPr/>
+        <p:nvPr/>
+      </p:nvGrpSpPr>
+      <p:grpSpPr>
+        <a:xfrm>
+          <a:off x="0" y="0"/>
+          <a:ext cx="0" cy="0"/>
+          <a:chOff x="0" y="0"/>
+          <a:chExt cx="0" cy="0"/>
+        </a:xfrm>
+      </p:grpSpPr>
+      <p:sp>
+        <p:nvSpPr>
+          <p:cNvPr id="2" name="Title 1">
+            <a:extLst>
+              <a:ext uri="{FF2B5EF4-FFF2-40B4-BE49-F238E27FC236}">
+                <a16:creationId xmlns:a16="http://schemas.microsoft.com/office/drawing/2014/main" id="{7F41F91D-9BD2-4B2D-B6D6-DBC0FDCF15A6}"/>
+              </a:ext>
+            </a:extLst>
+          </p:cNvPr>
+          <p:cNvSpPr>
+            <a:spLocks noGrp="1"/>
+          </p:cNvSpPr>
+          <p:nvPr>
+            <p:ph type="title"/>
+          </p:nvPr>
+        </p:nvSpPr>
+        <p:spPr>
+          <a:xfrm>
+            <a:off x="696913" y="116632"/>
+            <a:ext cx="10798175" cy="533400"/>
+          </a:xfrm>
+        </p:spPr>
+        <p:txBody>
+          <a:bodyPr/>
+          <a:lstStyle/>
+          <a:p>
+            <a:pPr algn="ctr"/>
+            <a:r>
+              <a:rPr lang="en-GB" dirty="0"/>
+              <a:t>Different point of view</a:t>
+            </a:r>
+          </a:p>
+        </p:txBody>
+      </p:sp>
+      <mc:AlternateContent xmlns:mc="http://schemas.openxmlformats.org/markup-compatibility/2006">
+        <mc:Choice xmlns:a14="http://schemas.microsoft.com/office/drawing/2010/main" Requires="a14">
+          <p:sp>
+            <p:nvSpPr>
+              <p:cNvPr id="3" name="Content Placeholder 2">
+                <a:extLst>
+                  <a:ext uri="{FF2B5EF4-FFF2-40B4-BE49-F238E27FC236}">
+                    <a16:creationId xmlns:a16="http://schemas.microsoft.com/office/drawing/2014/main" id="{BDDF3122-5874-48BB-A94D-7E555BE6EC01}"/>
+                  </a:ext>
+                </a:extLst>
+              </p:cNvPr>
+              <p:cNvSpPr>
+                <a:spLocks noGrp="1"/>
+              </p:cNvSpPr>
+              <p:nvPr>
+                <p:ph idx="1"/>
+              </p:nvPr>
+            </p:nvSpPr>
+            <p:spPr>
+              <a:xfrm>
+                <a:off x="696913" y="908720"/>
+                <a:ext cx="10798175" cy="5256584"/>
+              </a:xfrm>
+            </p:spPr>
+            <p:txBody>
+              <a:bodyPr/>
+              <a:lstStyle/>
+              <a:p>
+                <a:r>
+                  <a:rPr lang="en-GB" dirty="0"/>
+                  <a:t>Both approaches have limitations</a:t>
+                </a:r>
+              </a:p>
+              <a:p>
+                <a:pPr lvl="1"/>
+                <a:r>
+                  <a:rPr lang="en-GB" dirty="0"/>
+                  <a:t>The regression parameters are interpretable in terms of the mean of </a:t>
+                </a:r>
+                <a14:m>
+                  <m:oMath xmlns:m="http://schemas.openxmlformats.org/officeDocument/2006/math">
+                    <m:acc>
+                      <m:accPr>
+                        <m:chr m:val="̃"/>
+                        <m:ctrlPr>
+                          <a:rPr lang="en-GB" i="1" smtClean="0">
+                            <a:latin typeface="Cambria Math" panose="02040503050406030204" pitchFamily="18" charset="0"/>
+                          </a:rPr>
+                        </m:ctrlPr>
+                      </m:accPr>
+                      <m:e>
+                        <m:r>
+                          <m:rPr>
+                            <m:sty m:val="p"/>
+                          </m:rPr>
+                          <a:rPr lang="en-GB" b="0" i="0" smtClean="0">
+                            <a:latin typeface="Cambria Math" panose="02040503050406030204" pitchFamily="18" charset="0"/>
+                          </a:rPr>
+                          <m:t>Y</m:t>
+                        </m:r>
+                      </m:e>
+                    </m:acc>
+                  </m:oMath>
+                </a14:m>
+                <a:r>
+                  <a:rPr lang="el-GR" dirty="0"/>
+                  <a:t> </a:t>
+                </a:r>
+                <a:r>
+                  <a:rPr lang="en-GB" dirty="0"/>
+                  <a:t>not in Y</a:t>
+                </a:r>
+              </a:p>
+              <a:p>
+                <a:pPr lvl="1"/>
+                <a:r>
+                  <a:rPr lang="en-GB" dirty="0"/>
+                  <a:t>Rates and proportions are typically heteroskedastic</a:t>
+                </a:r>
+              </a:p>
+              <a:p>
+                <a:pPr lvl="2"/>
+                <a:r>
+                  <a:rPr lang="en-GB" dirty="0"/>
+                  <a:t>With less variation as we approach the lower and upper limits</a:t>
+                </a:r>
+              </a:p>
+              <a:p>
+                <a:pPr lvl="2"/>
+                <a:r>
+                  <a:rPr lang="en-GB" dirty="0"/>
+                  <a:t>And more variation around the middle</a:t>
+                </a:r>
+              </a:p>
+              <a:p>
+                <a:pPr lvl="1"/>
+                <a:r>
+                  <a:rPr lang="en-GB" dirty="0"/>
+                  <a:t>Distributions of rates and proportions are typically asymmetric</a:t>
+                </a:r>
+              </a:p>
+              <a:p>
+                <a:pPr lvl="2"/>
+                <a:r>
+                  <a:rPr lang="en-GB" dirty="0"/>
+                  <a:t>interval estimation and hypothesis testing can be quite inaccurate in small samples</a:t>
+                </a:r>
+              </a:p>
+              <a:p>
+                <a:endParaRPr lang="en-GB" dirty="0"/>
+              </a:p>
+              <a:p>
+                <a:r>
+                  <a:rPr lang="en-GB" dirty="0">
+                    <a:hlinkClick r:id="rId2" action="ppaction://hlinksldjump"/>
+                  </a:rPr>
+                  <a:t>Ferrari and </a:t>
+                </a:r>
+                <a:r>
+                  <a:rPr lang="en-GB" dirty="0" err="1">
+                    <a:hlinkClick r:id="rId2" action="ppaction://hlinksldjump"/>
+                  </a:rPr>
+                  <a:t>Cribari-Neto</a:t>
+                </a:r>
+                <a:r>
+                  <a:rPr lang="en-GB" dirty="0">
+                    <a:hlinkClick r:id="rId2" action="ppaction://hlinksldjump"/>
+                  </a:rPr>
+                  <a:t> (2004) </a:t>
+                </a:r>
+                <a:r>
+                  <a:rPr lang="en-GB" dirty="0"/>
+                  <a:t>proposed a “regression” model for bounded continuous outcomes</a:t>
+                </a:r>
+              </a:p>
+              <a:p>
+                <a:pPr lvl="1"/>
+                <a:r>
+                  <a:rPr lang="en-GB" dirty="0"/>
+                  <a:t>Key assumption is that the response variable is beta-distributed</a:t>
+                </a:r>
+              </a:p>
+              <a:p>
+                <a:pPr lvl="1"/>
+                <a:r>
+                  <a:rPr lang="en-GB" dirty="0"/>
+                  <a:t>Benefits :</a:t>
+                </a:r>
+              </a:p>
+              <a:p>
+                <a:pPr lvl="2"/>
+                <a:r>
+                  <a:rPr lang="en-GB" dirty="0"/>
+                  <a:t>The regression parameters are interpretable in terms of the mean of Y</a:t>
+                </a:r>
+              </a:p>
+              <a:p>
+                <a:pPr lvl="2"/>
+                <a:r>
+                  <a:rPr lang="en-GB" dirty="0"/>
+                  <a:t>The model is naturally heteroskedastic and easily accommodates asymmetries</a:t>
+                </a:r>
+              </a:p>
+              <a:p>
+                <a:r>
+                  <a:rPr lang="pt-BR" dirty="0">
+                    <a:hlinkClick r:id="rId2" action="ppaction://hlinksldjump"/>
+                  </a:rPr>
+                  <a:t>Simas, Barreto-Souza, and Rocha (2010)</a:t>
+                </a:r>
+                <a:r>
+                  <a:rPr lang="el-GR" dirty="0">
+                    <a:hlinkClick r:id="rId2" action="ppaction://hlinksldjump"/>
+                  </a:rPr>
+                  <a:t> </a:t>
+                </a:r>
+                <a:r>
+                  <a:rPr lang="en-GB" dirty="0"/>
+                  <a:t>developed beta regression to allow nonlinearities and variable dispersion </a:t>
+                </a:r>
+              </a:p>
+              <a:p>
+                <a:endParaRPr lang="en-GB" dirty="0"/>
+              </a:p>
+            </p:txBody>
+          </p:sp>
+        </mc:Choice>
+        <mc:Fallback>
+          <p:sp>
+            <p:nvSpPr>
+              <p:cNvPr id="3" name="Content Placeholder 2">
+                <a:extLst>
+                  <a:ext uri="{FF2B5EF4-FFF2-40B4-BE49-F238E27FC236}">
+                    <a16:creationId xmlns:a16="http://schemas.microsoft.com/office/drawing/2014/main" id="{BDDF3122-5874-48BB-A94D-7E555BE6EC01}"/>
+                  </a:ext>
+                </a:extLst>
+              </p:cNvPr>
+              <p:cNvSpPr>
+                <a:spLocks noGrp="1" noRot="1" noChangeAspect="1" noMove="1" noResize="1" noEditPoints="1" noAdjustHandles="1" noChangeArrowheads="1" noChangeShapeType="1" noTextEdit="1"/>
+              </p:cNvSpPr>
+              <p:nvPr>
+                <p:ph idx="1"/>
+              </p:nvPr>
+            </p:nvSpPr>
+            <p:spPr>
+              <a:xfrm>
+                <a:off x="696913" y="908720"/>
+                <a:ext cx="10798175" cy="5256584"/>
+              </a:xfrm>
+              <a:blipFill>
+                <a:blip r:embed="rId3"/>
+                <a:stretch>
+                  <a:fillRect l="-1354" t="-1508"/>
+                </a:stretch>
+              </a:blipFill>
+            </p:spPr>
+            <p:txBody>
+              <a:bodyPr/>
+              <a:lstStyle/>
+              <a:p>
+                <a:r>
+                  <a:rPr lang="en-GB">
+                    <a:noFill/>
+                  </a:rPr>
+                  <a:t> </a:t>
+                </a:r>
+              </a:p>
+            </p:txBody>
+          </p:sp>
+        </mc:Fallback>
+      </mc:AlternateContent>
+    </p:spTree>
+    <p:extLst>
+      <p:ext uri="{BB962C8B-B14F-4D97-AF65-F5344CB8AC3E}">
+        <p14:creationId xmlns:p14="http://schemas.microsoft.com/office/powerpoint/2010/main" val="1553846302"/>
       </p:ext>
     </p:extLst>
   </p:cSld>
@@ -20469,8 +21184,8 @@
           </a:p>
         </p:txBody>
       </p:sp>
-      <mc:AlternateContent xmlns:mc="http://schemas.openxmlformats.org/markup-compatibility/2006" xmlns:a14="http://schemas.microsoft.com/office/drawing/2010/main">
-        <mc:Choice Requires="a14">
+      <mc:AlternateContent xmlns:mc="http://schemas.openxmlformats.org/markup-compatibility/2006">
+        <mc:Choice xmlns:a14="http://schemas.microsoft.com/office/drawing/2010/main" Requires="a14">
           <p:sp>
             <p:nvSpPr>
               <p:cNvPr id="3" name="Content Placeholder 2">
@@ -21032,7 +21747,7 @@
                 </a:r>
                 <a:r>
                   <a:rPr lang="en-GB" baseline="-25000" dirty="0"/>
-                  <a:t>1</a:t>
+                  <a:t>2</a:t>
                 </a:r>
                 <a:r>
                   <a:rPr lang="en-GB" dirty="0"/>
@@ -21192,7 +21907,7 @@
             </p:txBody>
           </p:sp>
         </mc:Choice>
-        <mc:Fallback xmlns="">
+        <mc:Fallback>
           <p:sp>
             <p:nvSpPr>
               <p:cNvPr id="3" name="Content Placeholder 2">
@@ -21271,7 +21986,7 @@
           <p:cNvPr id="2" name="Title 1">
             <a:extLst>
               <a:ext uri="{FF2B5EF4-FFF2-40B4-BE49-F238E27FC236}">
-                <a16:creationId xmlns:a16="http://schemas.microsoft.com/office/drawing/2014/main" id="{78FEEEAD-80C1-4393-89D7-B4F4543E4551}"/>
+                <a16:creationId xmlns:a16="http://schemas.microsoft.com/office/drawing/2014/main" id="{51381CBB-FB1E-4B9B-923D-E9909EFB905A}"/>
               </a:ext>
             </a:extLst>
           </p:cNvPr>
@@ -21284,7 +21999,7 @@
         </p:nvSpPr>
         <p:spPr>
           <a:xfrm>
-            <a:off x="696912" y="116632"/>
+            <a:off x="696913" y="116632"/>
             <a:ext cx="10798175" cy="533400"/>
           </a:xfrm>
         </p:spPr>
@@ -21294,203 +22009,282 @@
           <a:p>
             <a:pPr algn="ctr"/>
             <a:r>
-              <a:rPr lang="en-GB" b="0" dirty="0"/>
-              <a:t>Implementation in R</a:t>
-            </a:r>
-            <a:endParaRPr lang="en-GB" dirty="0"/>
+              <a:rPr lang="en-GB" dirty="0"/>
+              <a:t>Beta distribution</a:t>
+            </a:r>
           </a:p>
         </p:txBody>
       </p:sp>
-      <p:sp>
-        <p:nvSpPr>
-          <p:cNvPr id="3" name="Content Placeholder 2">
+      <p:pic>
+        <p:nvPicPr>
+          <p:cNvPr id="4" name="Picture 3">
             <a:extLst>
               <a:ext uri="{FF2B5EF4-FFF2-40B4-BE49-F238E27FC236}">
-                <a16:creationId xmlns:a16="http://schemas.microsoft.com/office/drawing/2014/main" id="{38FC01DC-960B-4FC5-8DA0-762FBF5E96DE}"/>
+                <a16:creationId xmlns:a16="http://schemas.microsoft.com/office/drawing/2014/main" id="{2DA97E49-2C4E-4663-9C3E-71F8B084712B}"/>
               </a:ext>
             </a:extLst>
           </p:cNvPr>
-          <p:cNvSpPr>
-            <a:spLocks noGrp="1"/>
-          </p:cNvSpPr>
-          <p:nvPr>
-            <p:ph idx="1"/>
-          </p:nvPr>
-        </p:nvSpPr>
+          <p:cNvPicPr>
+            <a:picLocks noChangeAspect="1"/>
+          </p:cNvPicPr>
+          <p:nvPr/>
+        </p:nvPicPr>
+        <p:blipFill>
+          <a:blip r:embed="rId2"/>
+          <a:stretch>
+            <a:fillRect/>
+          </a:stretch>
+        </p:blipFill>
         <p:spPr>
           <a:xfrm>
-            <a:off x="696913" y="650032"/>
-            <a:ext cx="10798173" cy="5290393"/>
+            <a:off x="696912" y="838910"/>
+            <a:ext cx="10798175" cy="4721967"/>
           </a:xfrm>
+          <a:prstGeom prst="rect">
+            <a:avLst/>
+          </a:prstGeom>
+        </p:spPr>
+      </p:pic>
+      <p:sp>
+        <p:nvSpPr>
+          <p:cNvPr id="6" name="Content Placeholder 2">
+            <a:extLst>
+              <a:ext uri="{FF2B5EF4-FFF2-40B4-BE49-F238E27FC236}">
+                <a16:creationId xmlns:a16="http://schemas.microsoft.com/office/drawing/2014/main" id="{86B400F3-5531-4E08-A6D6-93A35EDCA9C8}"/>
+              </a:ext>
+            </a:extLst>
+          </p:cNvPr>
+          <p:cNvSpPr txBox="1">
+            <a:spLocks/>
+          </p:cNvSpPr>
+          <p:nvPr/>
+        </p:nvSpPr>
+        <p:spPr bwMode="auto">
+          <a:xfrm>
+            <a:off x="701240" y="5749756"/>
+            <a:ext cx="10798175" cy="432048"/>
+          </a:xfrm>
+          <a:prstGeom prst="rect">
+            <a:avLst/>
+          </a:prstGeom>
+          <a:noFill/>
+          <a:ln>
+            <a:noFill/>
+          </a:ln>
+          <a:extLst>
+            <a:ext uri="{909E8E84-426E-40DD-AFC4-6F175D3DCCD1}">
+              <a14:hiddenFill xmlns:a14="http://schemas.microsoft.com/office/drawing/2010/main">
+                <a:solidFill>
+                  <a:srgbClr val="FFFFFF"/>
+                </a:solidFill>
+              </a14:hiddenFill>
+            </a:ext>
+            <a:ext uri="{91240B29-F687-4F45-9708-019B960494DF}">
+              <a14:hiddenLine xmlns:a14="http://schemas.microsoft.com/office/drawing/2010/main" w="9525">
+                <a:solidFill>
+                  <a:srgbClr val="000000"/>
+                </a:solidFill>
+                <a:miter lim="800000"/>
+                <a:headEnd/>
+                <a:tailEnd/>
+              </a14:hiddenLine>
+            </a:ext>
+          </a:extLst>
         </p:spPr>
         <p:txBody>
-          <a:bodyPr/>
-          <a:lstStyle/>
-          <a:p>
-            <a:r>
-              <a:rPr lang="en-GB" dirty="0"/>
-              <a:t>The function used is </a:t>
-            </a:r>
-            <a:r>
-              <a:rPr lang="en-GB" dirty="0" err="1"/>
-              <a:t>betareg</a:t>
-            </a:r>
-            <a:r>
-              <a:rPr lang="en-GB" dirty="0"/>
-              <a:t>()</a:t>
-            </a:r>
-          </a:p>
-          <a:p>
-            <a:r>
-              <a:rPr lang="en-GB" dirty="0"/>
-              <a:t>Similar to the </a:t>
-            </a:r>
-            <a:r>
-              <a:rPr lang="en-GB" dirty="0" err="1"/>
-              <a:t>glm</a:t>
-            </a:r>
-            <a:r>
-              <a:rPr lang="en-GB" dirty="0"/>
-              <a:t>() function.</a:t>
-            </a:r>
-          </a:p>
-          <a:p>
-            <a:pPr lvl="1"/>
-            <a:r>
-              <a:rPr lang="en-GB" dirty="0"/>
-              <a:t>A main difference is that two equations may be calculated (one for mean and  one for precision) </a:t>
-            </a:r>
-          </a:p>
-          <a:p>
-            <a:pPr marL="321945" lvl="1" indent="0" algn="ctr">
+          <a:bodyPr vert="horz" wrap="square" lIns="0" tIns="0" rIns="0" bIns="0" numCol="1" anchor="t" anchorCtr="0" compatLnSpc="1"/>
+          <a:lstStyle>
+            <a:lvl1pPr marL="322580" indent="-322580" algn="l" rtl="0" eaLnBrk="0" fontAlgn="base" hangingPunct="0">
+              <a:lnSpc>
+                <a:spcPts val="2500"/>
+              </a:lnSpc>
+              <a:spcBef>
+                <a:spcPct val="0"/>
+              </a:spcBef>
+              <a:spcAft>
+                <a:spcPct val="0"/>
+              </a:spcAft>
+              <a:buClr>
+                <a:schemeClr val="tx2"/>
+              </a:buClr>
+              <a:buFont typeface="Arial" charset="0"/>
+              <a:buChar char="•"/>
+              <a:defRPr sz="2000" kern="1200">
+                <a:solidFill>
+                  <a:schemeClr val="tx1"/>
+                </a:solidFill>
+                <a:latin typeface="+mn-lt"/>
+                <a:ea typeface="+mn-ea"/>
+                <a:cs typeface="+mn-cs"/>
+              </a:defRPr>
+            </a:lvl1pPr>
+            <a:lvl2pPr marL="647700" indent="-325755" algn="l" rtl="0" eaLnBrk="0" fontAlgn="base" hangingPunct="0">
+              <a:lnSpc>
+                <a:spcPts val="2500"/>
+              </a:lnSpc>
+              <a:spcBef>
+                <a:spcPct val="0"/>
+              </a:spcBef>
+              <a:spcAft>
+                <a:spcPct val="0"/>
+              </a:spcAft>
+              <a:buFont typeface="Arial" charset="0"/>
+              <a:buChar char="•"/>
+              <a:defRPr sz="2000" kern="1200">
+                <a:solidFill>
+                  <a:schemeClr val="tx1"/>
+                </a:solidFill>
+                <a:latin typeface="+mn-lt"/>
+                <a:ea typeface="+mn-ea"/>
+                <a:cs typeface="+mn-cs"/>
+              </a:defRPr>
+            </a:lvl2pPr>
+            <a:lvl3pPr marL="970280" indent="-323850" algn="l" rtl="0" eaLnBrk="0" fontAlgn="base" hangingPunct="0">
+              <a:lnSpc>
+                <a:spcPts val="2500"/>
+              </a:lnSpc>
+              <a:spcBef>
+                <a:spcPct val="0"/>
+              </a:spcBef>
+              <a:spcAft>
+                <a:spcPct val="0"/>
+              </a:spcAft>
+              <a:buClr>
+                <a:schemeClr val="tx2"/>
+              </a:buClr>
+              <a:buFont typeface="Arial" charset="0"/>
+              <a:buChar char="•"/>
+              <a:defRPr sz="2000" kern="1200">
+                <a:solidFill>
+                  <a:schemeClr val="tx1"/>
+                </a:solidFill>
+                <a:latin typeface="+mn-lt"/>
+                <a:ea typeface="+mn-ea"/>
+                <a:cs typeface="+mn-cs"/>
+              </a:defRPr>
+            </a:lvl3pPr>
+            <a:lvl4pPr marL="1294130" indent="-322580" algn="l" rtl="0" eaLnBrk="0" fontAlgn="base" hangingPunct="0">
+              <a:lnSpc>
+                <a:spcPts val="2500"/>
+              </a:lnSpc>
+              <a:spcBef>
+                <a:spcPct val="0"/>
+              </a:spcBef>
+              <a:spcAft>
+                <a:spcPct val="0"/>
+              </a:spcAft>
+              <a:buFont typeface="Arial" charset="0"/>
+              <a:buChar char="•"/>
+              <a:defRPr sz="2000" kern="1200">
+                <a:solidFill>
+                  <a:schemeClr val="tx1"/>
+                </a:solidFill>
+                <a:latin typeface="+mn-lt"/>
+                <a:ea typeface="+mn-ea"/>
+                <a:cs typeface="+mn-cs"/>
+              </a:defRPr>
+            </a:lvl4pPr>
+            <a:lvl5pPr marL="1619250" indent="-323850" algn="l" rtl="0" eaLnBrk="0" fontAlgn="base" hangingPunct="0">
+              <a:lnSpc>
+                <a:spcPts val="2500"/>
+              </a:lnSpc>
+              <a:spcBef>
+                <a:spcPct val="0"/>
+              </a:spcBef>
+              <a:spcAft>
+                <a:spcPct val="0"/>
+              </a:spcAft>
+              <a:buClr>
+                <a:schemeClr val="tx2"/>
+              </a:buClr>
+              <a:buFont typeface="Arial" charset="0"/>
+              <a:buChar char="•"/>
+              <a:defRPr sz="2000" kern="1200">
+                <a:solidFill>
+                  <a:schemeClr val="tx1"/>
+                </a:solidFill>
+                <a:latin typeface="+mn-lt"/>
+                <a:ea typeface="+mn-ea"/>
+                <a:cs typeface="+mn-cs"/>
+              </a:defRPr>
+            </a:lvl5pPr>
+            <a:lvl6pPr marL="2514600" indent="-228600" algn="l" defTabSz="914400" rtl="0" eaLnBrk="1" latinLnBrk="0" hangingPunct="1">
+              <a:spcBef>
+                <a:spcPct val="20000"/>
+              </a:spcBef>
+              <a:buFont typeface="Arial" charset="0"/>
+              <a:buChar char="•"/>
+              <a:defRPr sz="2000" kern="1200">
+                <a:solidFill>
+                  <a:schemeClr val="tx1"/>
+                </a:solidFill>
+                <a:latin typeface="+mn-lt"/>
+                <a:ea typeface="+mn-ea"/>
+                <a:cs typeface="+mn-cs"/>
+              </a:defRPr>
+            </a:lvl6pPr>
+            <a:lvl7pPr marL="2971800" indent="-228600" algn="l" defTabSz="914400" rtl="0" eaLnBrk="1" latinLnBrk="0" hangingPunct="1">
+              <a:spcBef>
+                <a:spcPct val="20000"/>
+              </a:spcBef>
+              <a:buFont typeface="Arial" charset="0"/>
+              <a:buChar char="•"/>
+              <a:defRPr sz="2000" kern="1200">
+                <a:solidFill>
+                  <a:schemeClr val="tx1"/>
+                </a:solidFill>
+                <a:latin typeface="+mn-lt"/>
+                <a:ea typeface="+mn-ea"/>
+                <a:cs typeface="+mn-cs"/>
+              </a:defRPr>
+            </a:lvl7pPr>
+            <a:lvl8pPr marL="3429000" indent="-228600" algn="l" defTabSz="914400" rtl="0" eaLnBrk="1" latinLnBrk="0" hangingPunct="1">
+              <a:spcBef>
+                <a:spcPct val="20000"/>
+              </a:spcBef>
+              <a:buFont typeface="Arial" charset="0"/>
+              <a:buChar char="•"/>
+              <a:defRPr sz="2000" kern="1200">
+                <a:solidFill>
+                  <a:schemeClr val="tx1"/>
+                </a:solidFill>
+                <a:latin typeface="+mn-lt"/>
+                <a:ea typeface="+mn-ea"/>
+                <a:cs typeface="+mn-cs"/>
+              </a:defRPr>
+            </a:lvl8pPr>
+            <a:lvl9pPr marL="3886200" indent="-228600" algn="l" defTabSz="914400" rtl="0" eaLnBrk="1" latinLnBrk="0" hangingPunct="1">
+              <a:spcBef>
+                <a:spcPct val="20000"/>
+              </a:spcBef>
+              <a:buFont typeface="Arial" charset="0"/>
+              <a:buChar char="•"/>
+              <a:defRPr sz="2000" kern="1200">
+                <a:solidFill>
+                  <a:schemeClr val="tx1"/>
+                </a:solidFill>
+                <a:latin typeface="+mn-lt"/>
+                <a:ea typeface="+mn-ea"/>
+                <a:cs typeface="+mn-cs"/>
+              </a:defRPr>
+            </a:lvl9pPr>
+          </a:lstStyle>
+          <a:p>
+            <a:pPr marL="0" indent="0">
+              <a:buFont typeface="Arial" charset="0"/>
               <a:buNone/>
             </a:pPr>
             <a:r>
               <a:rPr lang="en-GB" dirty="0"/>
-              <a:t>formula = </a:t>
-            </a:r>
-            <a:r>
-              <a:rPr lang="pl-PL" dirty="0"/>
-              <a:t>y ~ x1 + x2 | </a:t>
-            </a:r>
-            <a:r>
-              <a:rPr lang="en-GB" dirty="0"/>
-              <a:t>1 + </a:t>
-            </a:r>
-            <a:r>
-              <a:rPr lang="pl-PL" dirty="0"/>
-              <a:t>z1 + z2 + z3</a:t>
-            </a:r>
-            <a:endParaRPr lang="en-GB" dirty="0"/>
-          </a:p>
-          <a:p>
-            <a:pPr marL="321945" lvl="1" indent="0" algn="ctr">
-              <a:buNone/>
-            </a:pPr>
-            <a:r>
-              <a:rPr lang="en-GB" dirty="0"/>
-              <a:t>In the above example the x</a:t>
-            </a:r>
-            <a:r>
-              <a:rPr lang="en-GB" baseline="-25000" dirty="0"/>
-              <a:t>1</a:t>
-            </a:r>
-            <a:r>
-              <a:rPr lang="en-GB" dirty="0"/>
-              <a:t> + x</a:t>
-            </a:r>
-            <a:r>
-              <a:rPr lang="en-GB" baseline="-25000" dirty="0"/>
-              <a:t>2</a:t>
-            </a:r>
-            <a:r>
-              <a:rPr lang="en-GB" dirty="0"/>
-              <a:t> are the regressors for mean  modelling </a:t>
-            </a:r>
-            <a:r>
-              <a:rPr lang="en-GB" dirty="0">
-                <a:hlinkClick r:id="rId3" action="ppaction://hlinksldjump"/>
-              </a:rPr>
-              <a:t>[eq.1]</a:t>
-            </a:r>
-            <a:endParaRPr lang="en-GB" dirty="0"/>
-          </a:p>
-          <a:p>
-            <a:pPr marL="321945" lvl="1" indent="0" algn="ctr">
-              <a:buNone/>
-            </a:pPr>
-            <a:r>
-              <a:rPr lang="en-GB" dirty="0"/>
-              <a:t>While the </a:t>
-            </a:r>
-            <a:r>
-              <a:rPr lang="pl-PL" dirty="0"/>
-              <a:t>z</a:t>
-            </a:r>
-            <a:r>
-              <a:rPr lang="pl-PL" baseline="-25000" dirty="0"/>
-              <a:t>1</a:t>
-            </a:r>
-            <a:r>
-              <a:rPr lang="pl-PL" dirty="0"/>
-              <a:t> + z</a:t>
-            </a:r>
-            <a:r>
-              <a:rPr lang="pl-PL" baseline="-25000" dirty="0"/>
-              <a:t>2</a:t>
-            </a:r>
-            <a:r>
-              <a:rPr lang="pl-PL" dirty="0"/>
-              <a:t> + z</a:t>
-            </a:r>
-            <a:r>
-              <a:rPr lang="pl-PL" baseline="-25000" dirty="0"/>
-              <a:t>3</a:t>
-            </a:r>
-            <a:r>
-              <a:rPr lang="en-GB" dirty="0"/>
-              <a:t> are the regressors for the precision equation </a:t>
-            </a:r>
-            <a:r>
-              <a:rPr lang="en-GB" dirty="0">
-                <a:hlinkClick r:id="rId3" action="ppaction://hlinksldjump"/>
-              </a:rPr>
-              <a:t>[eq.2]</a:t>
-            </a:r>
-            <a:endParaRPr lang="en-GB" dirty="0"/>
-          </a:p>
-          <a:p>
-            <a:pPr marL="321945" lvl="1" indent="0" algn="ctr">
-              <a:buNone/>
-            </a:pPr>
-            <a:endParaRPr lang="en-GB" baseline="-25000" dirty="0"/>
-          </a:p>
-          <a:p>
-            <a:pPr marL="321945" lvl="1" indent="0" algn="ctr">
-              <a:buNone/>
-            </a:pPr>
-            <a:r>
-              <a:rPr lang="en-GB" dirty="0"/>
-              <a:t>formula = </a:t>
-            </a:r>
-            <a:r>
-              <a:rPr lang="pl-PL" dirty="0"/>
-              <a:t>y ~ x1 + x2</a:t>
-            </a:r>
-            <a:endParaRPr lang="en-GB" dirty="0"/>
-          </a:p>
-          <a:p>
-            <a:pPr marL="321945" lvl="1" indent="0" algn="ctr">
-              <a:buNone/>
-            </a:pPr>
-            <a:endParaRPr lang="en-GB" dirty="0"/>
+              <a:t>Probability density functions for beta distributions with varying parameters</a:t>
+            </a:r>
           </a:p>
         </p:txBody>
       </p:sp>
     </p:spTree>
     <p:extLst>
       <p:ext uri="{BB962C8B-B14F-4D97-AF65-F5344CB8AC3E}">
-        <p14:creationId xmlns:p14="http://schemas.microsoft.com/office/powerpoint/2010/main" val="2928120243"/>
+        <p14:creationId xmlns:p14="http://schemas.microsoft.com/office/powerpoint/2010/main" val="1175052142"/>
       </p:ext>
     </p:extLst>
   </p:cSld>
